--- a/Semantic web.pptx
+++ b/Semantic web.pptx
@@ -5,24 +5,25 @@
     <p:sldMasterId id="2147483658" r:id="rId1"/>
   </p:sldMasterIdLst>
   <p:notesMasterIdLst>
-    <p:notesMasterId r:id="rId14"/>
+    <p:notesMasterId r:id="rId15"/>
   </p:notesMasterIdLst>
   <p:handoutMasterIdLst>
-    <p:handoutMasterId r:id="rId15"/>
+    <p:handoutMasterId r:id="rId16"/>
   </p:handoutMasterIdLst>
   <p:sldIdLst>
     <p:sldId id="257" r:id="rId2"/>
     <p:sldId id="265" r:id="rId3"/>
     <p:sldId id="267" r:id="rId4"/>
-    <p:sldId id="261" r:id="rId5"/>
-    <p:sldId id="266" r:id="rId6"/>
-    <p:sldId id="270" r:id="rId7"/>
-    <p:sldId id="271" r:id="rId8"/>
-    <p:sldId id="272" r:id="rId9"/>
-    <p:sldId id="273" r:id="rId10"/>
-    <p:sldId id="274" r:id="rId11"/>
-    <p:sldId id="276" r:id="rId12"/>
-    <p:sldId id="269" r:id="rId13"/>
+    <p:sldId id="277" r:id="rId5"/>
+    <p:sldId id="272" r:id="rId6"/>
+    <p:sldId id="276" r:id="rId7"/>
+    <p:sldId id="278" r:id="rId8"/>
+    <p:sldId id="279" r:id="rId9"/>
+    <p:sldId id="280" r:id="rId10"/>
+    <p:sldId id="282" r:id="rId11"/>
+    <p:sldId id="283" r:id="rId12"/>
+    <p:sldId id="281" r:id="rId13"/>
+    <p:sldId id="269" r:id="rId14"/>
   </p:sldIdLst>
   <p:sldSz cx="9144000" cy="6858000" type="screen4x3"/>
   <p:notesSz cx="6858000" cy="9144000"/>
@@ -223,7 +224,7 @@
           <a:p>
             <a:fld id="{48B45424-6BAC-416C-8F6C-5F9DE854A36B}" type="datetimeFigureOut">
               <a:rPr lang="en-US" smtClean="0"/>
-              <a:t>9/4/2025</a:t>
+              <a:t>9/9/2025</a:t>
             </a:fld>
             <a:endParaRPr lang="en-US"/>
           </a:p>
@@ -401,7 +402,7 @@
           <a:p>
             <a:fld id="{6B733702-C25A-40B9-9167-54BAA79B29B0}" type="datetimeFigureOut">
               <a:rPr lang="en-US" smtClean="0"/>
-              <a:t>9/4/2025</a:t>
+              <a:t>9/9/2025</a:t>
             </a:fld>
             <a:endParaRPr lang="en-US"/>
           </a:p>
@@ -713,528 +714,6 @@
 </p:sldLayout>
 </file>
 
-<file path=ppt/slideLayouts/slideLayout10.xml><?xml version="1.0" encoding="utf-8"?>
-<p:sldLayout xmlns:a="http://schemas.openxmlformats.org/drawingml/2006/main" xmlns:r="http://schemas.openxmlformats.org/officeDocument/2006/relationships" xmlns:p="http://schemas.openxmlformats.org/presentationml/2006/main" preserve="1" userDrawn="1">
-  <p:cSld name="3_Comparison">
-    <p:bg>
-      <p:bgPr>
-        <a:blipFill dpi="0" rotWithShape="1">
-          <a:blip r:embed="rId2">
-            <a:lum/>
-          </a:blip>
-          <a:srcRect/>
-          <a:stretch>
-            <a:fillRect/>
-          </a:stretch>
-        </a:blipFill>
-        <a:effectLst/>
-      </p:bgPr>
-    </p:bg>
-    <p:spTree>
-      <p:nvGrpSpPr>
-        <p:cNvPr id="1" name=""/>
-        <p:cNvGrpSpPr/>
-        <p:nvPr/>
-      </p:nvGrpSpPr>
-      <p:grpSpPr>
-        <a:xfrm>
-          <a:off x="0" y="0"/>
-          <a:ext cx="0" cy="0"/>
-          <a:chOff x="0" y="0"/>
-          <a:chExt cx="0" cy="0"/>
-        </a:xfrm>
-      </p:grpSpPr>
-      <p:sp>
-        <p:nvSpPr>
-          <p:cNvPr id="7" name="Date Placeholder 3">
-            <a:extLst>
-              <a:ext uri="{FF2B5EF4-FFF2-40B4-BE49-F238E27FC236}">
-                <a16:creationId xmlns:a16="http://schemas.microsoft.com/office/drawing/2014/main" id="{007929A3-17ED-41F3-AD36-819BC9DFBCB6}"/>
-              </a:ext>
-            </a:extLst>
-          </p:cNvPr>
-          <p:cNvSpPr>
-            <a:spLocks noGrp="1"/>
-          </p:cNvSpPr>
-          <p:nvPr>
-            <p:ph type="dt" sz="half" idx="10"/>
-          </p:nvPr>
-        </p:nvSpPr>
-        <p:spPr>
-          <a:xfrm>
-            <a:off x="628650" y="6565257"/>
-            <a:ext cx="2057400" cy="365125"/>
-          </a:xfrm>
-          <a:prstGeom prst="rect">
-            <a:avLst/>
-          </a:prstGeom>
-        </p:spPr>
-        <p:txBody>
-          <a:bodyPr/>
-          <a:lstStyle>
-            <a:lvl1pPr>
-              <a:defRPr sz="1200" b="1">
-                <a:solidFill>
-                  <a:srgbClr val="C00000"/>
-                </a:solidFill>
-                <a:latin typeface="Lato" panose="020F0502020204030203" pitchFamily="34" charset="0"/>
-                <a:ea typeface="Lato" panose="020F0502020204030203" pitchFamily="34" charset="0"/>
-                <a:cs typeface="Lato" panose="020F0502020204030203" pitchFamily="34" charset="0"/>
-              </a:defRPr>
-            </a:lvl1pPr>
-          </a:lstStyle>
-          <a:p>
-            <a:fld id="{F70EAA40-3A53-4A3D-924A-D38F1059C7D5}" type="datetime1">
-              <a:rPr lang="en-US" smtClean="0"/>
-              <a:pPr/>
-              <a:t>9/4/2025</a:t>
-            </a:fld>
-            <a:endParaRPr lang="en-US"/>
-          </a:p>
-        </p:txBody>
-      </p:sp>
-      <p:sp>
-        <p:nvSpPr>
-          <p:cNvPr id="8" name="Footer Placeholder 4">
-            <a:extLst>
-              <a:ext uri="{FF2B5EF4-FFF2-40B4-BE49-F238E27FC236}">
-                <a16:creationId xmlns:a16="http://schemas.microsoft.com/office/drawing/2014/main" id="{4973EE95-672F-4E5A-A918-2F51DB2C3ACB}"/>
-              </a:ext>
-            </a:extLst>
-          </p:cNvPr>
-          <p:cNvSpPr>
-            <a:spLocks noGrp="1"/>
-          </p:cNvSpPr>
-          <p:nvPr>
-            <p:ph type="ftr" sz="quarter" idx="11"/>
-          </p:nvPr>
-        </p:nvSpPr>
-        <p:spPr>
-          <a:xfrm>
-            <a:off x="3028950" y="6565257"/>
-            <a:ext cx="3086100" cy="365125"/>
-          </a:xfrm>
-          <a:prstGeom prst="rect">
-            <a:avLst/>
-          </a:prstGeom>
-        </p:spPr>
-        <p:txBody>
-          <a:bodyPr/>
-          <a:lstStyle>
-            <a:lvl1pPr algn="ctr">
-              <a:defRPr sz="1200" b="1">
-                <a:solidFill>
-                  <a:srgbClr val="C00000"/>
-                </a:solidFill>
-                <a:latin typeface="Lato" panose="020F0502020204030203" pitchFamily="34" charset="0"/>
-                <a:ea typeface="Lato" panose="020F0502020204030203" pitchFamily="34" charset="0"/>
-                <a:cs typeface="Lato" panose="020F0502020204030203" pitchFamily="34" charset="0"/>
-              </a:defRPr>
-            </a:lvl1pPr>
-          </a:lstStyle>
-          <a:p>
-            <a:endParaRPr lang="en-US"/>
-          </a:p>
-        </p:txBody>
-      </p:sp>
-      <p:sp>
-        <p:nvSpPr>
-          <p:cNvPr id="9" name="Slide Number Placeholder 5">
-            <a:extLst>
-              <a:ext uri="{FF2B5EF4-FFF2-40B4-BE49-F238E27FC236}">
-                <a16:creationId xmlns:a16="http://schemas.microsoft.com/office/drawing/2014/main" id="{2B17F6F6-0CA3-4D52-AA3D-7CF8ADE793B6}"/>
-              </a:ext>
-            </a:extLst>
-          </p:cNvPr>
-          <p:cNvSpPr>
-            <a:spLocks noGrp="1"/>
-          </p:cNvSpPr>
-          <p:nvPr>
-            <p:ph type="sldNum" sz="quarter" idx="12"/>
-          </p:nvPr>
-        </p:nvSpPr>
-        <p:spPr>
-          <a:xfrm>
-            <a:off x="6867383" y="6572126"/>
-            <a:ext cx="2057400" cy="365125"/>
-          </a:xfrm>
-          <a:prstGeom prst="rect">
-            <a:avLst/>
-          </a:prstGeom>
-        </p:spPr>
-        <p:txBody>
-          <a:bodyPr/>
-          <a:lstStyle>
-            <a:lvl1pPr algn="r">
-              <a:defRPr sz="1200" b="1">
-                <a:solidFill>
-                  <a:srgbClr val="C00000"/>
-                </a:solidFill>
-                <a:latin typeface="Lato" panose="020F0502020204030203" pitchFamily="34" charset="0"/>
-                <a:ea typeface="Lato" panose="020F0502020204030203" pitchFamily="34" charset="0"/>
-                <a:cs typeface="Lato" panose="020F0502020204030203" pitchFamily="34" charset="0"/>
-              </a:defRPr>
-            </a:lvl1pPr>
-          </a:lstStyle>
-          <a:p>
-            <a:fld id="{9EA0BE3B-158A-4EDF-80DC-E394A0D1600F}" type="slidenum">
-              <a:rPr lang="en-US" smtClean="0"/>
-              <a:pPr/>
-              <a:t>‹#›</a:t>
-            </a:fld>
-            <a:endParaRPr lang="en-US" dirty="0"/>
-          </a:p>
-        </p:txBody>
-      </p:sp>
-      <p:sp>
-        <p:nvSpPr>
-          <p:cNvPr id="11" name="Title 6">
-            <a:extLst>
-              <a:ext uri="{FF2B5EF4-FFF2-40B4-BE49-F238E27FC236}">
-                <a16:creationId xmlns:a16="http://schemas.microsoft.com/office/drawing/2014/main" id="{943CD72D-5295-43E4-B175-0EA61084ADC7}"/>
-              </a:ext>
-            </a:extLst>
-          </p:cNvPr>
-          <p:cNvSpPr>
-            <a:spLocks noGrp="1"/>
-          </p:cNvSpPr>
-          <p:nvPr>
-            <p:ph type="title" hasCustomPrompt="1"/>
-          </p:nvPr>
-        </p:nvSpPr>
-        <p:spPr>
-          <a:xfrm>
-            <a:off x="235077" y="78613"/>
-            <a:ext cx="8673846" cy="451739"/>
-          </a:xfrm>
-          <a:prstGeom prst="rect">
-            <a:avLst/>
-          </a:prstGeom>
-        </p:spPr>
-        <p:txBody>
-          <a:bodyPr/>
-          <a:lstStyle>
-            <a:lvl1pPr>
-              <a:defRPr sz="2800" b="1">
-                <a:solidFill>
-                  <a:schemeClr val="bg1"/>
-                </a:solidFill>
-                <a:latin typeface="Lato" panose="020F0502020204030203" pitchFamily="34" charset="0"/>
-                <a:ea typeface="Lato" panose="020F0502020204030203" pitchFamily="34" charset="0"/>
-                <a:cs typeface="Lato" panose="020F0502020204030203" pitchFamily="34" charset="0"/>
-              </a:defRPr>
-            </a:lvl1pPr>
-          </a:lstStyle>
-          <a:p>
-            <a:r>
-              <a:rPr lang="en-US" dirty="0"/>
-              <a:t>Title 9: ………………………………………</a:t>
-            </a:r>
-          </a:p>
-        </p:txBody>
-      </p:sp>
-      <p:sp>
-        <p:nvSpPr>
-          <p:cNvPr id="16" name="Text Placeholder 11">
-            <a:extLst>
-              <a:ext uri="{FF2B5EF4-FFF2-40B4-BE49-F238E27FC236}">
-                <a16:creationId xmlns:a16="http://schemas.microsoft.com/office/drawing/2014/main" id="{0C9A3A79-B187-4A33-8EBB-92ECD8BA3C59}"/>
-              </a:ext>
-            </a:extLst>
-          </p:cNvPr>
-          <p:cNvSpPr>
-            <a:spLocks noGrp="1"/>
-          </p:cNvSpPr>
-          <p:nvPr>
-            <p:ph type="body" sz="quarter" idx="13"/>
-          </p:nvPr>
-        </p:nvSpPr>
-        <p:spPr>
-          <a:xfrm>
-            <a:off x="234950" y="1164920"/>
-            <a:ext cx="8674100" cy="4931079"/>
-          </a:xfrm>
-          <a:prstGeom prst="rect">
-            <a:avLst/>
-          </a:prstGeom>
-        </p:spPr>
-        <p:txBody>
-          <a:bodyPr/>
-          <a:lstStyle>
-            <a:lvl1pPr>
-              <a:defRPr>
-                <a:latin typeface="Lato" panose="020F0502020204030203" pitchFamily="34" charset="0"/>
-                <a:ea typeface="Lato" panose="020F0502020204030203" pitchFamily="34" charset="0"/>
-                <a:cs typeface="Lato" panose="020F0502020204030203" pitchFamily="34" charset="0"/>
-              </a:defRPr>
-            </a:lvl1pPr>
-            <a:lvl2pPr>
-              <a:defRPr>
-                <a:latin typeface="Lato" panose="020F0502020204030203" pitchFamily="34" charset="0"/>
-                <a:ea typeface="Lato" panose="020F0502020204030203" pitchFamily="34" charset="0"/>
-                <a:cs typeface="Lato" panose="020F0502020204030203" pitchFamily="34" charset="0"/>
-              </a:defRPr>
-            </a:lvl2pPr>
-            <a:lvl3pPr>
-              <a:defRPr>
-                <a:latin typeface="Lato" panose="020F0502020204030203" pitchFamily="34" charset="0"/>
-                <a:ea typeface="Lato" panose="020F0502020204030203" pitchFamily="34" charset="0"/>
-                <a:cs typeface="Lato" panose="020F0502020204030203" pitchFamily="34" charset="0"/>
-              </a:defRPr>
-            </a:lvl3pPr>
-            <a:lvl4pPr>
-              <a:defRPr>
-                <a:latin typeface="Lato" panose="020F0502020204030203" pitchFamily="34" charset="0"/>
-                <a:ea typeface="Lato" panose="020F0502020204030203" pitchFamily="34" charset="0"/>
-                <a:cs typeface="Lato" panose="020F0502020204030203" pitchFamily="34" charset="0"/>
-              </a:defRPr>
-            </a:lvl4pPr>
-            <a:lvl5pPr>
-              <a:defRPr>
-                <a:latin typeface="Lato" panose="020F0502020204030203" pitchFamily="34" charset="0"/>
-                <a:ea typeface="Lato" panose="020F0502020204030203" pitchFamily="34" charset="0"/>
-                <a:cs typeface="Lato" panose="020F0502020204030203" pitchFamily="34" charset="0"/>
-              </a:defRPr>
-            </a:lvl5pPr>
-          </a:lstStyle>
-          <a:p>
-            <a:pPr lvl="0"/>
-            <a:r>
-              <a:rPr lang="en-US" dirty="0"/>
-              <a:t>Click to edit Master text styles</a:t>
-            </a:r>
-          </a:p>
-          <a:p>
-            <a:pPr lvl="1"/>
-            <a:r>
-              <a:rPr lang="en-US" dirty="0"/>
-              <a:t>Second level</a:t>
-            </a:r>
-          </a:p>
-          <a:p>
-            <a:pPr lvl="2"/>
-            <a:r>
-              <a:rPr lang="en-US" dirty="0"/>
-              <a:t>Third level</a:t>
-            </a:r>
-          </a:p>
-          <a:p>
-            <a:pPr lvl="3"/>
-            <a:r>
-              <a:rPr lang="en-US" dirty="0"/>
-              <a:t>Fourth level</a:t>
-            </a:r>
-          </a:p>
-          <a:p>
-            <a:pPr lvl="4"/>
-            <a:r>
-              <a:rPr lang="en-US" dirty="0"/>
-              <a:t>Fifth level</a:t>
-            </a:r>
-          </a:p>
-        </p:txBody>
-      </p:sp>
-    </p:spTree>
-    <p:extLst>
-      <p:ext uri="{BB962C8B-B14F-4D97-AF65-F5344CB8AC3E}">
-        <p14:creationId xmlns:p14="http://schemas.microsoft.com/office/powerpoint/2010/main" val="3666482944"/>
-      </p:ext>
-    </p:extLst>
-  </p:cSld>
-  <p:clrMapOvr>
-    <a:masterClrMapping/>
-  </p:clrMapOvr>
-</p:sldLayout>
-</file>
-
-<file path=ppt/slideLayouts/slideLayout11.xml><?xml version="1.0" encoding="utf-8"?>
-<p:sldLayout xmlns:a="http://schemas.openxmlformats.org/drawingml/2006/main" xmlns:r="http://schemas.openxmlformats.org/officeDocument/2006/relationships" xmlns:p="http://schemas.openxmlformats.org/presentationml/2006/main" userDrawn="1">
-  <p:cSld name="1_Content with Caption">
-    <p:bg>
-      <p:bgPr>
-        <a:blipFill dpi="0" rotWithShape="1">
-          <a:blip r:embed="rId2">
-            <a:lum/>
-          </a:blip>
-          <a:srcRect/>
-          <a:stretch>
-            <a:fillRect/>
-          </a:stretch>
-        </a:blipFill>
-        <a:effectLst/>
-      </p:bgPr>
-    </p:bg>
-    <p:spTree>
-      <p:nvGrpSpPr>
-        <p:cNvPr id="1" name=""/>
-        <p:cNvGrpSpPr/>
-        <p:nvPr/>
-      </p:nvGrpSpPr>
-      <p:grpSpPr>
-        <a:xfrm>
-          <a:off x="0" y="0"/>
-          <a:ext cx="0" cy="0"/>
-          <a:chOff x="0" y="0"/>
-          <a:chExt cx="0" cy="0"/>
-        </a:xfrm>
-      </p:grpSpPr>
-      <p:sp>
-        <p:nvSpPr>
-          <p:cNvPr id="5" name="Date Placeholder 3">
-            <a:extLst>
-              <a:ext uri="{FF2B5EF4-FFF2-40B4-BE49-F238E27FC236}">
-                <a16:creationId xmlns:a16="http://schemas.microsoft.com/office/drawing/2014/main" id="{76EAE966-F590-4BAF-A55B-75735FCC661F}"/>
-              </a:ext>
-            </a:extLst>
-          </p:cNvPr>
-          <p:cNvSpPr>
-            <a:spLocks noGrp="1"/>
-          </p:cNvSpPr>
-          <p:nvPr>
-            <p:ph type="dt" sz="half" idx="10"/>
-          </p:nvPr>
-        </p:nvSpPr>
-        <p:spPr>
-          <a:xfrm>
-            <a:off x="628650" y="6565257"/>
-            <a:ext cx="2057400" cy="365125"/>
-          </a:xfrm>
-          <a:prstGeom prst="rect">
-            <a:avLst/>
-          </a:prstGeom>
-        </p:spPr>
-        <p:txBody>
-          <a:bodyPr/>
-          <a:lstStyle>
-            <a:lvl1pPr>
-              <a:defRPr sz="1200" b="1">
-                <a:solidFill>
-                  <a:schemeClr val="bg1">
-                    <a:lumMod val="95000"/>
-                  </a:schemeClr>
-                </a:solidFill>
-                <a:latin typeface="Lato" panose="020F0502020204030203" pitchFamily="34" charset="0"/>
-                <a:ea typeface="Lato" panose="020F0502020204030203" pitchFamily="34" charset="0"/>
-                <a:cs typeface="Lato" panose="020F0502020204030203" pitchFamily="34" charset="0"/>
-              </a:defRPr>
-            </a:lvl1pPr>
-          </a:lstStyle>
-          <a:p>
-            <a:fld id="{F70EAA40-3A53-4A3D-924A-D38F1059C7D5}" type="datetime1">
-              <a:rPr lang="en-US" smtClean="0"/>
-              <a:pPr/>
-              <a:t>9/4/2025</a:t>
-            </a:fld>
-            <a:endParaRPr lang="en-US"/>
-          </a:p>
-        </p:txBody>
-      </p:sp>
-      <p:sp>
-        <p:nvSpPr>
-          <p:cNvPr id="6" name="Footer Placeholder 4">
-            <a:extLst>
-              <a:ext uri="{FF2B5EF4-FFF2-40B4-BE49-F238E27FC236}">
-                <a16:creationId xmlns:a16="http://schemas.microsoft.com/office/drawing/2014/main" id="{C330CA1C-4366-43E8-9DC8-B360FC115AE4}"/>
-              </a:ext>
-            </a:extLst>
-          </p:cNvPr>
-          <p:cNvSpPr>
-            <a:spLocks noGrp="1"/>
-          </p:cNvSpPr>
-          <p:nvPr>
-            <p:ph type="ftr" sz="quarter" idx="11"/>
-          </p:nvPr>
-        </p:nvSpPr>
-        <p:spPr>
-          <a:xfrm>
-            <a:off x="3028950" y="6565257"/>
-            <a:ext cx="3086100" cy="365125"/>
-          </a:xfrm>
-          <a:prstGeom prst="rect">
-            <a:avLst/>
-          </a:prstGeom>
-        </p:spPr>
-        <p:txBody>
-          <a:bodyPr/>
-          <a:lstStyle>
-            <a:lvl1pPr algn="ctr">
-              <a:defRPr sz="1200" b="1">
-                <a:solidFill>
-                  <a:srgbClr val="C00000"/>
-                </a:solidFill>
-                <a:latin typeface="Lato" panose="020F0502020204030203" pitchFamily="34" charset="0"/>
-                <a:ea typeface="Lato" panose="020F0502020204030203" pitchFamily="34" charset="0"/>
-                <a:cs typeface="Lato" panose="020F0502020204030203" pitchFamily="34" charset="0"/>
-              </a:defRPr>
-            </a:lvl1pPr>
-          </a:lstStyle>
-          <a:p>
-            <a:endParaRPr lang="en-US"/>
-          </a:p>
-        </p:txBody>
-      </p:sp>
-      <p:sp>
-        <p:nvSpPr>
-          <p:cNvPr id="7" name="Slide Number Placeholder 5">
-            <a:extLst>
-              <a:ext uri="{FF2B5EF4-FFF2-40B4-BE49-F238E27FC236}">
-                <a16:creationId xmlns:a16="http://schemas.microsoft.com/office/drawing/2014/main" id="{72DB13F6-9193-4FE2-AE85-5B96248CC0EA}"/>
-              </a:ext>
-            </a:extLst>
-          </p:cNvPr>
-          <p:cNvSpPr>
-            <a:spLocks noGrp="1"/>
-          </p:cNvSpPr>
-          <p:nvPr>
-            <p:ph type="sldNum" sz="quarter" idx="12"/>
-          </p:nvPr>
-        </p:nvSpPr>
-        <p:spPr>
-          <a:xfrm>
-            <a:off x="6867383" y="6572126"/>
-            <a:ext cx="2057400" cy="365125"/>
-          </a:xfrm>
-          <a:prstGeom prst="rect">
-            <a:avLst/>
-          </a:prstGeom>
-        </p:spPr>
-        <p:txBody>
-          <a:bodyPr/>
-          <a:lstStyle>
-            <a:lvl1pPr algn="r">
-              <a:defRPr sz="1200" b="1">
-                <a:solidFill>
-                  <a:srgbClr val="C00000"/>
-                </a:solidFill>
-                <a:latin typeface="Lato" panose="020F0502020204030203" pitchFamily="34" charset="0"/>
-                <a:ea typeface="Lato" panose="020F0502020204030203" pitchFamily="34" charset="0"/>
-                <a:cs typeface="Lato" panose="020F0502020204030203" pitchFamily="34" charset="0"/>
-              </a:defRPr>
-            </a:lvl1pPr>
-          </a:lstStyle>
-          <a:p>
-            <a:fld id="{9EA0BE3B-158A-4EDF-80DC-E394A0D1600F}" type="slidenum">
-              <a:rPr lang="en-US" smtClean="0"/>
-              <a:pPr/>
-              <a:t>‹#›</a:t>
-            </a:fld>
-            <a:endParaRPr lang="en-US" dirty="0"/>
-          </a:p>
-        </p:txBody>
-      </p:sp>
-    </p:spTree>
-    <p:extLst>
-      <p:ext uri="{BB962C8B-B14F-4D97-AF65-F5344CB8AC3E}">
-        <p14:creationId xmlns:p14="http://schemas.microsoft.com/office/powerpoint/2010/main" val="817046252"/>
-      </p:ext>
-    </p:extLst>
-  </p:cSld>
-  <p:clrMapOvr>
-    <a:masterClrMapping/>
-  </p:clrMapOvr>
-</p:sldLayout>
-</file>
-
 <file path=ppt/slideLayouts/slideLayout2.xml><?xml version="1.0" encoding="utf-8"?>
 <p:sldLayout xmlns:a="http://schemas.openxmlformats.org/drawingml/2006/main" xmlns:r="http://schemas.openxmlformats.org/officeDocument/2006/relationships" xmlns:p="http://schemas.openxmlformats.org/presentationml/2006/main" userDrawn="1">
   <p:cSld name="1_Section Header">
@@ -1309,7 +788,7 @@
             <a:fld id="{F70EAA40-3A53-4A3D-924A-D38F1059C7D5}" type="datetime1">
               <a:rPr lang="en-US" smtClean="0"/>
               <a:pPr/>
-              <a:t>9/4/2025</a:t>
+              <a:t>9/9/2025</a:t>
             </a:fld>
             <a:endParaRPr lang="en-US"/>
           </a:p>
@@ -1570,775 +1049,6 @@
 </file>
 
 <file path=ppt/slideLayouts/slideLayout3.xml><?xml version="1.0" encoding="utf-8"?>
-<p:sldLayout xmlns:a="http://schemas.openxmlformats.org/drawingml/2006/main" xmlns:r="http://schemas.openxmlformats.org/officeDocument/2006/relationships" xmlns:p="http://schemas.openxmlformats.org/presentationml/2006/main" userDrawn="1">
-  <p:cSld name="1_Two Content">
-    <p:bg>
-      <p:bgPr>
-        <a:blipFill dpi="0" rotWithShape="1">
-          <a:blip r:embed="rId2">
-            <a:lum/>
-          </a:blip>
-          <a:srcRect/>
-          <a:stretch>
-            <a:fillRect/>
-          </a:stretch>
-        </a:blipFill>
-        <a:effectLst/>
-      </p:bgPr>
-    </p:bg>
-    <p:spTree>
-      <p:nvGrpSpPr>
-        <p:cNvPr id="1" name=""/>
-        <p:cNvGrpSpPr/>
-        <p:nvPr/>
-      </p:nvGrpSpPr>
-      <p:grpSpPr>
-        <a:xfrm>
-          <a:off x="0" y="0"/>
-          <a:ext cx="0" cy="0"/>
-          <a:chOff x="0" y="0"/>
-          <a:chExt cx="0" cy="0"/>
-        </a:xfrm>
-      </p:grpSpPr>
-      <p:sp>
-        <p:nvSpPr>
-          <p:cNvPr id="14" name="Date Placeholder 3">
-            <a:extLst>
-              <a:ext uri="{FF2B5EF4-FFF2-40B4-BE49-F238E27FC236}">
-                <a16:creationId xmlns:a16="http://schemas.microsoft.com/office/drawing/2014/main" id="{1D2FCDAA-D1AE-440A-ADEA-98F1ACB06478}"/>
-              </a:ext>
-            </a:extLst>
-          </p:cNvPr>
-          <p:cNvSpPr>
-            <a:spLocks noGrp="1"/>
-          </p:cNvSpPr>
-          <p:nvPr>
-            <p:ph type="dt" sz="half" idx="10"/>
-          </p:nvPr>
-        </p:nvSpPr>
-        <p:spPr>
-          <a:xfrm>
-            <a:off x="628650" y="6565257"/>
-            <a:ext cx="2057400" cy="365125"/>
-          </a:xfrm>
-          <a:prstGeom prst="rect">
-            <a:avLst/>
-          </a:prstGeom>
-        </p:spPr>
-        <p:txBody>
-          <a:bodyPr/>
-          <a:lstStyle>
-            <a:lvl1pPr>
-              <a:defRPr sz="1200" b="1">
-                <a:solidFill>
-                  <a:srgbClr val="C00000"/>
-                </a:solidFill>
-                <a:latin typeface="Lato" panose="020F0502020204030203" pitchFamily="34" charset="0"/>
-                <a:ea typeface="Lato" panose="020F0502020204030203" pitchFamily="34" charset="0"/>
-                <a:cs typeface="Lato" panose="020F0502020204030203" pitchFamily="34" charset="0"/>
-              </a:defRPr>
-            </a:lvl1pPr>
-          </a:lstStyle>
-          <a:p>
-            <a:fld id="{F70EAA40-3A53-4A3D-924A-D38F1059C7D5}" type="datetime1">
-              <a:rPr lang="en-US" smtClean="0"/>
-              <a:pPr/>
-              <a:t>9/4/2025</a:t>
-            </a:fld>
-            <a:endParaRPr lang="en-US"/>
-          </a:p>
-        </p:txBody>
-      </p:sp>
-      <p:sp>
-        <p:nvSpPr>
-          <p:cNvPr id="15" name="Footer Placeholder 4">
-            <a:extLst>
-              <a:ext uri="{FF2B5EF4-FFF2-40B4-BE49-F238E27FC236}">
-                <a16:creationId xmlns:a16="http://schemas.microsoft.com/office/drawing/2014/main" id="{C4186984-389F-440C-BD79-8D1349BD856E}"/>
-              </a:ext>
-            </a:extLst>
-          </p:cNvPr>
-          <p:cNvSpPr>
-            <a:spLocks noGrp="1"/>
-          </p:cNvSpPr>
-          <p:nvPr>
-            <p:ph type="ftr" sz="quarter" idx="11"/>
-          </p:nvPr>
-        </p:nvSpPr>
-        <p:spPr>
-          <a:xfrm>
-            <a:off x="3028950" y="6565257"/>
-            <a:ext cx="3086100" cy="365125"/>
-          </a:xfrm>
-          <a:prstGeom prst="rect">
-            <a:avLst/>
-          </a:prstGeom>
-        </p:spPr>
-        <p:txBody>
-          <a:bodyPr/>
-          <a:lstStyle>
-            <a:lvl1pPr algn="ctr">
-              <a:defRPr sz="1200" b="1">
-                <a:solidFill>
-                  <a:srgbClr val="C00000"/>
-                </a:solidFill>
-                <a:latin typeface="Lato" panose="020F0502020204030203" pitchFamily="34" charset="0"/>
-                <a:ea typeface="Lato" panose="020F0502020204030203" pitchFamily="34" charset="0"/>
-                <a:cs typeface="Lato" panose="020F0502020204030203" pitchFamily="34" charset="0"/>
-              </a:defRPr>
-            </a:lvl1pPr>
-          </a:lstStyle>
-          <a:p>
-            <a:endParaRPr lang="en-US"/>
-          </a:p>
-        </p:txBody>
-      </p:sp>
-      <p:sp>
-        <p:nvSpPr>
-          <p:cNvPr id="16" name="Slide Number Placeholder 5">
-            <a:extLst>
-              <a:ext uri="{FF2B5EF4-FFF2-40B4-BE49-F238E27FC236}">
-                <a16:creationId xmlns:a16="http://schemas.microsoft.com/office/drawing/2014/main" id="{5C66723D-7FE6-462E-9733-48764D89B1D4}"/>
-              </a:ext>
-            </a:extLst>
-          </p:cNvPr>
-          <p:cNvSpPr>
-            <a:spLocks noGrp="1"/>
-          </p:cNvSpPr>
-          <p:nvPr>
-            <p:ph type="sldNum" sz="quarter" idx="12"/>
-          </p:nvPr>
-        </p:nvSpPr>
-        <p:spPr>
-          <a:xfrm>
-            <a:off x="6867383" y="6572126"/>
-            <a:ext cx="2057400" cy="365125"/>
-          </a:xfrm>
-          <a:prstGeom prst="rect">
-            <a:avLst/>
-          </a:prstGeom>
-        </p:spPr>
-        <p:txBody>
-          <a:bodyPr/>
-          <a:lstStyle>
-            <a:lvl1pPr algn="r">
-              <a:defRPr sz="1200" b="1">
-                <a:solidFill>
-                  <a:srgbClr val="C00000"/>
-                </a:solidFill>
-                <a:latin typeface="Lato" panose="020F0502020204030203" pitchFamily="34" charset="0"/>
-                <a:ea typeface="Lato" panose="020F0502020204030203" pitchFamily="34" charset="0"/>
-                <a:cs typeface="Lato" panose="020F0502020204030203" pitchFamily="34" charset="0"/>
-              </a:defRPr>
-            </a:lvl1pPr>
-          </a:lstStyle>
-          <a:p>
-            <a:fld id="{9EA0BE3B-158A-4EDF-80DC-E394A0D1600F}" type="slidenum">
-              <a:rPr lang="en-US" smtClean="0"/>
-              <a:pPr/>
-              <a:t>‹#›</a:t>
-            </a:fld>
-            <a:endParaRPr lang="en-US" dirty="0"/>
-          </a:p>
-        </p:txBody>
-      </p:sp>
-      <p:sp>
-        <p:nvSpPr>
-          <p:cNvPr id="17" name="Content Placeholder 2">
-            <a:extLst>
-              <a:ext uri="{FF2B5EF4-FFF2-40B4-BE49-F238E27FC236}">
-                <a16:creationId xmlns:a16="http://schemas.microsoft.com/office/drawing/2014/main" id="{03483232-D29A-4255-9149-0177F8785818}"/>
-              </a:ext>
-            </a:extLst>
-          </p:cNvPr>
-          <p:cNvSpPr>
-            <a:spLocks noGrp="1"/>
-          </p:cNvSpPr>
-          <p:nvPr>
-            <p:ph sz="half" idx="1"/>
-          </p:nvPr>
-        </p:nvSpPr>
-        <p:spPr>
-          <a:xfrm>
-            <a:off x="528828" y="1423289"/>
-            <a:ext cx="3886200" cy="4351338"/>
-          </a:xfrm>
-          <a:prstGeom prst="rect">
-            <a:avLst/>
-          </a:prstGeom>
-        </p:spPr>
-        <p:txBody>
-          <a:bodyPr/>
-          <a:lstStyle>
-            <a:lvl1pPr>
-              <a:defRPr>
-                <a:latin typeface="Lato" panose="020F0502020204030203" pitchFamily="34" charset="0"/>
-                <a:ea typeface="Lato" panose="020F0502020204030203" pitchFamily="34" charset="0"/>
-                <a:cs typeface="Lato" panose="020F0502020204030203" pitchFamily="34" charset="0"/>
-              </a:defRPr>
-            </a:lvl1pPr>
-            <a:lvl2pPr>
-              <a:defRPr>
-                <a:latin typeface="Lato" panose="020F0502020204030203" pitchFamily="34" charset="0"/>
-                <a:ea typeface="Lato" panose="020F0502020204030203" pitchFamily="34" charset="0"/>
-                <a:cs typeface="Lato" panose="020F0502020204030203" pitchFamily="34" charset="0"/>
-              </a:defRPr>
-            </a:lvl2pPr>
-            <a:lvl3pPr>
-              <a:defRPr>
-                <a:latin typeface="Lato" panose="020F0502020204030203" pitchFamily="34" charset="0"/>
-                <a:ea typeface="Lato" panose="020F0502020204030203" pitchFamily="34" charset="0"/>
-                <a:cs typeface="Lato" panose="020F0502020204030203" pitchFamily="34" charset="0"/>
-              </a:defRPr>
-            </a:lvl3pPr>
-            <a:lvl4pPr>
-              <a:defRPr>
-                <a:latin typeface="Lato" panose="020F0502020204030203" pitchFamily="34" charset="0"/>
-                <a:ea typeface="Lato" panose="020F0502020204030203" pitchFamily="34" charset="0"/>
-                <a:cs typeface="Lato" panose="020F0502020204030203" pitchFamily="34" charset="0"/>
-              </a:defRPr>
-            </a:lvl4pPr>
-            <a:lvl5pPr>
-              <a:defRPr>
-                <a:latin typeface="Lato" panose="020F0502020204030203" pitchFamily="34" charset="0"/>
-                <a:ea typeface="Lato" panose="020F0502020204030203" pitchFamily="34" charset="0"/>
-                <a:cs typeface="Lato" panose="020F0502020204030203" pitchFamily="34" charset="0"/>
-              </a:defRPr>
-            </a:lvl5pPr>
-          </a:lstStyle>
-          <a:p>
-            <a:pPr lvl="0"/>
-            <a:r>
-              <a:rPr lang="en-US" dirty="0"/>
-              <a:t>Click to edit Master text styles</a:t>
-            </a:r>
-          </a:p>
-          <a:p>
-            <a:pPr lvl="1"/>
-            <a:r>
-              <a:rPr lang="en-US" dirty="0"/>
-              <a:t>Second level</a:t>
-            </a:r>
-          </a:p>
-          <a:p>
-            <a:pPr lvl="2"/>
-            <a:r>
-              <a:rPr lang="en-US" dirty="0"/>
-              <a:t>Third level</a:t>
-            </a:r>
-          </a:p>
-          <a:p>
-            <a:pPr lvl="3"/>
-            <a:r>
-              <a:rPr lang="en-US" dirty="0"/>
-              <a:t>Fourth level</a:t>
-            </a:r>
-          </a:p>
-          <a:p>
-            <a:pPr lvl="4"/>
-            <a:r>
-              <a:rPr lang="en-US" dirty="0"/>
-              <a:t>Fifth level</a:t>
-            </a:r>
-          </a:p>
-        </p:txBody>
-      </p:sp>
-      <p:sp>
-        <p:nvSpPr>
-          <p:cNvPr id="18" name="Content Placeholder 3">
-            <a:extLst>
-              <a:ext uri="{FF2B5EF4-FFF2-40B4-BE49-F238E27FC236}">
-                <a16:creationId xmlns:a16="http://schemas.microsoft.com/office/drawing/2014/main" id="{A1BAF8AD-67D8-46AD-A292-05589E827344}"/>
-              </a:ext>
-            </a:extLst>
-          </p:cNvPr>
-          <p:cNvSpPr>
-            <a:spLocks noGrp="1"/>
-          </p:cNvSpPr>
-          <p:nvPr>
-            <p:ph sz="half" idx="2"/>
-          </p:nvPr>
-        </p:nvSpPr>
-        <p:spPr>
-          <a:xfrm>
-            <a:off x="4572000" y="1423289"/>
-            <a:ext cx="3886200" cy="4351338"/>
-          </a:xfrm>
-          <a:prstGeom prst="rect">
-            <a:avLst/>
-          </a:prstGeom>
-        </p:spPr>
-        <p:txBody>
-          <a:bodyPr/>
-          <a:lstStyle>
-            <a:lvl1pPr>
-              <a:defRPr>
-                <a:latin typeface="Lato" panose="020F0502020204030203" pitchFamily="34" charset="0"/>
-                <a:ea typeface="Lato" panose="020F0502020204030203" pitchFamily="34" charset="0"/>
-                <a:cs typeface="Lato" panose="020F0502020204030203" pitchFamily="34" charset="0"/>
-              </a:defRPr>
-            </a:lvl1pPr>
-            <a:lvl2pPr>
-              <a:defRPr>
-                <a:latin typeface="Lato" panose="020F0502020204030203" pitchFamily="34" charset="0"/>
-                <a:ea typeface="Lato" panose="020F0502020204030203" pitchFamily="34" charset="0"/>
-                <a:cs typeface="Lato" panose="020F0502020204030203" pitchFamily="34" charset="0"/>
-              </a:defRPr>
-            </a:lvl2pPr>
-            <a:lvl3pPr>
-              <a:defRPr>
-                <a:latin typeface="Lato" panose="020F0502020204030203" pitchFamily="34" charset="0"/>
-                <a:ea typeface="Lato" panose="020F0502020204030203" pitchFamily="34" charset="0"/>
-                <a:cs typeface="Lato" panose="020F0502020204030203" pitchFamily="34" charset="0"/>
-              </a:defRPr>
-            </a:lvl3pPr>
-            <a:lvl4pPr>
-              <a:defRPr>
-                <a:latin typeface="Lato" panose="020F0502020204030203" pitchFamily="34" charset="0"/>
-                <a:ea typeface="Lato" panose="020F0502020204030203" pitchFamily="34" charset="0"/>
-                <a:cs typeface="Lato" panose="020F0502020204030203" pitchFamily="34" charset="0"/>
-              </a:defRPr>
-            </a:lvl4pPr>
-            <a:lvl5pPr>
-              <a:defRPr>
-                <a:latin typeface="Lato" panose="020F0502020204030203" pitchFamily="34" charset="0"/>
-                <a:ea typeface="Lato" panose="020F0502020204030203" pitchFamily="34" charset="0"/>
-                <a:cs typeface="Lato" panose="020F0502020204030203" pitchFamily="34" charset="0"/>
-              </a:defRPr>
-            </a:lvl5pPr>
-          </a:lstStyle>
-          <a:p>
-            <a:pPr lvl="0"/>
-            <a:r>
-              <a:rPr lang="en-US" dirty="0"/>
-              <a:t>Click to edit Master text styles</a:t>
-            </a:r>
-          </a:p>
-          <a:p>
-            <a:pPr lvl="1"/>
-            <a:r>
-              <a:rPr lang="en-US" dirty="0"/>
-              <a:t>Second level</a:t>
-            </a:r>
-          </a:p>
-          <a:p>
-            <a:pPr lvl="2"/>
-            <a:r>
-              <a:rPr lang="en-US" dirty="0"/>
-              <a:t>Third level</a:t>
-            </a:r>
-          </a:p>
-          <a:p>
-            <a:pPr lvl="3"/>
-            <a:r>
-              <a:rPr lang="en-US" dirty="0"/>
-              <a:t>Fourth level</a:t>
-            </a:r>
-          </a:p>
-          <a:p>
-            <a:pPr lvl="4"/>
-            <a:r>
-              <a:rPr lang="en-US" dirty="0"/>
-              <a:t>Fifth level</a:t>
-            </a:r>
-          </a:p>
-        </p:txBody>
-      </p:sp>
-      <p:sp>
-        <p:nvSpPr>
-          <p:cNvPr id="19" name="Title 6">
-            <a:extLst>
-              <a:ext uri="{FF2B5EF4-FFF2-40B4-BE49-F238E27FC236}">
-                <a16:creationId xmlns:a16="http://schemas.microsoft.com/office/drawing/2014/main" id="{EFD61387-9809-4E21-B8EA-93815E5E8F6F}"/>
-              </a:ext>
-            </a:extLst>
-          </p:cNvPr>
-          <p:cNvSpPr>
-            <a:spLocks noGrp="1"/>
-          </p:cNvSpPr>
-          <p:nvPr>
-            <p:ph type="title" hasCustomPrompt="1"/>
-          </p:nvPr>
-        </p:nvSpPr>
-        <p:spPr>
-          <a:xfrm>
-            <a:off x="235077" y="78613"/>
-            <a:ext cx="8673846" cy="451739"/>
-          </a:xfrm>
-          <a:prstGeom prst="rect">
-            <a:avLst/>
-          </a:prstGeom>
-        </p:spPr>
-        <p:txBody>
-          <a:bodyPr/>
-          <a:lstStyle>
-            <a:lvl1pPr>
-              <a:defRPr sz="2800" b="1">
-                <a:solidFill>
-                  <a:schemeClr val="bg1"/>
-                </a:solidFill>
-                <a:latin typeface="Lato" panose="020F0502020204030203" pitchFamily="34" charset="0"/>
-                <a:ea typeface="Lato" panose="020F0502020204030203" pitchFamily="34" charset="0"/>
-                <a:cs typeface="Lato" panose="020F0502020204030203" pitchFamily="34" charset="0"/>
-              </a:defRPr>
-            </a:lvl1pPr>
-          </a:lstStyle>
-          <a:p>
-            <a:r>
-              <a:rPr lang="en-US" dirty="0"/>
-              <a:t>Title 2: ………………………………………</a:t>
-            </a:r>
-          </a:p>
-        </p:txBody>
-      </p:sp>
-    </p:spTree>
-    <p:extLst>
-      <p:ext uri="{BB962C8B-B14F-4D97-AF65-F5344CB8AC3E}">
-        <p14:creationId xmlns:p14="http://schemas.microsoft.com/office/powerpoint/2010/main" val="314880910"/>
-      </p:ext>
-    </p:extLst>
-  </p:cSld>
-  <p:clrMapOvr>
-    <a:masterClrMapping/>
-  </p:clrMapOvr>
-</p:sldLayout>
-</file>
-
-<file path=ppt/slideLayouts/slideLayout4.xml><?xml version="1.0" encoding="utf-8"?>
-<p:sldLayout xmlns:a="http://schemas.openxmlformats.org/drawingml/2006/main" xmlns:r="http://schemas.openxmlformats.org/officeDocument/2006/relationships" xmlns:p="http://schemas.openxmlformats.org/presentationml/2006/main" userDrawn="1">
-  <p:cSld name="1_Comparison">
-    <p:bg>
-      <p:bgPr>
-        <a:blipFill dpi="0" rotWithShape="1">
-          <a:blip r:embed="rId2">
-            <a:lum/>
-          </a:blip>
-          <a:srcRect/>
-          <a:stretch>
-            <a:fillRect/>
-          </a:stretch>
-        </a:blipFill>
-        <a:effectLst/>
-      </p:bgPr>
-    </p:bg>
-    <p:spTree>
-      <p:nvGrpSpPr>
-        <p:cNvPr id="1" name=""/>
-        <p:cNvGrpSpPr/>
-        <p:nvPr/>
-      </p:nvGrpSpPr>
-      <p:grpSpPr>
-        <a:xfrm>
-          <a:off x="0" y="0"/>
-          <a:ext cx="0" cy="0"/>
-          <a:chOff x="0" y="0"/>
-          <a:chExt cx="0" cy="0"/>
-        </a:xfrm>
-      </p:grpSpPr>
-      <p:sp>
-        <p:nvSpPr>
-          <p:cNvPr id="7" name="Date Placeholder 3">
-            <a:extLst>
-              <a:ext uri="{FF2B5EF4-FFF2-40B4-BE49-F238E27FC236}">
-                <a16:creationId xmlns:a16="http://schemas.microsoft.com/office/drawing/2014/main" id="{007929A3-17ED-41F3-AD36-819BC9DFBCB6}"/>
-              </a:ext>
-            </a:extLst>
-          </p:cNvPr>
-          <p:cNvSpPr>
-            <a:spLocks noGrp="1"/>
-          </p:cNvSpPr>
-          <p:nvPr>
-            <p:ph type="dt" sz="half" idx="10"/>
-          </p:nvPr>
-        </p:nvSpPr>
-        <p:spPr>
-          <a:xfrm>
-            <a:off x="628650" y="6565257"/>
-            <a:ext cx="2057400" cy="365125"/>
-          </a:xfrm>
-          <a:prstGeom prst="rect">
-            <a:avLst/>
-          </a:prstGeom>
-        </p:spPr>
-        <p:txBody>
-          <a:bodyPr/>
-          <a:lstStyle>
-            <a:lvl1pPr>
-              <a:defRPr sz="1200" b="1">
-                <a:solidFill>
-                  <a:srgbClr val="C00000"/>
-                </a:solidFill>
-                <a:latin typeface="Lato" panose="020F0502020204030203" pitchFamily="34" charset="0"/>
-                <a:ea typeface="Lato" panose="020F0502020204030203" pitchFamily="34" charset="0"/>
-                <a:cs typeface="Lato" panose="020F0502020204030203" pitchFamily="34" charset="0"/>
-              </a:defRPr>
-            </a:lvl1pPr>
-          </a:lstStyle>
-          <a:p>
-            <a:fld id="{F70EAA40-3A53-4A3D-924A-D38F1059C7D5}" type="datetime1">
-              <a:rPr lang="en-US" smtClean="0"/>
-              <a:pPr/>
-              <a:t>9/4/2025</a:t>
-            </a:fld>
-            <a:endParaRPr lang="en-US"/>
-          </a:p>
-        </p:txBody>
-      </p:sp>
-      <p:sp>
-        <p:nvSpPr>
-          <p:cNvPr id="8" name="Footer Placeholder 4">
-            <a:extLst>
-              <a:ext uri="{FF2B5EF4-FFF2-40B4-BE49-F238E27FC236}">
-                <a16:creationId xmlns:a16="http://schemas.microsoft.com/office/drawing/2014/main" id="{4973EE95-672F-4E5A-A918-2F51DB2C3ACB}"/>
-              </a:ext>
-            </a:extLst>
-          </p:cNvPr>
-          <p:cNvSpPr>
-            <a:spLocks noGrp="1"/>
-          </p:cNvSpPr>
-          <p:nvPr>
-            <p:ph type="ftr" sz="quarter" idx="11"/>
-          </p:nvPr>
-        </p:nvSpPr>
-        <p:spPr>
-          <a:xfrm>
-            <a:off x="3028950" y="6565257"/>
-            <a:ext cx="3086100" cy="365125"/>
-          </a:xfrm>
-          <a:prstGeom prst="rect">
-            <a:avLst/>
-          </a:prstGeom>
-        </p:spPr>
-        <p:txBody>
-          <a:bodyPr/>
-          <a:lstStyle>
-            <a:lvl1pPr algn="ctr">
-              <a:defRPr sz="1200" b="1">
-                <a:solidFill>
-                  <a:srgbClr val="C00000"/>
-                </a:solidFill>
-                <a:latin typeface="Lato" panose="020F0502020204030203" pitchFamily="34" charset="0"/>
-                <a:ea typeface="Lato" panose="020F0502020204030203" pitchFamily="34" charset="0"/>
-                <a:cs typeface="Lato" panose="020F0502020204030203" pitchFamily="34" charset="0"/>
-              </a:defRPr>
-            </a:lvl1pPr>
-          </a:lstStyle>
-          <a:p>
-            <a:endParaRPr lang="en-US"/>
-          </a:p>
-        </p:txBody>
-      </p:sp>
-      <p:sp>
-        <p:nvSpPr>
-          <p:cNvPr id="9" name="Slide Number Placeholder 5">
-            <a:extLst>
-              <a:ext uri="{FF2B5EF4-FFF2-40B4-BE49-F238E27FC236}">
-                <a16:creationId xmlns:a16="http://schemas.microsoft.com/office/drawing/2014/main" id="{2B17F6F6-0CA3-4D52-AA3D-7CF8ADE793B6}"/>
-              </a:ext>
-            </a:extLst>
-          </p:cNvPr>
-          <p:cNvSpPr>
-            <a:spLocks noGrp="1"/>
-          </p:cNvSpPr>
-          <p:nvPr>
-            <p:ph type="sldNum" sz="quarter" idx="12"/>
-          </p:nvPr>
-        </p:nvSpPr>
-        <p:spPr>
-          <a:xfrm>
-            <a:off x="6867383" y="6572126"/>
-            <a:ext cx="2057400" cy="365125"/>
-          </a:xfrm>
-          <a:prstGeom prst="rect">
-            <a:avLst/>
-          </a:prstGeom>
-        </p:spPr>
-        <p:txBody>
-          <a:bodyPr/>
-          <a:lstStyle>
-            <a:lvl1pPr algn="r">
-              <a:defRPr sz="1200" b="1">
-                <a:solidFill>
-                  <a:srgbClr val="C00000"/>
-                </a:solidFill>
-                <a:latin typeface="Lato" panose="020F0502020204030203" pitchFamily="34" charset="0"/>
-                <a:ea typeface="Lato" panose="020F0502020204030203" pitchFamily="34" charset="0"/>
-                <a:cs typeface="Lato" panose="020F0502020204030203" pitchFamily="34" charset="0"/>
-              </a:defRPr>
-            </a:lvl1pPr>
-          </a:lstStyle>
-          <a:p>
-            <a:fld id="{9EA0BE3B-158A-4EDF-80DC-E394A0D1600F}" type="slidenum">
-              <a:rPr lang="en-US" smtClean="0"/>
-              <a:pPr/>
-              <a:t>‹#›</a:t>
-            </a:fld>
-            <a:endParaRPr lang="en-US" dirty="0"/>
-          </a:p>
-        </p:txBody>
-      </p:sp>
-      <p:sp>
-        <p:nvSpPr>
-          <p:cNvPr id="11" name="Title 6">
-            <a:extLst>
-              <a:ext uri="{FF2B5EF4-FFF2-40B4-BE49-F238E27FC236}">
-                <a16:creationId xmlns:a16="http://schemas.microsoft.com/office/drawing/2014/main" id="{943CD72D-5295-43E4-B175-0EA61084ADC7}"/>
-              </a:ext>
-            </a:extLst>
-          </p:cNvPr>
-          <p:cNvSpPr>
-            <a:spLocks noGrp="1"/>
-          </p:cNvSpPr>
-          <p:nvPr>
-            <p:ph type="title" hasCustomPrompt="1"/>
-          </p:nvPr>
-        </p:nvSpPr>
-        <p:spPr>
-          <a:xfrm>
-            <a:off x="235077" y="78613"/>
-            <a:ext cx="8673846" cy="451739"/>
-          </a:xfrm>
-          <a:prstGeom prst="rect">
-            <a:avLst/>
-          </a:prstGeom>
-        </p:spPr>
-        <p:txBody>
-          <a:bodyPr/>
-          <a:lstStyle>
-            <a:lvl1pPr>
-              <a:defRPr sz="2800" b="1">
-                <a:solidFill>
-                  <a:schemeClr val="bg1"/>
-                </a:solidFill>
-                <a:latin typeface="Lato" panose="020F0502020204030203" pitchFamily="34" charset="0"/>
-                <a:ea typeface="Lato" panose="020F0502020204030203" pitchFamily="34" charset="0"/>
-                <a:cs typeface="Lato" panose="020F0502020204030203" pitchFamily="34" charset="0"/>
-              </a:defRPr>
-            </a:lvl1pPr>
-          </a:lstStyle>
-          <a:p>
-            <a:r>
-              <a:rPr lang="en-US" dirty="0"/>
-              <a:t>Title 3: ………………………………………</a:t>
-            </a:r>
-          </a:p>
-        </p:txBody>
-      </p:sp>
-      <p:sp>
-        <p:nvSpPr>
-          <p:cNvPr id="16" name="Text Placeholder 11">
-            <a:extLst>
-              <a:ext uri="{FF2B5EF4-FFF2-40B4-BE49-F238E27FC236}">
-                <a16:creationId xmlns:a16="http://schemas.microsoft.com/office/drawing/2014/main" id="{0C9A3A79-B187-4A33-8EBB-92ECD8BA3C59}"/>
-              </a:ext>
-            </a:extLst>
-          </p:cNvPr>
-          <p:cNvSpPr>
-            <a:spLocks noGrp="1"/>
-          </p:cNvSpPr>
-          <p:nvPr>
-            <p:ph type="body" sz="quarter" idx="13"/>
-          </p:nvPr>
-        </p:nvSpPr>
-        <p:spPr>
-          <a:xfrm>
-            <a:off x="234950" y="963168"/>
-            <a:ext cx="8674100" cy="5132832"/>
-          </a:xfrm>
-          <a:prstGeom prst="rect">
-            <a:avLst/>
-          </a:prstGeom>
-        </p:spPr>
-        <p:txBody>
-          <a:bodyPr/>
-          <a:lstStyle>
-            <a:lvl1pPr>
-              <a:defRPr>
-                <a:latin typeface="Lato" panose="020F0502020204030203" pitchFamily="34" charset="0"/>
-                <a:ea typeface="Lato" panose="020F0502020204030203" pitchFamily="34" charset="0"/>
-                <a:cs typeface="Lato" panose="020F0502020204030203" pitchFamily="34" charset="0"/>
-              </a:defRPr>
-            </a:lvl1pPr>
-            <a:lvl2pPr>
-              <a:defRPr>
-                <a:latin typeface="Lato" panose="020F0502020204030203" pitchFamily="34" charset="0"/>
-                <a:ea typeface="Lato" panose="020F0502020204030203" pitchFamily="34" charset="0"/>
-                <a:cs typeface="Lato" panose="020F0502020204030203" pitchFamily="34" charset="0"/>
-              </a:defRPr>
-            </a:lvl2pPr>
-            <a:lvl3pPr>
-              <a:defRPr>
-                <a:latin typeface="Lato" panose="020F0502020204030203" pitchFamily="34" charset="0"/>
-                <a:ea typeface="Lato" panose="020F0502020204030203" pitchFamily="34" charset="0"/>
-                <a:cs typeface="Lato" panose="020F0502020204030203" pitchFamily="34" charset="0"/>
-              </a:defRPr>
-            </a:lvl3pPr>
-            <a:lvl4pPr>
-              <a:defRPr>
-                <a:latin typeface="Lato" panose="020F0502020204030203" pitchFamily="34" charset="0"/>
-                <a:ea typeface="Lato" panose="020F0502020204030203" pitchFamily="34" charset="0"/>
-                <a:cs typeface="Lato" panose="020F0502020204030203" pitchFamily="34" charset="0"/>
-              </a:defRPr>
-            </a:lvl4pPr>
-            <a:lvl5pPr>
-              <a:defRPr>
-                <a:latin typeface="Lato" panose="020F0502020204030203" pitchFamily="34" charset="0"/>
-                <a:ea typeface="Lato" panose="020F0502020204030203" pitchFamily="34" charset="0"/>
-                <a:cs typeface="Lato" panose="020F0502020204030203" pitchFamily="34" charset="0"/>
-              </a:defRPr>
-            </a:lvl5pPr>
-          </a:lstStyle>
-          <a:p>
-            <a:pPr lvl="0"/>
-            <a:r>
-              <a:rPr lang="en-US" dirty="0"/>
-              <a:t>Click to edit Master text styles</a:t>
-            </a:r>
-          </a:p>
-          <a:p>
-            <a:pPr lvl="1"/>
-            <a:r>
-              <a:rPr lang="en-US" dirty="0"/>
-              <a:t>Second level</a:t>
-            </a:r>
-          </a:p>
-          <a:p>
-            <a:pPr lvl="2"/>
-            <a:r>
-              <a:rPr lang="en-US" dirty="0"/>
-              <a:t>Third level</a:t>
-            </a:r>
-          </a:p>
-          <a:p>
-            <a:pPr lvl="3"/>
-            <a:r>
-              <a:rPr lang="en-US" dirty="0"/>
-              <a:t>Fourth level</a:t>
-            </a:r>
-          </a:p>
-          <a:p>
-            <a:pPr lvl="4"/>
-            <a:r>
-              <a:rPr lang="en-US" dirty="0"/>
-              <a:t>Fifth level</a:t>
-            </a:r>
-          </a:p>
-        </p:txBody>
-      </p:sp>
-    </p:spTree>
-    <p:extLst>
-      <p:ext uri="{BB962C8B-B14F-4D97-AF65-F5344CB8AC3E}">
-        <p14:creationId xmlns:p14="http://schemas.microsoft.com/office/powerpoint/2010/main" val="1617985775"/>
-      </p:ext>
-    </p:extLst>
-  </p:cSld>
-  <p:clrMapOvr>
-    <a:masterClrMapping/>
-  </p:clrMapOvr>
-</p:sldLayout>
-</file>
-
-<file path=ppt/slideLayouts/slideLayout5.xml><?xml version="1.0" encoding="utf-8"?>
 <p:sldLayout xmlns:a="http://schemas.openxmlformats.org/drawingml/2006/main" xmlns:r="http://schemas.openxmlformats.org/officeDocument/2006/relationships" xmlns:p="http://schemas.openxmlformats.org/presentationml/2006/main" preserve="1" userDrawn="1">
   <p:cSld name="2_Two Content">
     <p:bg>
@@ -2412,7 +1122,7 @@
             <a:fld id="{F70EAA40-3A53-4A3D-924A-D38F1059C7D5}" type="datetime1">
               <a:rPr lang="en-US" smtClean="0"/>
               <a:pPr/>
-              <a:t>9/4/2025</a:t>
+              <a:t>9/9/2025</a:t>
             </a:fld>
             <a:endParaRPr lang="en-US"/>
           </a:p>
@@ -2773,7 +1483,7 @@
 </p:sldLayout>
 </file>
 
-<file path=ppt/slideLayouts/slideLayout6.xml><?xml version="1.0" encoding="utf-8"?>
+<file path=ppt/slideLayouts/slideLayout4.xml><?xml version="1.0" encoding="utf-8"?>
 <p:sldLayout xmlns:a="http://schemas.openxmlformats.org/drawingml/2006/main" xmlns:r="http://schemas.openxmlformats.org/officeDocument/2006/relationships" xmlns:p="http://schemas.openxmlformats.org/presentationml/2006/main" userDrawn="1">
   <p:cSld name="1_Title Only">
     <p:bg>
@@ -2997,7 +1707,7 @@
             <a:fld id="{F70EAA40-3A53-4A3D-924A-D38F1059C7D5}" type="datetime1">
               <a:rPr lang="en-US" smtClean="0"/>
               <a:pPr/>
-              <a:t>9/4/2025</a:t>
+              <a:t>9/9/2025</a:t>
             </a:fld>
             <a:endParaRPr lang="en-US"/>
           </a:p>
@@ -3109,7 +1819,7 @@
 </p:sldLayout>
 </file>
 
-<file path=ppt/slideLayouts/slideLayout7.xml><?xml version="1.0" encoding="utf-8"?>
+<file path=ppt/slideLayouts/slideLayout5.xml><?xml version="1.0" encoding="utf-8"?>
 <p:sldLayout xmlns:a="http://schemas.openxmlformats.org/drawingml/2006/main" xmlns:r="http://schemas.openxmlformats.org/officeDocument/2006/relationships" xmlns:p="http://schemas.openxmlformats.org/presentationml/2006/main" preserve="1" userDrawn="1">
   <p:cSld name="2_Blank">
     <p:bg>
@@ -3434,7 +2144,7 @@
             <a:fld id="{F70EAA40-3A53-4A3D-924A-D38F1059C7D5}" type="datetime1">
               <a:rPr lang="en-US" smtClean="0"/>
               <a:pPr/>
-              <a:t>9/4/2025</a:t>
+              <a:t>9/9/2025</a:t>
             </a:fld>
             <a:endParaRPr lang="en-US"/>
           </a:p>
@@ -3550,7 +2260,7 @@
 </p:sldLayout>
 </file>
 
-<file path=ppt/slideLayouts/slideLayout8.xml><?xml version="1.0" encoding="utf-8"?>
+<file path=ppt/slideLayouts/slideLayout6.xml><?xml version="1.0" encoding="utf-8"?>
 <p:sldLayout xmlns:a="http://schemas.openxmlformats.org/drawingml/2006/main" xmlns:r="http://schemas.openxmlformats.org/officeDocument/2006/relationships" xmlns:p="http://schemas.openxmlformats.org/presentationml/2006/main" preserve="1" userDrawn="1">
   <p:cSld name="2_Comparison">
     <p:bg>
@@ -3624,7 +2334,7 @@
             <a:fld id="{F70EAA40-3A53-4A3D-924A-D38F1059C7D5}" type="datetime1">
               <a:rPr lang="en-US" smtClean="0"/>
               <a:pPr/>
-              <a:t>9/4/2025</a:t>
+              <a:t>9/9/2025</a:t>
             </a:fld>
             <a:endParaRPr lang="en-US"/>
           </a:p>
@@ -3884,7 +2594,7 @@
 </p:sldLayout>
 </file>
 
-<file path=ppt/slideLayouts/slideLayout9.xml><?xml version="1.0" encoding="utf-8"?>
+<file path=ppt/slideLayouts/slideLayout7.xml><?xml version="1.0" encoding="utf-8"?>
 <p:sldLayout xmlns:a="http://schemas.openxmlformats.org/drawingml/2006/main" xmlns:r="http://schemas.openxmlformats.org/officeDocument/2006/relationships" xmlns:p="http://schemas.openxmlformats.org/presentationml/2006/main" preserve="1" userDrawn="1">
   <p:cSld name="3_Blank">
     <p:bg>
@@ -4207,7 +2917,7 @@
             <a:fld id="{F70EAA40-3A53-4A3D-924A-D38F1059C7D5}" type="datetime1">
               <a:rPr lang="en-US" smtClean="0"/>
               <a:pPr/>
-              <a:t>9/4/2025</a:t>
+              <a:t>9/9/2025</a:t>
             </a:fld>
             <a:endParaRPr lang="en-US"/>
           </a:p>
@@ -4310,6 +3020,528 @@
     <p:extLst>
       <p:ext uri="{BB962C8B-B14F-4D97-AF65-F5344CB8AC3E}">
         <p14:creationId xmlns:p14="http://schemas.microsoft.com/office/powerpoint/2010/main" val="1629018821"/>
+      </p:ext>
+    </p:extLst>
+  </p:cSld>
+  <p:clrMapOvr>
+    <a:masterClrMapping/>
+  </p:clrMapOvr>
+</p:sldLayout>
+</file>
+
+<file path=ppt/slideLayouts/slideLayout8.xml><?xml version="1.0" encoding="utf-8"?>
+<p:sldLayout xmlns:a="http://schemas.openxmlformats.org/drawingml/2006/main" xmlns:r="http://schemas.openxmlformats.org/officeDocument/2006/relationships" xmlns:p="http://schemas.openxmlformats.org/presentationml/2006/main" preserve="1" userDrawn="1">
+  <p:cSld name="3_Comparison">
+    <p:bg>
+      <p:bgPr>
+        <a:blipFill dpi="0" rotWithShape="1">
+          <a:blip r:embed="rId2">
+            <a:lum/>
+          </a:blip>
+          <a:srcRect/>
+          <a:stretch>
+            <a:fillRect/>
+          </a:stretch>
+        </a:blipFill>
+        <a:effectLst/>
+      </p:bgPr>
+    </p:bg>
+    <p:spTree>
+      <p:nvGrpSpPr>
+        <p:cNvPr id="1" name=""/>
+        <p:cNvGrpSpPr/>
+        <p:nvPr/>
+      </p:nvGrpSpPr>
+      <p:grpSpPr>
+        <a:xfrm>
+          <a:off x="0" y="0"/>
+          <a:ext cx="0" cy="0"/>
+          <a:chOff x="0" y="0"/>
+          <a:chExt cx="0" cy="0"/>
+        </a:xfrm>
+      </p:grpSpPr>
+      <p:sp>
+        <p:nvSpPr>
+          <p:cNvPr id="7" name="Date Placeholder 3">
+            <a:extLst>
+              <a:ext uri="{FF2B5EF4-FFF2-40B4-BE49-F238E27FC236}">
+                <a16:creationId xmlns:a16="http://schemas.microsoft.com/office/drawing/2014/main" id="{007929A3-17ED-41F3-AD36-819BC9DFBCB6}"/>
+              </a:ext>
+            </a:extLst>
+          </p:cNvPr>
+          <p:cNvSpPr>
+            <a:spLocks noGrp="1"/>
+          </p:cNvSpPr>
+          <p:nvPr>
+            <p:ph type="dt" sz="half" idx="10"/>
+          </p:nvPr>
+        </p:nvSpPr>
+        <p:spPr>
+          <a:xfrm>
+            <a:off x="628650" y="6565257"/>
+            <a:ext cx="2057400" cy="365125"/>
+          </a:xfrm>
+          <a:prstGeom prst="rect">
+            <a:avLst/>
+          </a:prstGeom>
+        </p:spPr>
+        <p:txBody>
+          <a:bodyPr/>
+          <a:lstStyle>
+            <a:lvl1pPr>
+              <a:defRPr sz="1200" b="1">
+                <a:solidFill>
+                  <a:srgbClr val="C00000"/>
+                </a:solidFill>
+                <a:latin typeface="Lato" panose="020F0502020204030203" pitchFamily="34" charset="0"/>
+                <a:ea typeface="Lato" panose="020F0502020204030203" pitchFamily="34" charset="0"/>
+                <a:cs typeface="Lato" panose="020F0502020204030203" pitchFamily="34" charset="0"/>
+              </a:defRPr>
+            </a:lvl1pPr>
+          </a:lstStyle>
+          <a:p>
+            <a:fld id="{F70EAA40-3A53-4A3D-924A-D38F1059C7D5}" type="datetime1">
+              <a:rPr lang="en-US" smtClean="0"/>
+              <a:pPr/>
+              <a:t>9/9/2025</a:t>
+            </a:fld>
+            <a:endParaRPr lang="en-US"/>
+          </a:p>
+        </p:txBody>
+      </p:sp>
+      <p:sp>
+        <p:nvSpPr>
+          <p:cNvPr id="8" name="Footer Placeholder 4">
+            <a:extLst>
+              <a:ext uri="{FF2B5EF4-FFF2-40B4-BE49-F238E27FC236}">
+                <a16:creationId xmlns:a16="http://schemas.microsoft.com/office/drawing/2014/main" id="{4973EE95-672F-4E5A-A918-2F51DB2C3ACB}"/>
+              </a:ext>
+            </a:extLst>
+          </p:cNvPr>
+          <p:cNvSpPr>
+            <a:spLocks noGrp="1"/>
+          </p:cNvSpPr>
+          <p:nvPr>
+            <p:ph type="ftr" sz="quarter" idx="11"/>
+          </p:nvPr>
+        </p:nvSpPr>
+        <p:spPr>
+          <a:xfrm>
+            <a:off x="3028950" y="6565257"/>
+            <a:ext cx="3086100" cy="365125"/>
+          </a:xfrm>
+          <a:prstGeom prst="rect">
+            <a:avLst/>
+          </a:prstGeom>
+        </p:spPr>
+        <p:txBody>
+          <a:bodyPr/>
+          <a:lstStyle>
+            <a:lvl1pPr algn="ctr">
+              <a:defRPr sz="1200" b="1">
+                <a:solidFill>
+                  <a:srgbClr val="C00000"/>
+                </a:solidFill>
+                <a:latin typeface="Lato" panose="020F0502020204030203" pitchFamily="34" charset="0"/>
+                <a:ea typeface="Lato" panose="020F0502020204030203" pitchFamily="34" charset="0"/>
+                <a:cs typeface="Lato" panose="020F0502020204030203" pitchFamily="34" charset="0"/>
+              </a:defRPr>
+            </a:lvl1pPr>
+          </a:lstStyle>
+          <a:p>
+            <a:endParaRPr lang="en-US"/>
+          </a:p>
+        </p:txBody>
+      </p:sp>
+      <p:sp>
+        <p:nvSpPr>
+          <p:cNvPr id="9" name="Slide Number Placeholder 5">
+            <a:extLst>
+              <a:ext uri="{FF2B5EF4-FFF2-40B4-BE49-F238E27FC236}">
+                <a16:creationId xmlns:a16="http://schemas.microsoft.com/office/drawing/2014/main" id="{2B17F6F6-0CA3-4D52-AA3D-7CF8ADE793B6}"/>
+              </a:ext>
+            </a:extLst>
+          </p:cNvPr>
+          <p:cNvSpPr>
+            <a:spLocks noGrp="1"/>
+          </p:cNvSpPr>
+          <p:nvPr>
+            <p:ph type="sldNum" sz="quarter" idx="12"/>
+          </p:nvPr>
+        </p:nvSpPr>
+        <p:spPr>
+          <a:xfrm>
+            <a:off x="6867383" y="6572126"/>
+            <a:ext cx="2057400" cy="365125"/>
+          </a:xfrm>
+          <a:prstGeom prst="rect">
+            <a:avLst/>
+          </a:prstGeom>
+        </p:spPr>
+        <p:txBody>
+          <a:bodyPr/>
+          <a:lstStyle>
+            <a:lvl1pPr algn="r">
+              <a:defRPr sz="1200" b="1">
+                <a:solidFill>
+                  <a:srgbClr val="C00000"/>
+                </a:solidFill>
+                <a:latin typeface="Lato" panose="020F0502020204030203" pitchFamily="34" charset="0"/>
+                <a:ea typeface="Lato" panose="020F0502020204030203" pitchFamily="34" charset="0"/>
+                <a:cs typeface="Lato" panose="020F0502020204030203" pitchFamily="34" charset="0"/>
+              </a:defRPr>
+            </a:lvl1pPr>
+          </a:lstStyle>
+          <a:p>
+            <a:fld id="{9EA0BE3B-158A-4EDF-80DC-E394A0D1600F}" type="slidenum">
+              <a:rPr lang="en-US" smtClean="0"/>
+              <a:pPr/>
+              <a:t>‹#›</a:t>
+            </a:fld>
+            <a:endParaRPr lang="en-US" dirty="0"/>
+          </a:p>
+        </p:txBody>
+      </p:sp>
+      <p:sp>
+        <p:nvSpPr>
+          <p:cNvPr id="11" name="Title 6">
+            <a:extLst>
+              <a:ext uri="{FF2B5EF4-FFF2-40B4-BE49-F238E27FC236}">
+                <a16:creationId xmlns:a16="http://schemas.microsoft.com/office/drawing/2014/main" id="{943CD72D-5295-43E4-B175-0EA61084ADC7}"/>
+              </a:ext>
+            </a:extLst>
+          </p:cNvPr>
+          <p:cNvSpPr>
+            <a:spLocks noGrp="1"/>
+          </p:cNvSpPr>
+          <p:nvPr>
+            <p:ph type="title" hasCustomPrompt="1"/>
+          </p:nvPr>
+        </p:nvSpPr>
+        <p:spPr>
+          <a:xfrm>
+            <a:off x="235077" y="78613"/>
+            <a:ext cx="8673846" cy="451739"/>
+          </a:xfrm>
+          <a:prstGeom prst="rect">
+            <a:avLst/>
+          </a:prstGeom>
+        </p:spPr>
+        <p:txBody>
+          <a:bodyPr/>
+          <a:lstStyle>
+            <a:lvl1pPr>
+              <a:defRPr sz="2800" b="1">
+                <a:solidFill>
+                  <a:schemeClr val="bg1"/>
+                </a:solidFill>
+                <a:latin typeface="Lato" panose="020F0502020204030203" pitchFamily="34" charset="0"/>
+                <a:ea typeface="Lato" panose="020F0502020204030203" pitchFamily="34" charset="0"/>
+                <a:cs typeface="Lato" panose="020F0502020204030203" pitchFamily="34" charset="0"/>
+              </a:defRPr>
+            </a:lvl1pPr>
+          </a:lstStyle>
+          <a:p>
+            <a:r>
+              <a:rPr lang="en-US" dirty="0"/>
+              <a:t>Title 9: ………………………………………</a:t>
+            </a:r>
+          </a:p>
+        </p:txBody>
+      </p:sp>
+      <p:sp>
+        <p:nvSpPr>
+          <p:cNvPr id="16" name="Text Placeholder 11">
+            <a:extLst>
+              <a:ext uri="{FF2B5EF4-FFF2-40B4-BE49-F238E27FC236}">
+                <a16:creationId xmlns:a16="http://schemas.microsoft.com/office/drawing/2014/main" id="{0C9A3A79-B187-4A33-8EBB-92ECD8BA3C59}"/>
+              </a:ext>
+            </a:extLst>
+          </p:cNvPr>
+          <p:cNvSpPr>
+            <a:spLocks noGrp="1"/>
+          </p:cNvSpPr>
+          <p:nvPr>
+            <p:ph type="body" sz="quarter" idx="13"/>
+          </p:nvPr>
+        </p:nvSpPr>
+        <p:spPr>
+          <a:xfrm>
+            <a:off x="234950" y="1164920"/>
+            <a:ext cx="8674100" cy="4931079"/>
+          </a:xfrm>
+          <a:prstGeom prst="rect">
+            <a:avLst/>
+          </a:prstGeom>
+        </p:spPr>
+        <p:txBody>
+          <a:bodyPr/>
+          <a:lstStyle>
+            <a:lvl1pPr>
+              <a:defRPr>
+                <a:latin typeface="Lato" panose="020F0502020204030203" pitchFamily="34" charset="0"/>
+                <a:ea typeface="Lato" panose="020F0502020204030203" pitchFamily="34" charset="0"/>
+                <a:cs typeface="Lato" panose="020F0502020204030203" pitchFamily="34" charset="0"/>
+              </a:defRPr>
+            </a:lvl1pPr>
+            <a:lvl2pPr>
+              <a:defRPr>
+                <a:latin typeface="Lato" panose="020F0502020204030203" pitchFamily="34" charset="0"/>
+                <a:ea typeface="Lato" panose="020F0502020204030203" pitchFamily="34" charset="0"/>
+                <a:cs typeface="Lato" panose="020F0502020204030203" pitchFamily="34" charset="0"/>
+              </a:defRPr>
+            </a:lvl2pPr>
+            <a:lvl3pPr>
+              <a:defRPr>
+                <a:latin typeface="Lato" panose="020F0502020204030203" pitchFamily="34" charset="0"/>
+                <a:ea typeface="Lato" panose="020F0502020204030203" pitchFamily="34" charset="0"/>
+                <a:cs typeface="Lato" panose="020F0502020204030203" pitchFamily="34" charset="0"/>
+              </a:defRPr>
+            </a:lvl3pPr>
+            <a:lvl4pPr>
+              <a:defRPr>
+                <a:latin typeface="Lato" panose="020F0502020204030203" pitchFamily="34" charset="0"/>
+                <a:ea typeface="Lato" panose="020F0502020204030203" pitchFamily="34" charset="0"/>
+                <a:cs typeface="Lato" panose="020F0502020204030203" pitchFamily="34" charset="0"/>
+              </a:defRPr>
+            </a:lvl4pPr>
+            <a:lvl5pPr>
+              <a:defRPr>
+                <a:latin typeface="Lato" panose="020F0502020204030203" pitchFamily="34" charset="0"/>
+                <a:ea typeface="Lato" panose="020F0502020204030203" pitchFamily="34" charset="0"/>
+                <a:cs typeface="Lato" panose="020F0502020204030203" pitchFamily="34" charset="0"/>
+              </a:defRPr>
+            </a:lvl5pPr>
+          </a:lstStyle>
+          <a:p>
+            <a:pPr lvl="0"/>
+            <a:r>
+              <a:rPr lang="en-US" dirty="0"/>
+              <a:t>Click to edit Master text styles</a:t>
+            </a:r>
+          </a:p>
+          <a:p>
+            <a:pPr lvl="1"/>
+            <a:r>
+              <a:rPr lang="en-US" dirty="0"/>
+              <a:t>Second level</a:t>
+            </a:r>
+          </a:p>
+          <a:p>
+            <a:pPr lvl="2"/>
+            <a:r>
+              <a:rPr lang="en-US" dirty="0"/>
+              <a:t>Third level</a:t>
+            </a:r>
+          </a:p>
+          <a:p>
+            <a:pPr lvl="3"/>
+            <a:r>
+              <a:rPr lang="en-US" dirty="0"/>
+              <a:t>Fourth level</a:t>
+            </a:r>
+          </a:p>
+          <a:p>
+            <a:pPr lvl="4"/>
+            <a:r>
+              <a:rPr lang="en-US" dirty="0"/>
+              <a:t>Fifth level</a:t>
+            </a:r>
+          </a:p>
+        </p:txBody>
+      </p:sp>
+    </p:spTree>
+    <p:extLst>
+      <p:ext uri="{BB962C8B-B14F-4D97-AF65-F5344CB8AC3E}">
+        <p14:creationId xmlns:p14="http://schemas.microsoft.com/office/powerpoint/2010/main" val="3666482944"/>
+      </p:ext>
+    </p:extLst>
+  </p:cSld>
+  <p:clrMapOvr>
+    <a:masterClrMapping/>
+  </p:clrMapOvr>
+</p:sldLayout>
+</file>
+
+<file path=ppt/slideLayouts/slideLayout9.xml><?xml version="1.0" encoding="utf-8"?>
+<p:sldLayout xmlns:a="http://schemas.openxmlformats.org/drawingml/2006/main" xmlns:r="http://schemas.openxmlformats.org/officeDocument/2006/relationships" xmlns:p="http://schemas.openxmlformats.org/presentationml/2006/main" userDrawn="1">
+  <p:cSld name="1_Content with Caption">
+    <p:bg>
+      <p:bgPr>
+        <a:blipFill dpi="0" rotWithShape="1">
+          <a:blip r:embed="rId2">
+            <a:lum/>
+          </a:blip>
+          <a:srcRect/>
+          <a:stretch>
+            <a:fillRect/>
+          </a:stretch>
+        </a:blipFill>
+        <a:effectLst/>
+      </p:bgPr>
+    </p:bg>
+    <p:spTree>
+      <p:nvGrpSpPr>
+        <p:cNvPr id="1" name=""/>
+        <p:cNvGrpSpPr/>
+        <p:nvPr/>
+      </p:nvGrpSpPr>
+      <p:grpSpPr>
+        <a:xfrm>
+          <a:off x="0" y="0"/>
+          <a:ext cx="0" cy="0"/>
+          <a:chOff x="0" y="0"/>
+          <a:chExt cx="0" cy="0"/>
+        </a:xfrm>
+      </p:grpSpPr>
+      <p:sp>
+        <p:nvSpPr>
+          <p:cNvPr id="5" name="Date Placeholder 3">
+            <a:extLst>
+              <a:ext uri="{FF2B5EF4-FFF2-40B4-BE49-F238E27FC236}">
+                <a16:creationId xmlns:a16="http://schemas.microsoft.com/office/drawing/2014/main" id="{76EAE966-F590-4BAF-A55B-75735FCC661F}"/>
+              </a:ext>
+            </a:extLst>
+          </p:cNvPr>
+          <p:cNvSpPr>
+            <a:spLocks noGrp="1"/>
+          </p:cNvSpPr>
+          <p:nvPr>
+            <p:ph type="dt" sz="half" idx="10"/>
+          </p:nvPr>
+        </p:nvSpPr>
+        <p:spPr>
+          <a:xfrm>
+            <a:off x="628650" y="6565257"/>
+            <a:ext cx="2057400" cy="365125"/>
+          </a:xfrm>
+          <a:prstGeom prst="rect">
+            <a:avLst/>
+          </a:prstGeom>
+        </p:spPr>
+        <p:txBody>
+          <a:bodyPr/>
+          <a:lstStyle>
+            <a:lvl1pPr>
+              <a:defRPr sz="1200" b="1">
+                <a:solidFill>
+                  <a:schemeClr val="bg1">
+                    <a:lumMod val="95000"/>
+                  </a:schemeClr>
+                </a:solidFill>
+                <a:latin typeface="Lato" panose="020F0502020204030203" pitchFamily="34" charset="0"/>
+                <a:ea typeface="Lato" panose="020F0502020204030203" pitchFamily="34" charset="0"/>
+                <a:cs typeface="Lato" panose="020F0502020204030203" pitchFamily="34" charset="0"/>
+              </a:defRPr>
+            </a:lvl1pPr>
+          </a:lstStyle>
+          <a:p>
+            <a:fld id="{F70EAA40-3A53-4A3D-924A-D38F1059C7D5}" type="datetime1">
+              <a:rPr lang="en-US" smtClean="0"/>
+              <a:pPr/>
+              <a:t>9/9/2025</a:t>
+            </a:fld>
+            <a:endParaRPr lang="en-US"/>
+          </a:p>
+        </p:txBody>
+      </p:sp>
+      <p:sp>
+        <p:nvSpPr>
+          <p:cNvPr id="6" name="Footer Placeholder 4">
+            <a:extLst>
+              <a:ext uri="{FF2B5EF4-FFF2-40B4-BE49-F238E27FC236}">
+                <a16:creationId xmlns:a16="http://schemas.microsoft.com/office/drawing/2014/main" id="{C330CA1C-4366-43E8-9DC8-B360FC115AE4}"/>
+              </a:ext>
+            </a:extLst>
+          </p:cNvPr>
+          <p:cNvSpPr>
+            <a:spLocks noGrp="1"/>
+          </p:cNvSpPr>
+          <p:nvPr>
+            <p:ph type="ftr" sz="quarter" idx="11"/>
+          </p:nvPr>
+        </p:nvSpPr>
+        <p:spPr>
+          <a:xfrm>
+            <a:off x="3028950" y="6565257"/>
+            <a:ext cx="3086100" cy="365125"/>
+          </a:xfrm>
+          <a:prstGeom prst="rect">
+            <a:avLst/>
+          </a:prstGeom>
+        </p:spPr>
+        <p:txBody>
+          <a:bodyPr/>
+          <a:lstStyle>
+            <a:lvl1pPr algn="ctr">
+              <a:defRPr sz="1200" b="1">
+                <a:solidFill>
+                  <a:srgbClr val="C00000"/>
+                </a:solidFill>
+                <a:latin typeface="Lato" panose="020F0502020204030203" pitchFamily="34" charset="0"/>
+                <a:ea typeface="Lato" panose="020F0502020204030203" pitchFamily="34" charset="0"/>
+                <a:cs typeface="Lato" panose="020F0502020204030203" pitchFamily="34" charset="0"/>
+              </a:defRPr>
+            </a:lvl1pPr>
+          </a:lstStyle>
+          <a:p>
+            <a:endParaRPr lang="en-US"/>
+          </a:p>
+        </p:txBody>
+      </p:sp>
+      <p:sp>
+        <p:nvSpPr>
+          <p:cNvPr id="7" name="Slide Number Placeholder 5">
+            <a:extLst>
+              <a:ext uri="{FF2B5EF4-FFF2-40B4-BE49-F238E27FC236}">
+                <a16:creationId xmlns:a16="http://schemas.microsoft.com/office/drawing/2014/main" id="{72DB13F6-9193-4FE2-AE85-5B96248CC0EA}"/>
+              </a:ext>
+            </a:extLst>
+          </p:cNvPr>
+          <p:cNvSpPr>
+            <a:spLocks noGrp="1"/>
+          </p:cNvSpPr>
+          <p:nvPr>
+            <p:ph type="sldNum" sz="quarter" idx="12"/>
+          </p:nvPr>
+        </p:nvSpPr>
+        <p:spPr>
+          <a:xfrm>
+            <a:off x="6867383" y="6572126"/>
+            <a:ext cx="2057400" cy="365125"/>
+          </a:xfrm>
+          <a:prstGeom prst="rect">
+            <a:avLst/>
+          </a:prstGeom>
+        </p:spPr>
+        <p:txBody>
+          <a:bodyPr/>
+          <a:lstStyle>
+            <a:lvl1pPr algn="r">
+              <a:defRPr sz="1200" b="1">
+                <a:solidFill>
+                  <a:srgbClr val="C00000"/>
+                </a:solidFill>
+                <a:latin typeface="Lato" panose="020F0502020204030203" pitchFamily="34" charset="0"/>
+                <a:ea typeface="Lato" panose="020F0502020204030203" pitchFamily="34" charset="0"/>
+                <a:cs typeface="Lato" panose="020F0502020204030203" pitchFamily="34" charset="0"/>
+              </a:defRPr>
+            </a:lvl1pPr>
+          </a:lstStyle>
+          <a:p>
+            <a:fld id="{9EA0BE3B-158A-4EDF-80DC-E394A0D1600F}" type="slidenum">
+              <a:rPr lang="en-US" smtClean="0"/>
+              <a:pPr/>
+              <a:t>‹#›</a:t>
+            </a:fld>
+            <a:endParaRPr lang="en-US" dirty="0"/>
+          </a:p>
+        </p:txBody>
+      </p:sp>
+    </p:spTree>
+    <p:extLst>
+      <p:ext uri="{BB962C8B-B14F-4D97-AF65-F5344CB8AC3E}">
+        <p14:creationId xmlns:p14="http://schemas.microsoft.com/office/powerpoint/2010/main" val="817046252"/>
       </p:ext>
     </p:extLst>
   </p:cSld>
@@ -4325,7 +3557,7 @@
     <p:bg>
       <p:bgPr>
         <a:blipFill dpi="0" rotWithShape="1">
-          <a:blip r:embed="rId13">
+          <a:blip r:embed="rId11">
             <a:lum/>
           </a:blip>
           <a:srcRect/>
@@ -4361,15 +3593,13 @@
   <p:sldLayoutIdLst>
     <p:sldLayoutId id="2147483672" r:id="rId1"/>
     <p:sldLayoutId id="2147483673" r:id="rId2"/>
-    <p:sldLayoutId id="2147483674" r:id="rId3"/>
-    <p:sldLayoutId id="2147483675" r:id="rId4"/>
-    <p:sldLayoutId id="2147483683" r:id="rId5"/>
-    <p:sldLayoutId id="2147483676" r:id="rId6"/>
-    <p:sldLayoutId id="2147483679" r:id="rId7"/>
-    <p:sldLayoutId id="2147483680" r:id="rId8"/>
-    <p:sldLayoutId id="2147483681" r:id="rId9"/>
-    <p:sldLayoutId id="2147483682" r:id="rId10"/>
-    <p:sldLayoutId id="2147483678" r:id="rId11"/>
+    <p:sldLayoutId id="2147483683" r:id="rId3"/>
+    <p:sldLayoutId id="2147483676" r:id="rId4"/>
+    <p:sldLayoutId id="2147483679" r:id="rId5"/>
+    <p:sldLayoutId id="2147483680" r:id="rId6"/>
+    <p:sldLayoutId id="2147483681" r:id="rId7"/>
+    <p:sldLayoutId id="2147483682" r:id="rId8"/>
+    <p:sldLayoutId id="2147483678" r:id="rId9"/>
   </p:sldLayoutIdLst>
   <p:hf hdr="0" ftr="0" dt="0"/>
   <p:txStyles>
@@ -4723,7 +3953,7 @@
         </p:nvSpPr>
         <p:spPr>
           <a:xfrm>
-            <a:off x="320414" y="1864421"/>
+            <a:off x="274116" y="1316005"/>
             <a:ext cx="7342482" cy="848792"/>
           </a:xfrm>
           <a:prstGeom prst="rect">
@@ -4753,14 +3983,13 @@
           </a:lstStyle>
           <a:p>
             <a:r>
-              <a:rPr lang="en-US" dirty="0"/>
-              <a:t>Quiz game using </a:t>
-            </a:r>
-            <a:r>
               <a:rPr lang="en-US" dirty="0" err="1"/>
-              <a:t>DBpedia</a:t>
-            </a:r>
-            <a:endParaRPr lang="en-US" dirty="0"/>
+              <a:t>GraphRAG</a:t>
+            </a:r>
+            <a:r>
+              <a:rPr lang="en-US" dirty="0"/>
+              <a:t> Neo4j Chatbot for London Transport Information</a:t>
+            </a:r>
           </a:p>
         </p:txBody>
       </p:sp>
@@ -4924,7 +4153,7 @@
           <p:cNvPr id="2" name="Slide Number Placeholder 1">
             <a:extLst>
               <a:ext uri="{FF2B5EF4-FFF2-40B4-BE49-F238E27FC236}">
-                <a16:creationId xmlns:a16="http://schemas.microsoft.com/office/drawing/2014/main" id="{39F331FF-7367-F4F4-10DC-9F4CB4892036}"/>
+                <a16:creationId xmlns:a16="http://schemas.microsoft.com/office/drawing/2014/main" id="{69DFE9DB-A346-4E1B-7C0C-22EC45344C53}"/>
               </a:ext>
             </a:extLst>
           </p:cNvPr>
@@ -4954,7 +4183,7 @@
           <p:cNvPr id="3" name="Title 2">
             <a:extLst>
               <a:ext uri="{FF2B5EF4-FFF2-40B4-BE49-F238E27FC236}">
-                <a16:creationId xmlns:a16="http://schemas.microsoft.com/office/drawing/2014/main" id="{CA942A98-C171-982E-551D-E59FBFEFF92E}"/>
+                <a16:creationId xmlns:a16="http://schemas.microsoft.com/office/drawing/2014/main" id="{7AF0B186-2C2C-6C9F-3F19-B46B24022861}"/>
               </a:ext>
             </a:extLst>
           </p:cNvPr>
@@ -4972,742 +4201,132 @@
           <a:p>
             <a:r>
               <a:rPr lang="en-US" dirty="0"/>
-              <a:t>SPARQL Query: Capital city</a:t>
-            </a:r>
-          </a:p>
-        </p:txBody>
-      </p:sp>
-      <p:sp>
-        <p:nvSpPr>
-          <p:cNvPr id="5" name="Rectangle 1">
-            <a:extLst>
-              <a:ext uri="{FF2B5EF4-FFF2-40B4-BE49-F238E27FC236}">
-                <a16:creationId xmlns:a16="http://schemas.microsoft.com/office/drawing/2014/main" id="{462A18DF-929F-7A96-2CF2-02E44DE5EEB4}"/>
-              </a:ext>
-            </a:extLst>
-          </p:cNvPr>
-          <p:cNvSpPr>
-            <a:spLocks noGrp="1" noChangeArrowheads="1"/>
+              <a:t>Architecture overview</a:t>
+            </a:r>
+          </a:p>
+        </p:txBody>
+      </p:sp>
+      <p:sp>
+        <p:nvSpPr>
+          <p:cNvPr id="4" name="Text Placeholder 3">
+            <a:extLst>
+              <a:ext uri="{FF2B5EF4-FFF2-40B4-BE49-F238E27FC236}">
+                <a16:creationId xmlns:a16="http://schemas.microsoft.com/office/drawing/2014/main" id="{7CB71C86-1FFD-CBC7-D2F0-BF7115EE5A64}"/>
+              </a:ext>
+            </a:extLst>
+          </p:cNvPr>
+          <p:cNvSpPr>
+            <a:spLocks noGrp="1"/>
           </p:cNvSpPr>
           <p:nvPr>
             <p:ph type="body" sz="quarter" idx="13"/>
           </p:nvPr>
         </p:nvSpPr>
-        <p:spPr bwMode="auto">
+        <p:spPr>
           <a:xfrm>
-            <a:off x="234950" y="1245191"/>
-            <a:ext cx="5319405" cy="4770537"/>
+            <a:off x="234823" y="1175464"/>
+            <a:ext cx="8674100" cy="4868449"/>
           </a:xfrm>
-          <a:prstGeom prst="rect">
-            <a:avLst/>
-          </a:prstGeom>
-          <a:noFill/>
-          <a:ln>
-            <a:noFill/>
-          </a:ln>
-          <a:effectLst/>
         </p:spPr>
         <p:txBody>
-          <a:bodyPr vert="horz" wrap="none" lIns="91440" tIns="45720" rIns="91440" bIns="45720" numCol="1" anchor="ctr" anchorCtr="0" compatLnSpc="1">
-            <a:prstTxWarp prst="textNoShape">
-              <a:avLst/>
-            </a:prstTxWarp>
-            <a:spAutoFit/>
-          </a:bodyPr>
+          <a:bodyPr/>
           <a:lstStyle/>
           <a:p>
-            <a:pPr marL="0" marR="0" lvl="0" indent="0" algn="l" defTabSz="914400" rtl="0" eaLnBrk="0" fontAlgn="base" latinLnBrk="0" hangingPunct="0">
-              <a:lnSpc>
-                <a:spcPct val="100000"/>
-              </a:lnSpc>
-              <a:spcBef>
-                <a:spcPct val="0"/>
-              </a:spcBef>
-              <a:spcAft>
-                <a:spcPct val="0"/>
-              </a:spcAft>
-              <a:buClrTx/>
-              <a:buSzTx/>
-              <a:buFontTx/>
+            <a:pPr marL="514350" indent="-514350">
+              <a:buAutoNum type="arabicPeriod"/>
+            </a:pPr>
+            <a:r>
+              <a:rPr lang="en-US" dirty="0"/>
+              <a:t>Data integration</a:t>
+            </a:r>
+          </a:p>
+          <a:p>
+            <a:pPr lvl="1"/>
+            <a:r>
+              <a:rPr lang="en-US" dirty="0"/>
+              <a:t>TfL API client with rate limiting and error handling</a:t>
+            </a:r>
+          </a:p>
+          <a:p>
+            <a:pPr lvl="1"/>
+            <a:r>
+              <a:rPr lang="en-US" dirty="0"/>
+              <a:t>JSON-to-graph transformation modules</a:t>
+            </a:r>
+          </a:p>
+          <a:p>
+            <a:pPr lvl="1"/>
+            <a:r>
+              <a:rPr lang="en-US" dirty="0"/>
+              <a:t>Batch processing capabilities for large datasets</a:t>
+            </a:r>
+          </a:p>
+          <a:p>
+            <a:pPr marL="0" indent="0">
               <a:buNone/>
-              <a:tabLst/>
             </a:pPr>
             <a:r>
-              <a:rPr kumimoji="0" lang="en-US" altLang="en-US" sz="1600" b="0" i="0" u="none" strike="noStrike" cap="none" normalizeH="0" baseline="0" dirty="0">
-                <a:ln>
-                  <a:noFill/>
-                </a:ln>
-                <a:effectLst/>
-                <a:latin typeface="JetBrains Mono"/>
-              </a:rPr>
-              <a:t>PREFIX </a:t>
-            </a:r>
-            <a:r>
-              <a:rPr kumimoji="0" lang="en-US" altLang="en-US" sz="1600" b="0" i="0" u="none" strike="noStrike" cap="none" normalizeH="0" baseline="0" dirty="0" err="1">
-                <a:ln>
-                  <a:noFill/>
-                </a:ln>
-                <a:effectLst/>
-                <a:latin typeface="JetBrains Mono"/>
-              </a:rPr>
-              <a:t>dbo</a:t>
-            </a:r>
-            <a:r>
-              <a:rPr kumimoji="0" lang="en-US" altLang="en-US" sz="1600" b="0" i="0" u="none" strike="noStrike" cap="none" normalizeH="0" baseline="0" dirty="0">
-                <a:ln>
-                  <a:noFill/>
-                </a:ln>
-                <a:effectLst/>
-                <a:latin typeface="JetBrains Mono"/>
-              </a:rPr>
-              <a:t>:  &lt;http://dbpedia.org/ontology/&gt;</a:t>
-            </a:r>
-            <a:br>
-              <a:rPr kumimoji="0" lang="en-US" altLang="en-US" sz="1600" b="0" i="0" u="none" strike="noStrike" cap="none" normalizeH="0" baseline="0" dirty="0">
-                <a:ln>
-                  <a:noFill/>
-                </a:ln>
-                <a:effectLst/>
-                <a:latin typeface="JetBrains Mono"/>
-              </a:rPr>
-            </a:br>
-            <a:r>
-              <a:rPr kumimoji="0" lang="en-US" altLang="en-US" sz="1600" b="0" i="0" u="none" strike="noStrike" cap="none" normalizeH="0" baseline="0" dirty="0">
-                <a:ln>
-                  <a:noFill/>
-                </a:ln>
-                <a:effectLst/>
-                <a:latin typeface="JetBrains Mono"/>
-              </a:rPr>
-              <a:t>        PREFIX </a:t>
-            </a:r>
-            <a:r>
-              <a:rPr kumimoji="0" lang="en-US" altLang="en-US" sz="1600" b="0" i="0" u="none" strike="noStrike" cap="none" normalizeH="0" baseline="0" dirty="0" err="1">
-                <a:ln>
-                  <a:noFill/>
-                </a:ln>
-                <a:effectLst/>
-                <a:latin typeface="JetBrains Mono"/>
-              </a:rPr>
-              <a:t>dbp</a:t>
-            </a:r>
-            <a:r>
-              <a:rPr kumimoji="0" lang="en-US" altLang="en-US" sz="1600" b="0" i="0" u="none" strike="noStrike" cap="none" normalizeH="0" baseline="0" dirty="0">
-                <a:ln>
-                  <a:noFill/>
-                </a:ln>
-                <a:effectLst/>
-                <a:latin typeface="JetBrains Mono"/>
-              </a:rPr>
-              <a:t>:  &lt;http://dbpedia.org/property/&gt;</a:t>
-            </a:r>
-            <a:br>
-              <a:rPr kumimoji="0" lang="en-US" altLang="en-US" sz="1600" b="0" i="0" u="none" strike="noStrike" cap="none" normalizeH="0" baseline="0" dirty="0">
-                <a:ln>
-                  <a:noFill/>
-                </a:ln>
-                <a:effectLst/>
-                <a:latin typeface="JetBrains Mono"/>
-              </a:rPr>
-            </a:br>
-            <a:r>
-              <a:rPr kumimoji="0" lang="en-US" altLang="en-US" sz="1600" b="0" i="0" u="none" strike="noStrike" cap="none" normalizeH="0" baseline="0" dirty="0">
-                <a:ln>
-                  <a:noFill/>
-                </a:ln>
-                <a:effectLst/>
-                <a:latin typeface="JetBrains Mono"/>
-              </a:rPr>
-              <a:t>        PREFIX </a:t>
-            </a:r>
-            <a:r>
-              <a:rPr kumimoji="0" lang="en-US" altLang="en-US" sz="1600" b="0" i="0" u="none" strike="noStrike" cap="none" normalizeH="0" baseline="0" dirty="0" err="1">
-                <a:ln>
-                  <a:noFill/>
-                </a:ln>
-                <a:effectLst/>
-                <a:latin typeface="JetBrains Mono"/>
-              </a:rPr>
-              <a:t>dbr</a:t>
-            </a:r>
-            <a:r>
-              <a:rPr kumimoji="0" lang="en-US" altLang="en-US" sz="1600" b="0" i="0" u="none" strike="noStrike" cap="none" normalizeH="0" baseline="0" dirty="0">
-                <a:ln>
-                  <a:noFill/>
-                </a:ln>
-                <a:effectLst/>
-                <a:latin typeface="JetBrains Mono"/>
-              </a:rPr>
-              <a:t>:  &lt;http://dbpedia.org/resource/&gt;</a:t>
-            </a:r>
-            <a:br>
-              <a:rPr kumimoji="0" lang="en-US" altLang="en-US" sz="1600" b="0" i="0" u="none" strike="noStrike" cap="none" normalizeH="0" baseline="0" dirty="0">
-                <a:ln>
-                  <a:noFill/>
-                </a:ln>
-                <a:effectLst/>
-                <a:latin typeface="JetBrains Mono"/>
-              </a:rPr>
-            </a:br>
-            <a:r>
-              <a:rPr kumimoji="0" lang="en-US" altLang="en-US" sz="1600" b="0" i="0" u="none" strike="noStrike" cap="none" normalizeH="0" baseline="0" dirty="0">
-                <a:ln>
-                  <a:noFill/>
-                </a:ln>
-                <a:effectLst/>
-                <a:latin typeface="JetBrains Mono"/>
-              </a:rPr>
-              <a:t>        PREFIX </a:t>
-            </a:r>
-            <a:r>
-              <a:rPr kumimoji="0" lang="en-US" altLang="en-US" sz="1600" b="0" i="0" u="none" strike="noStrike" cap="none" normalizeH="0" baseline="0" dirty="0" err="1">
-                <a:ln>
-                  <a:noFill/>
-                </a:ln>
-                <a:effectLst/>
-                <a:latin typeface="JetBrains Mono"/>
-              </a:rPr>
-              <a:t>rdfs</a:t>
-            </a:r>
-            <a:r>
-              <a:rPr kumimoji="0" lang="en-US" altLang="en-US" sz="1600" b="0" i="0" u="none" strike="noStrike" cap="none" normalizeH="0" baseline="0" dirty="0">
-                <a:ln>
-                  <a:noFill/>
-                </a:ln>
-                <a:effectLst/>
-                <a:latin typeface="JetBrains Mono"/>
-              </a:rPr>
-              <a:t>: &lt;http://www.w3.org/2000/01/rdf-schema#&gt;</a:t>
-            </a:r>
-            <a:br>
-              <a:rPr kumimoji="0" lang="en-US" altLang="en-US" sz="1600" b="0" i="0" u="none" strike="noStrike" cap="none" normalizeH="0" baseline="0" dirty="0">
-                <a:ln>
-                  <a:noFill/>
-                </a:ln>
-                <a:effectLst/>
-                <a:latin typeface="JetBrains Mono"/>
-              </a:rPr>
-            </a:br>
-            <a:r>
-              <a:rPr kumimoji="0" lang="en-US" altLang="en-US" sz="1600" b="0" i="0" u="none" strike="noStrike" cap="none" normalizeH="0" baseline="0" dirty="0">
-                <a:ln>
-                  <a:noFill/>
-                </a:ln>
-                <a:effectLst/>
-                <a:latin typeface="JetBrains Mono"/>
-              </a:rPr>
-              <a:t>        PREFIX </a:t>
-            </a:r>
-            <a:r>
-              <a:rPr kumimoji="0" lang="en-US" altLang="en-US" sz="1600" b="0" i="0" u="none" strike="noStrike" cap="none" normalizeH="0" baseline="0" dirty="0" err="1">
-                <a:ln>
-                  <a:noFill/>
-                </a:ln>
-                <a:effectLst/>
-                <a:latin typeface="JetBrains Mono"/>
-              </a:rPr>
-              <a:t>dct</a:t>
-            </a:r>
-            <a:r>
-              <a:rPr kumimoji="0" lang="en-US" altLang="en-US" sz="1600" b="0" i="0" u="none" strike="noStrike" cap="none" normalizeH="0" baseline="0" dirty="0">
-                <a:ln>
-                  <a:noFill/>
-                </a:ln>
-                <a:effectLst/>
-                <a:latin typeface="JetBrains Mono"/>
-              </a:rPr>
-              <a:t>:  &lt;http://purl.org/dc/terms/&gt;</a:t>
-            </a:r>
-            <a:br>
-              <a:rPr kumimoji="0" lang="en-US" altLang="en-US" sz="1600" b="0" i="0" u="none" strike="noStrike" cap="none" normalizeH="0" baseline="0" dirty="0">
-                <a:ln>
-                  <a:noFill/>
-                </a:ln>
-                <a:effectLst/>
-                <a:latin typeface="JetBrains Mono"/>
-              </a:rPr>
-            </a:br>
-            <a:r>
-              <a:rPr kumimoji="0" lang="en-US" altLang="en-US" sz="1600" b="0" i="0" u="none" strike="noStrike" cap="none" normalizeH="0" baseline="0" dirty="0">
-                <a:ln>
-                  <a:noFill/>
-                </a:ln>
-                <a:effectLst/>
-                <a:latin typeface="JetBrains Mono"/>
-              </a:rPr>
-              <a:t>        PREFIX </a:t>
-            </a:r>
-            <a:r>
-              <a:rPr kumimoji="0" lang="en-US" altLang="en-US" sz="1600" b="0" i="0" u="none" strike="noStrike" cap="none" normalizeH="0" baseline="0" dirty="0" err="1">
-                <a:ln>
-                  <a:noFill/>
-                </a:ln>
-                <a:effectLst/>
-                <a:latin typeface="JetBrains Mono"/>
-              </a:rPr>
-              <a:t>dbc</a:t>
-            </a:r>
-            <a:r>
-              <a:rPr kumimoji="0" lang="en-US" altLang="en-US" sz="1600" b="0" i="0" u="none" strike="noStrike" cap="none" normalizeH="0" baseline="0" dirty="0">
-                <a:ln>
-                  <a:noFill/>
-                </a:ln>
-                <a:effectLst/>
-                <a:latin typeface="JetBrains Mono"/>
-              </a:rPr>
-              <a:t>:  &lt;http://dbpedia.org/resource/Category:&gt;</a:t>
-            </a:r>
-            <a:br>
-              <a:rPr kumimoji="0" lang="en-US" altLang="en-US" sz="1600" b="0" i="0" u="none" strike="noStrike" cap="none" normalizeH="0" baseline="0" dirty="0">
-                <a:ln>
-                  <a:noFill/>
-                </a:ln>
-                <a:effectLst/>
-                <a:latin typeface="JetBrains Mono"/>
-              </a:rPr>
-            </a:br>
-            <a:br>
-              <a:rPr kumimoji="0" lang="en-US" altLang="en-US" sz="1600" b="0" i="0" u="none" strike="noStrike" cap="none" normalizeH="0" baseline="0" dirty="0">
-                <a:ln>
-                  <a:noFill/>
-                </a:ln>
-                <a:effectLst/>
-                <a:latin typeface="JetBrains Mono"/>
-              </a:rPr>
-            </a:br>
-            <a:r>
-              <a:rPr kumimoji="0" lang="en-US" altLang="en-US" sz="1600" b="0" i="0" u="none" strike="noStrike" cap="none" normalizeH="0" baseline="0" dirty="0">
-                <a:ln>
-                  <a:noFill/>
-                </a:ln>
-                <a:effectLst/>
-                <a:latin typeface="JetBrains Mono"/>
-              </a:rPr>
-              <a:t>        SELECT DISTINCT ?</a:t>
-            </a:r>
-            <a:r>
-              <a:rPr kumimoji="0" lang="en-US" altLang="en-US" sz="1600" b="0" i="0" u="none" strike="noStrike" cap="none" normalizeH="0" baseline="0" dirty="0" err="1">
-                <a:ln>
-                  <a:noFill/>
-                </a:ln>
-                <a:effectLst/>
-                <a:latin typeface="JetBrains Mono"/>
-              </a:rPr>
-              <a:t>capitalLabel</a:t>
-            </a:r>
-            <a:r>
-              <a:rPr kumimoji="0" lang="en-US" altLang="en-US" sz="1600" b="0" i="0" u="none" strike="noStrike" cap="none" normalizeH="0" baseline="0" dirty="0">
-                <a:ln>
-                  <a:noFill/>
-                </a:ln>
-                <a:effectLst/>
-                <a:latin typeface="JetBrains Mono"/>
-              </a:rPr>
-              <a:t> WHERE {</a:t>
-            </a:r>
-            <a:br>
-              <a:rPr kumimoji="0" lang="en-US" altLang="en-US" sz="1600" b="0" i="0" u="none" strike="noStrike" cap="none" normalizeH="0" baseline="0" dirty="0">
-                <a:ln>
-                  <a:noFill/>
-                </a:ln>
-                <a:effectLst/>
-                <a:latin typeface="JetBrains Mono"/>
-              </a:rPr>
-            </a:br>
-            <a:r>
-              <a:rPr kumimoji="0" lang="en-US" altLang="en-US" sz="1600" b="0" i="0" u="none" strike="noStrike" cap="none" normalizeH="0" baseline="0" dirty="0">
-                <a:ln>
-                  <a:noFill/>
-                </a:ln>
-                <a:effectLst/>
-                <a:latin typeface="JetBrains Mono"/>
-              </a:rPr>
-              <a:t>          ?country a </a:t>
-            </a:r>
-            <a:r>
-              <a:rPr kumimoji="0" lang="en-US" altLang="en-US" sz="1600" b="0" i="0" u="none" strike="noStrike" cap="none" normalizeH="0" baseline="0" dirty="0" err="1">
-                <a:ln>
-                  <a:noFill/>
-                </a:ln>
-                <a:effectLst/>
-                <a:latin typeface="JetBrains Mono"/>
-              </a:rPr>
-              <a:t>dbo:Country</a:t>
-            </a:r>
-            <a:r>
-              <a:rPr kumimoji="0" lang="en-US" altLang="en-US" sz="1600" b="0" i="0" u="none" strike="noStrike" cap="none" normalizeH="0" baseline="0" dirty="0">
-                <a:ln>
-                  <a:noFill/>
-                </a:ln>
-                <a:effectLst/>
-                <a:latin typeface="JetBrains Mono"/>
-              </a:rPr>
-              <a:t> ;</a:t>
-            </a:r>
-            <a:br>
-              <a:rPr kumimoji="0" lang="en-US" altLang="en-US" sz="1600" b="0" i="0" u="none" strike="noStrike" cap="none" normalizeH="0" baseline="0" dirty="0">
-                <a:ln>
-                  <a:noFill/>
-                </a:ln>
-                <a:effectLst/>
-                <a:latin typeface="JetBrains Mono"/>
-              </a:rPr>
-            </a:br>
-            <a:r>
-              <a:rPr kumimoji="0" lang="en-US" altLang="en-US" sz="1600" b="0" i="0" u="none" strike="noStrike" cap="none" normalizeH="0" baseline="0" dirty="0">
-                <a:ln>
-                  <a:noFill/>
-                </a:ln>
-                <a:effectLst/>
-                <a:latin typeface="JetBrains Mono"/>
-              </a:rPr>
-              <a:t>                   </a:t>
-            </a:r>
-            <a:r>
-              <a:rPr kumimoji="0" lang="en-US" altLang="en-US" sz="1600" b="0" i="0" u="none" strike="noStrike" cap="none" normalizeH="0" baseline="0" dirty="0" err="1">
-                <a:ln>
-                  <a:noFill/>
-                </a:ln>
-                <a:effectLst/>
-                <a:latin typeface="JetBrains Mono"/>
-              </a:rPr>
-              <a:t>dct:subject</a:t>
-            </a:r>
-            <a:r>
-              <a:rPr kumimoji="0" lang="en-US" altLang="en-US" sz="1600" b="0" i="0" u="none" strike="noStrike" cap="none" normalizeH="0" baseline="0" dirty="0">
-                <a:ln>
-                  <a:noFill/>
-                </a:ln>
-                <a:effectLst/>
-                <a:latin typeface="JetBrains Mono"/>
-              </a:rPr>
-              <a:t> </a:t>
-            </a:r>
-            <a:r>
-              <a:rPr kumimoji="0" lang="en-US" altLang="en-US" sz="1600" b="0" i="0" u="none" strike="noStrike" cap="none" normalizeH="0" baseline="0" dirty="0" err="1">
-                <a:ln>
-                  <a:noFill/>
-                </a:ln>
-                <a:effectLst/>
-                <a:latin typeface="JetBrains Mono"/>
-              </a:rPr>
-              <a:t>dbc:Countries_in_Asia</a:t>
-            </a:r>
-            <a:r>
-              <a:rPr kumimoji="0" lang="en-US" altLang="en-US" sz="1600" b="0" i="0" u="none" strike="noStrike" cap="none" normalizeH="0" baseline="0" dirty="0">
-                <a:ln>
-                  <a:noFill/>
-                </a:ln>
-                <a:effectLst/>
-                <a:latin typeface="JetBrains Mono"/>
-              </a:rPr>
-              <a:t> .</a:t>
-            </a:r>
-            <a:br>
-              <a:rPr kumimoji="0" lang="en-US" altLang="en-US" sz="1600" b="0" i="0" u="none" strike="noStrike" cap="none" normalizeH="0" baseline="0" dirty="0">
-                <a:ln>
-                  <a:noFill/>
-                </a:ln>
-                <a:effectLst/>
-                <a:latin typeface="JetBrains Mono"/>
-              </a:rPr>
-            </a:br>
-            <a:br>
-              <a:rPr kumimoji="0" lang="en-US" altLang="en-US" sz="1600" b="0" i="0" u="none" strike="noStrike" cap="none" normalizeH="0" baseline="0" dirty="0">
-                <a:ln>
-                  <a:noFill/>
-                </a:ln>
-                <a:effectLst/>
-                <a:latin typeface="JetBrains Mono"/>
-              </a:rPr>
-            </a:br>
-            <a:r>
-              <a:rPr kumimoji="0" lang="en-US" altLang="en-US" sz="1600" b="0" i="0" u="none" strike="noStrike" cap="none" normalizeH="0" baseline="0" dirty="0">
-                <a:ln>
-                  <a:noFill/>
-                </a:ln>
-                <a:effectLst/>
-                <a:latin typeface="JetBrains Mono"/>
-              </a:rPr>
-              <a:t>          { ?country </a:t>
-            </a:r>
-            <a:r>
-              <a:rPr kumimoji="0" lang="en-US" altLang="en-US" sz="1600" b="0" i="0" u="none" strike="noStrike" cap="none" normalizeH="0" baseline="0" dirty="0" err="1">
-                <a:ln>
-                  <a:noFill/>
-                </a:ln>
-                <a:effectLst/>
-                <a:latin typeface="JetBrains Mono"/>
-              </a:rPr>
-              <a:t>dbo:capital</a:t>
-            </a:r>
-            <a:r>
-              <a:rPr kumimoji="0" lang="en-US" altLang="en-US" sz="1600" b="0" i="0" u="none" strike="noStrike" cap="none" normalizeH="0" baseline="0" dirty="0">
-                <a:ln>
-                  <a:noFill/>
-                </a:ln>
-                <a:effectLst/>
-                <a:latin typeface="JetBrains Mono"/>
-              </a:rPr>
-              <a:t> ?capital }</a:t>
-            </a:r>
-            <a:br>
-              <a:rPr kumimoji="0" lang="en-US" altLang="en-US" sz="1600" b="0" i="0" u="none" strike="noStrike" cap="none" normalizeH="0" baseline="0" dirty="0">
-                <a:ln>
-                  <a:noFill/>
-                </a:ln>
-                <a:effectLst/>
-                <a:latin typeface="JetBrains Mono"/>
-              </a:rPr>
-            </a:br>
-            <a:r>
-              <a:rPr kumimoji="0" lang="en-US" altLang="en-US" sz="1600" b="0" i="0" u="none" strike="noStrike" cap="none" normalizeH="0" baseline="0" dirty="0">
-                <a:ln>
-                  <a:noFill/>
-                </a:ln>
-                <a:effectLst/>
-                <a:latin typeface="JetBrains Mono"/>
-              </a:rPr>
-              <a:t>          UNION</a:t>
-            </a:r>
-            <a:br>
-              <a:rPr kumimoji="0" lang="en-US" altLang="en-US" sz="1600" b="0" i="0" u="none" strike="noStrike" cap="none" normalizeH="0" baseline="0" dirty="0">
-                <a:ln>
-                  <a:noFill/>
-                </a:ln>
-                <a:effectLst/>
-                <a:latin typeface="JetBrains Mono"/>
-              </a:rPr>
-            </a:br>
-            <a:r>
-              <a:rPr kumimoji="0" lang="en-US" altLang="en-US" sz="1600" b="0" i="0" u="none" strike="noStrike" cap="none" normalizeH="0" baseline="0" dirty="0">
-                <a:ln>
-                  <a:noFill/>
-                </a:ln>
-                <a:effectLst/>
-                <a:latin typeface="JetBrains Mono"/>
-              </a:rPr>
-              <a:t>          { ?country </a:t>
-            </a:r>
-            <a:r>
-              <a:rPr kumimoji="0" lang="en-US" altLang="en-US" sz="1600" b="0" i="0" u="none" strike="noStrike" cap="none" normalizeH="0" baseline="0" dirty="0" err="1">
-                <a:ln>
-                  <a:noFill/>
-                </a:ln>
-                <a:effectLst/>
-                <a:latin typeface="JetBrains Mono"/>
-              </a:rPr>
-              <a:t>dbp:capital</a:t>
-            </a:r>
-            <a:r>
-              <a:rPr kumimoji="0" lang="en-US" altLang="en-US" sz="1600" b="0" i="0" u="none" strike="noStrike" cap="none" normalizeH="0" baseline="0" dirty="0">
-                <a:ln>
-                  <a:noFill/>
-                </a:ln>
-                <a:effectLst/>
-                <a:latin typeface="JetBrains Mono"/>
-              </a:rPr>
-              <a:t> ?capital . FILTER(</a:t>
-            </a:r>
-            <a:r>
-              <a:rPr kumimoji="0" lang="en-US" altLang="en-US" sz="1600" b="0" i="0" u="none" strike="noStrike" cap="none" normalizeH="0" baseline="0" dirty="0" err="1">
-                <a:ln>
-                  <a:noFill/>
-                </a:ln>
-                <a:effectLst/>
-                <a:latin typeface="JetBrains Mono"/>
-              </a:rPr>
-              <a:t>isIRI</a:t>
-            </a:r>
-            <a:r>
-              <a:rPr kumimoji="0" lang="en-US" altLang="en-US" sz="1600" b="0" i="0" u="none" strike="noStrike" cap="none" normalizeH="0" baseline="0" dirty="0">
-                <a:ln>
-                  <a:noFill/>
-                </a:ln>
-                <a:effectLst/>
-                <a:latin typeface="JetBrains Mono"/>
-              </a:rPr>
-              <a:t>(?capital)) }</a:t>
-            </a:r>
-            <a:br>
-              <a:rPr kumimoji="0" lang="en-US" altLang="en-US" sz="1600" b="0" i="0" u="none" strike="noStrike" cap="none" normalizeH="0" baseline="0" dirty="0">
-                <a:ln>
-                  <a:noFill/>
-                </a:ln>
-                <a:effectLst/>
-                <a:latin typeface="JetBrains Mono"/>
-              </a:rPr>
-            </a:br>
-            <a:br>
-              <a:rPr kumimoji="0" lang="en-US" altLang="en-US" sz="1600" b="0" i="0" u="none" strike="noStrike" cap="none" normalizeH="0" baseline="0" dirty="0">
-                <a:ln>
-                  <a:noFill/>
-                </a:ln>
-                <a:effectLst/>
-                <a:latin typeface="JetBrains Mono"/>
-              </a:rPr>
-            </a:br>
-            <a:r>
-              <a:rPr kumimoji="0" lang="en-US" altLang="en-US" sz="1600" b="0" i="0" u="none" strike="noStrike" cap="none" normalizeH="0" baseline="0" dirty="0">
-                <a:ln>
-                  <a:noFill/>
-                </a:ln>
-                <a:effectLst/>
-                <a:latin typeface="JetBrains Mono"/>
-              </a:rPr>
-              <a:t>          ?capital </a:t>
-            </a:r>
-            <a:r>
-              <a:rPr kumimoji="0" lang="en-US" altLang="en-US" sz="1600" b="0" i="0" u="none" strike="noStrike" cap="none" normalizeH="0" baseline="0" dirty="0" err="1">
-                <a:ln>
-                  <a:noFill/>
-                </a:ln>
-                <a:effectLst/>
-                <a:latin typeface="JetBrains Mono"/>
-              </a:rPr>
-              <a:t>rdfs:label</a:t>
-            </a:r>
-            <a:r>
-              <a:rPr kumimoji="0" lang="en-US" altLang="en-US" sz="1600" b="0" i="0" u="none" strike="noStrike" cap="none" normalizeH="0" baseline="0" dirty="0">
-                <a:ln>
-                  <a:noFill/>
-                </a:ln>
-                <a:effectLst/>
-                <a:latin typeface="JetBrains Mono"/>
-              </a:rPr>
-              <a:t> ?</a:t>
-            </a:r>
-            <a:r>
-              <a:rPr kumimoji="0" lang="en-US" altLang="en-US" sz="1600" b="0" i="0" u="none" strike="noStrike" cap="none" normalizeH="0" baseline="0" dirty="0" err="1">
-                <a:ln>
-                  <a:noFill/>
-                </a:ln>
-                <a:effectLst/>
-                <a:latin typeface="JetBrains Mono"/>
-              </a:rPr>
-              <a:t>capitalLabel</a:t>
-            </a:r>
-            <a:r>
-              <a:rPr kumimoji="0" lang="en-US" altLang="en-US" sz="1600" b="0" i="0" u="none" strike="noStrike" cap="none" normalizeH="0" baseline="0" dirty="0">
-                <a:ln>
-                  <a:noFill/>
-                </a:ln>
-                <a:effectLst/>
-                <a:latin typeface="JetBrains Mono"/>
-              </a:rPr>
-              <a:t> .</a:t>
-            </a:r>
-            <a:br>
-              <a:rPr kumimoji="0" lang="en-US" altLang="en-US" sz="1600" b="0" i="0" u="none" strike="noStrike" cap="none" normalizeH="0" baseline="0" dirty="0">
-                <a:ln>
-                  <a:noFill/>
-                </a:ln>
-                <a:effectLst/>
-                <a:latin typeface="JetBrains Mono"/>
-              </a:rPr>
-            </a:br>
-            <a:r>
-              <a:rPr kumimoji="0" lang="en-US" altLang="en-US" sz="1600" b="0" i="0" u="none" strike="noStrike" cap="none" normalizeH="0" baseline="0" dirty="0">
-                <a:ln>
-                  <a:noFill/>
-                </a:ln>
-                <a:effectLst/>
-                <a:latin typeface="JetBrains Mono"/>
-              </a:rPr>
-              <a:t>          FILTER(</a:t>
-            </a:r>
-            <a:r>
-              <a:rPr kumimoji="0" lang="en-US" altLang="en-US" sz="1600" b="0" i="0" u="none" strike="noStrike" cap="none" normalizeH="0" baseline="0" dirty="0" err="1">
-                <a:ln>
-                  <a:noFill/>
-                </a:ln>
-                <a:effectLst/>
-                <a:latin typeface="JetBrains Mono"/>
-              </a:rPr>
-              <a:t>langMatches</a:t>
-            </a:r>
-            <a:r>
-              <a:rPr kumimoji="0" lang="en-US" altLang="en-US" sz="1600" b="0" i="0" u="none" strike="noStrike" cap="none" normalizeH="0" baseline="0" dirty="0">
-                <a:ln>
-                  <a:noFill/>
-                </a:ln>
-                <a:effectLst/>
-                <a:latin typeface="JetBrains Mono"/>
-              </a:rPr>
-              <a:t>(lang(?</a:t>
-            </a:r>
-            <a:r>
-              <a:rPr kumimoji="0" lang="en-US" altLang="en-US" sz="1600" b="0" i="0" u="none" strike="noStrike" cap="none" normalizeH="0" baseline="0" dirty="0" err="1">
-                <a:ln>
-                  <a:noFill/>
-                </a:ln>
-                <a:effectLst/>
-                <a:latin typeface="JetBrains Mono"/>
-              </a:rPr>
-              <a:t>capitalLabel</a:t>
-            </a:r>
-            <a:r>
-              <a:rPr kumimoji="0" lang="en-US" altLang="en-US" sz="1600" b="0" i="0" u="none" strike="noStrike" cap="none" normalizeH="0" baseline="0" dirty="0">
-                <a:ln>
-                  <a:noFill/>
-                </a:ln>
-                <a:effectLst/>
-                <a:latin typeface="JetBrains Mono"/>
-              </a:rPr>
-              <a:t>), "EN"))</a:t>
-            </a:r>
-            <a:br>
-              <a:rPr kumimoji="0" lang="en-US" altLang="en-US" sz="1600" b="0" i="0" u="none" strike="noStrike" cap="none" normalizeH="0" baseline="0" dirty="0">
-                <a:ln>
-                  <a:noFill/>
-                </a:ln>
-                <a:effectLst/>
-                <a:latin typeface="JetBrains Mono"/>
-              </a:rPr>
-            </a:br>
-            <a:r>
-              <a:rPr kumimoji="0" lang="en-US" altLang="en-US" sz="1600" b="0" i="0" u="none" strike="noStrike" cap="none" normalizeH="0" baseline="0" dirty="0">
-                <a:ln>
-                  <a:noFill/>
-                </a:ln>
-                <a:effectLst/>
-                <a:latin typeface="JetBrains Mono"/>
-              </a:rPr>
-              <a:t>        }</a:t>
-            </a:r>
-            <a:br>
-              <a:rPr kumimoji="0" lang="en-US" altLang="en-US" sz="1600" b="0" i="0" u="none" strike="noStrike" cap="none" normalizeH="0" baseline="0" dirty="0">
-                <a:ln>
-                  <a:noFill/>
-                </a:ln>
-                <a:effectLst/>
-                <a:latin typeface="JetBrains Mono"/>
-              </a:rPr>
-            </a:br>
-            <a:r>
-              <a:rPr kumimoji="0" lang="en-US" altLang="en-US" sz="1600" b="0" i="0" u="none" strike="noStrike" cap="none" normalizeH="0" baseline="0" dirty="0">
-                <a:ln>
-                  <a:noFill/>
-                </a:ln>
-                <a:effectLst/>
-                <a:latin typeface="JetBrains Mono"/>
-              </a:rPr>
-              <a:t>        ORDER BY RAND()</a:t>
-            </a:r>
-            <a:endParaRPr kumimoji="0" lang="en-US" altLang="en-US" sz="4000" b="0" i="0" u="none" strike="noStrike" cap="none" normalizeH="0" baseline="0" dirty="0">
-              <a:ln>
-                <a:noFill/>
-              </a:ln>
-              <a:effectLst/>
-              <a:latin typeface="Arial" panose="020B0604020202020204" pitchFamily="34" charset="0"/>
-            </a:endParaRPr>
+              <a:rPr lang="en-US" dirty="0"/>
+              <a:t>2. Knowledge Graph Storage</a:t>
+            </a:r>
+          </a:p>
+          <a:p>
+            <a:pPr lvl="1"/>
+            <a:r>
+              <a:rPr lang="en-US" dirty="0"/>
+              <a:t>Neo4j graph database with property graph model</a:t>
+            </a:r>
+          </a:p>
+          <a:p>
+            <a:pPr lvl="1"/>
+            <a:r>
+              <a:rPr lang="en-US" dirty="0"/>
+              <a:t>Schema constraints and indexing strategies</a:t>
+            </a:r>
+          </a:p>
+          <a:p>
+            <a:pPr lvl="1"/>
+            <a:r>
+              <a:rPr lang="en-US" dirty="0"/>
+              <a:t>Transaction management for data consistency</a:t>
+            </a:r>
+          </a:p>
+          <a:p>
+            <a:pPr marL="0" indent="0">
+              <a:buNone/>
+            </a:pPr>
+            <a:r>
+              <a:rPr lang="en-US" dirty="0"/>
+              <a:t>3. Query Interface Layer</a:t>
+            </a:r>
+          </a:p>
+          <a:p>
+            <a:pPr lvl="1"/>
+            <a:r>
+              <a:rPr lang="en-US" dirty="0"/>
+              <a:t>Natural language processing via GPT-4 API</a:t>
+            </a:r>
+          </a:p>
+          <a:p>
+            <a:pPr lvl="1"/>
+            <a:r>
+              <a:rPr lang="en-US" dirty="0"/>
+              <a:t>Cypher query generation and validation</a:t>
+            </a:r>
+          </a:p>
+          <a:p>
+            <a:pPr lvl="1"/>
+            <a:r>
+              <a:rPr lang="en-US" dirty="0"/>
+              <a:t>Result formatting and presentation</a:t>
+            </a:r>
           </a:p>
         </p:txBody>
       </p:sp>
     </p:spTree>
     <p:extLst>
       <p:ext uri="{BB962C8B-B14F-4D97-AF65-F5344CB8AC3E}">
-        <p14:creationId xmlns:p14="http://schemas.microsoft.com/office/powerpoint/2010/main" val="1130957413"/>
+        <p14:creationId xmlns:p14="http://schemas.microsoft.com/office/powerpoint/2010/main" val="510203856"/>
       </p:ext>
     </p:extLst>
   </p:cSld>
@@ -5722,13 +4341,7 @@
   <p:cSld>
     <p:spTree>
       <p:nvGrpSpPr>
-        <p:cNvPr id="1" name="">
-          <a:extLst>
-            <a:ext uri="{FF2B5EF4-FFF2-40B4-BE49-F238E27FC236}">
-              <a16:creationId xmlns:a16="http://schemas.microsoft.com/office/drawing/2014/main" id="{D85FCB47-A337-E4CF-1F22-8E44408B3916}"/>
-            </a:ext>
-          </a:extLst>
-        </p:cNvPr>
+        <p:cNvPr id="1" name=""/>
         <p:cNvGrpSpPr/>
         <p:nvPr/>
       </p:nvGrpSpPr>
@@ -5742,44 +4355,10 @@
       </p:grpSpPr>
       <p:sp>
         <p:nvSpPr>
-          <p:cNvPr id="2" name="Title 1">
-            <a:extLst>
-              <a:ext uri="{FF2B5EF4-FFF2-40B4-BE49-F238E27FC236}">
-                <a16:creationId xmlns:a16="http://schemas.microsoft.com/office/drawing/2014/main" id="{F8DB1760-1688-C627-51CD-FB994B48E470}"/>
-              </a:ext>
-            </a:extLst>
-          </p:cNvPr>
-          <p:cNvSpPr>
-            <a:spLocks noGrp="1"/>
-          </p:cNvSpPr>
-          <p:nvPr>
-            <p:ph type="title"/>
-          </p:nvPr>
-        </p:nvSpPr>
-        <p:spPr>
-          <a:xfrm>
-            <a:off x="3975904" y="2882097"/>
-            <a:ext cx="4082279" cy="2714264"/>
-          </a:xfrm>
-        </p:spPr>
-        <p:txBody>
-          <a:bodyPr/>
-          <a:lstStyle/>
-          <a:p>
-            <a:pPr algn="ctr"/>
-            <a:r>
-              <a:rPr lang="en-US" sz="4800" dirty="0"/>
-              <a:t>Conclusion</a:t>
-            </a:r>
-          </a:p>
-        </p:txBody>
-      </p:sp>
-      <p:sp>
-        <p:nvSpPr>
-          <p:cNvPr id="4" name="Slide Number Placeholder 3">
-            <a:extLst>
-              <a:ext uri="{FF2B5EF4-FFF2-40B4-BE49-F238E27FC236}">
-                <a16:creationId xmlns:a16="http://schemas.microsoft.com/office/drawing/2014/main" id="{A859A307-5037-CF7E-1F12-2329569952AF}"/>
+          <p:cNvPr id="2" name="Slide Number Placeholder 1">
+            <a:extLst>
+              <a:ext uri="{FF2B5EF4-FFF2-40B4-BE49-F238E27FC236}">
+                <a16:creationId xmlns:a16="http://schemas.microsoft.com/office/drawing/2014/main" id="{34CECB0A-132E-298D-555B-8C13397E6144}"/>
               </a:ext>
             </a:extLst>
           </p:cNvPr>
@@ -5804,10 +4383,67 @@
           </a:p>
         </p:txBody>
       </p:sp>
+      <p:sp>
+        <p:nvSpPr>
+          <p:cNvPr id="3" name="Title 2">
+            <a:extLst>
+              <a:ext uri="{FF2B5EF4-FFF2-40B4-BE49-F238E27FC236}">
+                <a16:creationId xmlns:a16="http://schemas.microsoft.com/office/drawing/2014/main" id="{07947AA7-9EAD-9CD7-FD25-EA5BA16A4C7F}"/>
+              </a:ext>
+            </a:extLst>
+          </p:cNvPr>
+          <p:cNvSpPr>
+            <a:spLocks noGrp="1"/>
+          </p:cNvSpPr>
+          <p:nvPr>
+            <p:ph type="title"/>
+          </p:nvPr>
+        </p:nvSpPr>
+        <p:spPr/>
+        <p:txBody>
+          <a:bodyPr/>
+          <a:lstStyle/>
+          <a:p>
+            <a:r>
+              <a:rPr lang="en-US" dirty="0"/>
+              <a:t>Graph </a:t>
+            </a:r>
+            <a:r>
+              <a:rPr lang="en-US"/>
+              <a:t>Data Model</a:t>
+            </a:r>
+          </a:p>
+        </p:txBody>
+      </p:sp>
+      <p:sp>
+        <p:nvSpPr>
+          <p:cNvPr id="4" name="Text Placeholder 3">
+            <a:extLst>
+              <a:ext uri="{FF2B5EF4-FFF2-40B4-BE49-F238E27FC236}">
+                <a16:creationId xmlns:a16="http://schemas.microsoft.com/office/drawing/2014/main" id="{1D2F86A8-FDEB-CA29-BD33-51DB76EEF8A2}"/>
+              </a:ext>
+            </a:extLst>
+          </p:cNvPr>
+          <p:cNvSpPr>
+            <a:spLocks noGrp="1"/>
+          </p:cNvSpPr>
+          <p:nvPr>
+            <p:ph type="body" sz="quarter" idx="13"/>
+          </p:nvPr>
+        </p:nvSpPr>
+        <p:spPr/>
+        <p:txBody>
+          <a:bodyPr/>
+          <a:lstStyle/>
+          <a:p>
+            <a:endParaRPr lang="en-US"/>
+          </a:p>
+        </p:txBody>
+      </p:sp>
     </p:spTree>
     <p:extLst>
       <p:ext uri="{BB962C8B-B14F-4D97-AF65-F5344CB8AC3E}">
-        <p14:creationId xmlns:p14="http://schemas.microsoft.com/office/powerpoint/2010/main" val="3384533437"/>
+        <p14:creationId xmlns:p14="http://schemas.microsoft.com/office/powerpoint/2010/main" val="2941899939"/>
       </p:ext>
     </p:extLst>
   </p:cSld>
@@ -5839,7 +4475,7 @@
           <p:cNvPr id="2" name="Slide Number Placeholder 1">
             <a:extLst>
               <a:ext uri="{FF2B5EF4-FFF2-40B4-BE49-F238E27FC236}">
-                <a16:creationId xmlns:a16="http://schemas.microsoft.com/office/drawing/2014/main" id="{DA37B5C8-2095-4D2D-97FE-E4E8D89379E1}"/>
+                <a16:creationId xmlns:a16="http://schemas.microsoft.com/office/drawing/2014/main" id="{6ECC393A-137B-3B0D-E685-7A69703FCEE7}"/>
               </a:ext>
             </a:extLst>
           </p:cNvPr>
@@ -5859,6 +4495,122 @@
               <a:rPr lang="en-US" smtClean="0"/>
               <a:pPr/>
               <a:t>12</a:t>
+            </a:fld>
+            <a:endParaRPr lang="en-US" dirty="0"/>
+          </a:p>
+        </p:txBody>
+      </p:sp>
+      <p:sp>
+        <p:nvSpPr>
+          <p:cNvPr id="3" name="Title 1">
+            <a:extLst>
+              <a:ext uri="{FF2B5EF4-FFF2-40B4-BE49-F238E27FC236}">
+                <a16:creationId xmlns:a16="http://schemas.microsoft.com/office/drawing/2014/main" id="{851ADF6C-9572-41CE-C5CA-D6A4CCC8CB2A}"/>
+              </a:ext>
+            </a:extLst>
+          </p:cNvPr>
+          <p:cNvSpPr txBox="1">
+            <a:spLocks/>
+          </p:cNvSpPr>
+          <p:nvPr/>
+        </p:nvSpPr>
+        <p:spPr>
+          <a:xfrm>
+            <a:off x="4171052" y="2835009"/>
+            <a:ext cx="4446300" cy="2848161"/>
+          </a:xfrm>
+          <a:prstGeom prst="rect">
+            <a:avLst/>
+          </a:prstGeom>
+        </p:spPr>
+        <p:txBody>
+          <a:bodyPr/>
+          <a:lstStyle>
+            <a:lvl1pPr algn="l" defTabSz="914400" rtl="0" eaLnBrk="1" latinLnBrk="0" hangingPunct="1">
+              <a:lnSpc>
+                <a:spcPct val="90000"/>
+              </a:lnSpc>
+              <a:spcBef>
+                <a:spcPct val="0"/>
+              </a:spcBef>
+              <a:buNone/>
+              <a:defRPr sz="4400" kern="1200">
+                <a:solidFill>
+                  <a:schemeClr val="tx1"/>
+                </a:solidFill>
+                <a:latin typeface="+mj-lt"/>
+                <a:ea typeface="+mj-ea"/>
+                <a:cs typeface="+mj-cs"/>
+              </a:defRPr>
+            </a:lvl1pPr>
+          </a:lstStyle>
+          <a:p>
+            <a:r>
+              <a:rPr lang="en-US" sz="4800" b="1" dirty="0">
+                <a:latin typeface="Lato" panose="020F0502020204030203" pitchFamily="34" charset="0"/>
+                <a:ea typeface="Lato" panose="020F0502020204030203" pitchFamily="34" charset="0"/>
+                <a:cs typeface="Lato" panose="020F0502020204030203" pitchFamily="34" charset="0"/>
+              </a:rPr>
+              <a:t>Conclusion</a:t>
+            </a:r>
+          </a:p>
+        </p:txBody>
+      </p:sp>
+    </p:spTree>
+    <p:extLst>
+      <p:ext uri="{BB962C8B-B14F-4D97-AF65-F5344CB8AC3E}">
+        <p14:creationId xmlns:p14="http://schemas.microsoft.com/office/powerpoint/2010/main" val="204836106"/>
+      </p:ext>
+    </p:extLst>
+  </p:cSld>
+  <p:clrMapOvr>
+    <a:masterClrMapping/>
+  </p:clrMapOvr>
+</p:sld>
+</file>
+
+<file path=ppt/slides/slide13.xml><?xml version="1.0" encoding="utf-8"?>
+<p:sld xmlns:a="http://schemas.openxmlformats.org/drawingml/2006/main" xmlns:r="http://schemas.openxmlformats.org/officeDocument/2006/relationships" xmlns:p="http://schemas.openxmlformats.org/presentationml/2006/main">
+  <p:cSld>
+    <p:spTree>
+      <p:nvGrpSpPr>
+        <p:cNvPr id="1" name=""/>
+        <p:cNvGrpSpPr/>
+        <p:nvPr/>
+      </p:nvGrpSpPr>
+      <p:grpSpPr>
+        <a:xfrm>
+          <a:off x="0" y="0"/>
+          <a:ext cx="0" cy="0"/>
+          <a:chOff x="0" y="0"/>
+          <a:chExt cx="0" cy="0"/>
+        </a:xfrm>
+      </p:grpSpPr>
+      <p:sp>
+        <p:nvSpPr>
+          <p:cNvPr id="2" name="Slide Number Placeholder 1">
+            <a:extLst>
+              <a:ext uri="{FF2B5EF4-FFF2-40B4-BE49-F238E27FC236}">
+                <a16:creationId xmlns:a16="http://schemas.microsoft.com/office/drawing/2014/main" id="{DA37B5C8-2095-4D2D-97FE-E4E8D89379E1}"/>
+              </a:ext>
+            </a:extLst>
+          </p:cNvPr>
+          <p:cNvSpPr>
+            <a:spLocks noGrp="1"/>
+          </p:cNvSpPr>
+          <p:nvPr>
+            <p:ph type="sldNum" sz="quarter" idx="12"/>
+          </p:nvPr>
+        </p:nvSpPr>
+        <p:spPr/>
+        <p:txBody>
+          <a:bodyPr/>
+          <a:lstStyle/>
+          <a:p>
+            <a:fld id="{9EA0BE3B-158A-4EDF-80DC-E394A0D1600F}" type="slidenum">
+              <a:rPr lang="en-US" smtClean="0"/>
+              <a:pPr/>
+              <a:t>13</a:t>
             </a:fld>
             <a:endParaRPr lang="en-US" dirty="0"/>
           </a:p>
@@ -6040,12 +4792,8 @@
               <a:buAutoNum type="arabicPeriod"/>
             </a:pPr>
             <a:r>
-              <a:rPr lang="en-US" dirty="0" err="1"/>
-              <a:t>Dbpedia</a:t>
-            </a:r>
-            <a:r>
-              <a:rPr lang="en-US" dirty="0"/>
-              <a:t>, SPARQL</a:t>
+              <a:rPr lang="en-US" dirty="0"/>
+              <a:t>Related work</a:t>
             </a:r>
           </a:p>
           <a:p>
@@ -6055,7 +4803,7 @@
             </a:pPr>
             <a:r>
               <a:rPr lang="en-US" dirty="0"/>
-              <a:t>System development</a:t>
+              <a:t>Methodology</a:t>
             </a:r>
           </a:p>
           <a:p>
@@ -6196,10 +4944,10 @@
       </p:grpSpPr>
       <p:sp>
         <p:nvSpPr>
-          <p:cNvPr id="5" name="Slide Number Placeholder 4">
-            <a:extLst>
-              <a:ext uri="{FF2B5EF4-FFF2-40B4-BE49-F238E27FC236}">
-                <a16:creationId xmlns:a16="http://schemas.microsoft.com/office/drawing/2014/main" id="{3776946D-AB92-4D05-97ED-4EDF0AB0FF55}"/>
+          <p:cNvPr id="2" name="Slide Number Placeholder 1">
+            <a:extLst>
+              <a:ext uri="{FF2B5EF4-FFF2-40B4-BE49-F238E27FC236}">
+                <a16:creationId xmlns:a16="http://schemas.microsoft.com/office/drawing/2014/main" id="{234B7FA8-B235-E4E1-918A-4837CBD27022}"/>
               </a:ext>
             </a:extLst>
           </p:cNvPr>
@@ -6210,15 +4958,7 @@
             <p:ph type="sldNum" sz="quarter" idx="12"/>
           </p:nvPr>
         </p:nvSpPr>
-        <p:spPr>
-          <a:xfrm>
-            <a:off x="6867383" y="6492878"/>
-            <a:ext cx="2057400" cy="365125"/>
-          </a:xfrm>
-          <a:prstGeom prst="rect">
-            <a:avLst/>
-          </a:prstGeom>
-        </p:spPr>
+        <p:spPr/>
         <p:txBody>
           <a:bodyPr/>
           <a:lstStyle/>
@@ -6228,16 +4968,16 @@
               <a:pPr/>
               <a:t>4</a:t>
             </a:fld>
-            <a:endParaRPr lang="en-US"/>
-          </a:p>
-        </p:txBody>
-      </p:sp>
-      <p:sp>
-        <p:nvSpPr>
-          <p:cNvPr id="2" name="Title 1">
-            <a:extLst>
-              <a:ext uri="{FF2B5EF4-FFF2-40B4-BE49-F238E27FC236}">
-                <a16:creationId xmlns:a16="http://schemas.microsoft.com/office/drawing/2014/main" id="{4FB6CB3A-046A-4C56-A02D-DBF672421CAF}"/>
+            <a:endParaRPr lang="en-US" dirty="0"/>
+          </a:p>
+        </p:txBody>
+      </p:sp>
+      <p:sp>
+        <p:nvSpPr>
+          <p:cNvPr id="3" name="Title 2">
+            <a:extLst>
+              <a:ext uri="{FF2B5EF4-FFF2-40B4-BE49-F238E27FC236}">
+                <a16:creationId xmlns:a16="http://schemas.microsoft.com/office/drawing/2014/main" id="{9D508ABE-9564-B41E-8C20-A3FB65E2C67D}"/>
               </a:ext>
             </a:extLst>
           </p:cNvPr>
@@ -6248,222 +4988,103 @@
             <p:ph type="title"/>
           </p:nvPr>
         </p:nvSpPr>
-        <p:spPr>
-          <a:xfrm>
-            <a:off x="254052" y="112543"/>
-            <a:ext cx="8635896" cy="436098"/>
-          </a:xfrm>
-          <a:prstGeom prst="rect">
-            <a:avLst/>
-          </a:prstGeom>
-        </p:spPr>
+        <p:spPr/>
         <p:txBody>
           <a:bodyPr/>
           <a:lstStyle/>
           <a:p>
             <a:r>
+              <a:rPr lang="en-US" dirty="0"/>
+              <a:t>Background &amp; Motivation</a:t>
+            </a:r>
+            <a:br>
+              <a:rPr lang="en-US" dirty="0"/>
+            </a:br>
+            <a:endParaRPr lang="en-US" dirty="0"/>
+          </a:p>
+        </p:txBody>
+      </p:sp>
+      <p:sp>
+        <p:nvSpPr>
+          <p:cNvPr id="4" name="Content Placeholder 3">
+            <a:extLst>
+              <a:ext uri="{FF2B5EF4-FFF2-40B4-BE49-F238E27FC236}">
+                <a16:creationId xmlns:a16="http://schemas.microsoft.com/office/drawing/2014/main" id="{42B75C69-C9A6-78C8-C585-9B17E1C8F463}"/>
+              </a:ext>
+            </a:extLst>
+          </p:cNvPr>
+          <p:cNvSpPr>
+            <a:spLocks noGrp="1"/>
+          </p:cNvSpPr>
+          <p:nvPr>
+            <p:ph sz="quarter" idx="13"/>
+          </p:nvPr>
+        </p:nvSpPr>
+        <p:spPr/>
+        <p:txBody>
+          <a:bodyPr/>
+          <a:lstStyle/>
+          <a:p>
+            <a:r>
+              <a:rPr lang="en-US" dirty="0"/>
+              <a:t>Urban Transportation Data Challenges</a:t>
+            </a:r>
+          </a:p>
+          <a:p>
+            <a:pPr lvl="1"/>
+            <a:r>
+              <a:rPr lang="en-US" dirty="0"/>
+              <a:t>Highly interconnected data: network topology, schedules, incidents, accessibility</a:t>
+            </a:r>
+          </a:p>
+          <a:p>
+            <a:pPr lvl="1"/>
+            <a:r>
+              <a:rPr lang="en-US" dirty="0"/>
+              <a:t>Traditional relational DBs → data silos &amp; inefficient retrieval</a:t>
+            </a:r>
+          </a:p>
+          <a:p>
+            <a:pPr lvl="1"/>
+            <a:endParaRPr lang="en-US" dirty="0"/>
+          </a:p>
+          <a:p>
+            <a:r>
+              <a:rPr lang="en-US" dirty="0"/>
+              <a:t>Solution</a:t>
+            </a:r>
+          </a:p>
+          <a:p>
+            <a:pPr lvl="1"/>
+            <a:r>
+              <a:rPr lang="en-US" dirty="0"/>
+              <a:t>Knowledge Graphs + Semantic Web → better modeling &amp; flexible queries</a:t>
+            </a:r>
+          </a:p>
+          <a:p>
+            <a:pPr lvl="1"/>
+            <a:r>
               <a:rPr lang="en-US" dirty="0" err="1"/>
-              <a:t>DBpedia</a:t>
-            </a:r>
-            <a:endParaRPr lang="en-US" dirty="0"/>
-          </a:p>
-        </p:txBody>
-      </p:sp>
-      <p:sp>
-        <p:nvSpPr>
-          <p:cNvPr id="10" name="AutoShape 10">
-            <a:extLst>
-              <a:ext uri="{FF2B5EF4-FFF2-40B4-BE49-F238E27FC236}">
-                <a16:creationId xmlns:a16="http://schemas.microsoft.com/office/drawing/2014/main" id="{35386EAA-9AAE-041D-DC75-E116EF8CCE19}"/>
-              </a:ext>
-            </a:extLst>
-          </p:cNvPr>
-          <p:cNvSpPr>
-            <a:spLocks noChangeAspect="1" noChangeArrowheads="1"/>
-          </p:cNvSpPr>
-          <p:nvPr/>
-        </p:nvSpPr>
-        <p:spPr bwMode="auto">
-          <a:xfrm>
-            <a:off x="4419600" y="3276600"/>
-            <a:ext cx="304800" cy="304800"/>
-          </a:xfrm>
-          <a:prstGeom prst="rect">
-            <a:avLst/>
-          </a:prstGeom>
-          <a:noFill/>
-          <a:extLst>
-            <a:ext uri="{909E8E84-426E-40DD-AFC4-6F175D3DCCD1}">
-              <a14:hiddenFill xmlns:a14="http://schemas.microsoft.com/office/drawing/2010/main">
-                <a:solidFill>
-                  <a:srgbClr val="FFFFFF"/>
-                </a:solidFill>
-              </a14:hiddenFill>
-            </a:ext>
-          </a:extLst>
-        </p:spPr>
-        <p:txBody>
-          <a:bodyPr vert="horz" wrap="square" lIns="91440" tIns="45720" rIns="91440" bIns="45720" numCol="1" anchor="t" anchorCtr="0" compatLnSpc="1">
-            <a:prstTxWarp prst="textNoShape">
-              <a:avLst/>
-            </a:prstTxWarp>
-          </a:bodyPr>
-          <a:lstStyle/>
-          <a:p>
-            <a:endParaRPr lang="en-US"/>
-          </a:p>
-        </p:txBody>
-      </p:sp>
-      <p:pic>
-        <p:nvPicPr>
-          <p:cNvPr id="14" name="Picture 13" descr="A blue and yellow logo&#10;&#10;AI-generated content may be incorrect.">
-            <a:extLst>
-              <a:ext uri="{FF2B5EF4-FFF2-40B4-BE49-F238E27FC236}">
-                <a16:creationId xmlns:a16="http://schemas.microsoft.com/office/drawing/2014/main" id="{8F1D84FB-DD85-6D90-E476-7DD0604853EA}"/>
-              </a:ext>
-            </a:extLst>
-          </p:cNvPr>
-          <p:cNvPicPr>
-            <a:picLocks noChangeAspect="1"/>
-          </p:cNvPicPr>
-          <p:nvPr/>
-        </p:nvPicPr>
-        <p:blipFill>
-          <a:blip r:embed="rId2">
-            <a:extLst>
-              <a:ext uri="{28A0092B-C50C-407E-A947-70E740481C1C}">
-                <a14:useLocalDpi xmlns:a14="http://schemas.microsoft.com/office/drawing/2010/main" val="0"/>
-              </a:ext>
-            </a:extLst>
-          </a:blip>
-          <a:stretch>
-            <a:fillRect/>
-          </a:stretch>
-        </p:blipFill>
-        <p:spPr>
-          <a:xfrm>
-            <a:off x="522309" y="1917235"/>
-            <a:ext cx="3328330" cy="3328330"/>
-          </a:xfrm>
-          <a:prstGeom prst="rect">
-            <a:avLst/>
-          </a:prstGeom>
-        </p:spPr>
-      </p:pic>
-      <p:sp>
-        <p:nvSpPr>
-          <p:cNvPr id="15" name="TextBox 14">
-            <a:extLst>
-              <a:ext uri="{FF2B5EF4-FFF2-40B4-BE49-F238E27FC236}">
-                <a16:creationId xmlns:a16="http://schemas.microsoft.com/office/drawing/2014/main" id="{2AFD0725-9B32-855C-0289-A5404C3FFFB7}"/>
-              </a:ext>
-            </a:extLst>
-          </p:cNvPr>
-          <p:cNvSpPr txBox="1"/>
-          <p:nvPr/>
-        </p:nvSpPr>
-        <p:spPr>
-          <a:xfrm>
-            <a:off x="4572000" y="1414565"/>
-            <a:ext cx="3840866" cy="5078313"/>
-          </a:xfrm>
-          <a:prstGeom prst="rect">
-            <a:avLst/>
-          </a:prstGeom>
-          <a:noFill/>
-        </p:spPr>
-        <p:txBody>
-          <a:bodyPr wrap="square" rtlCol="0">
-            <a:spAutoFit/>
-          </a:bodyPr>
-          <a:lstStyle/>
-          <a:p>
-            <a:pPr marL="285750" indent="-285750">
-              <a:buFont typeface="Arial" panose="020B0604020202020204" pitchFamily="34" charset="0"/>
-              <a:buChar char="•"/>
-            </a:pPr>
-            <a:r>
-              <a:rPr lang="en-US" dirty="0"/>
-              <a:t>- </a:t>
-            </a:r>
-            <a:r>
-              <a:rPr lang="en-US" dirty="0" err="1"/>
-              <a:t>DBpedia</a:t>
-            </a:r>
-            <a:r>
-              <a:rPr lang="en-US" dirty="0"/>
-              <a:t> is a community-driven project that extracts structured data from Wikipedia.</a:t>
-            </a:r>
-          </a:p>
-          <a:p>
-            <a:pPr marL="285750" indent="-285750">
-              <a:buFont typeface="Arial" panose="020B0604020202020204" pitchFamily="34" charset="0"/>
-              <a:buChar char="•"/>
-            </a:pPr>
-            <a:r>
-              <a:rPr lang="en-US" dirty="0"/>
-              <a:t>It transforms Wikipedia content into RDF format, making it machine-readable and </a:t>
-            </a:r>
-            <a:r>
-              <a:rPr lang="en-US" dirty="0" err="1"/>
-              <a:t>queryable</a:t>
-            </a:r>
-            <a:r>
-              <a:rPr lang="en-US" dirty="0"/>
-              <a:t> using SPARQL.</a:t>
-            </a:r>
-            <a:endParaRPr lang="en-US" b="1" dirty="0"/>
-          </a:p>
-          <a:p>
-            <a:pPr marL="285750" indent="-285750">
-              <a:buFont typeface="Arial" panose="020B0604020202020204" pitchFamily="34" charset="0"/>
-              <a:buChar char="•"/>
-            </a:pPr>
-            <a:r>
-              <a:rPr lang="en-US" dirty="0"/>
-              <a:t>Provides access to millions of entities: people, places, organizations, books, movies, etc.</a:t>
-            </a:r>
-          </a:p>
-          <a:p>
-            <a:pPr marL="285750" indent="-285750">
-              <a:buFont typeface="Arial" panose="020B0604020202020204" pitchFamily="34" charset="0"/>
-              <a:buChar char="•"/>
-            </a:pPr>
-            <a:r>
-              <a:rPr lang="en-US" dirty="0"/>
-              <a:t>Enables semantic search and linked data exploration.</a:t>
-            </a:r>
-          </a:p>
-          <a:p>
-            <a:pPr marL="285750" indent="-285750">
-              <a:buFont typeface="Arial" panose="020B0604020202020204" pitchFamily="34" charset="0"/>
-              <a:buChar char="•"/>
-            </a:pPr>
-            <a:r>
-              <a:rPr lang="en-US" dirty="0"/>
-              <a:t>Ideal for building intelligent applications like quiz games, chatbots, and knowledge graphs.</a:t>
-            </a:r>
-          </a:p>
-          <a:p>
-            <a:pPr marL="285750" indent="-285750">
-              <a:buFontTx/>
-              <a:buChar char="-"/>
-            </a:pPr>
-            <a:endParaRPr lang="en-US" dirty="0"/>
-          </a:p>
-          <a:p>
-            <a:pPr marL="285750" indent="-285750">
-              <a:buFontTx/>
-              <a:buChar char="-"/>
-            </a:pPr>
-            <a:endParaRPr lang="en-US" dirty="0"/>
+              <a:t>GraphRAG</a:t>
+            </a:r>
+            <a:r>
+              <a:rPr lang="en-US" dirty="0"/>
+              <a:t>: Combines Knowledge Graph structure with LLM natural language capabilities</a:t>
+            </a:r>
+          </a:p>
+          <a:p>
+            <a:pPr lvl="1"/>
+            <a:r>
+              <a:rPr lang="en-US" dirty="0"/>
+              <a:t>→ Enables natural language queries over complex graph data</a:t>
+            </a:r>
           </a:p>
         </p:txBody>
       </p:sp>
     </p:spTree>
     <p:extLst>
       <p:ext uri="{BB962C8B-B14F-4D97-AF65-F5344CB8AC3E}">
-        <p14:creationId xmlns:p14="http://schemas.microsoft.com/office/powerpoint/2010/main" val="64084651"/>
+        <p14:creationId xmlns:p14="http://schemas.microsoft.com/office/powerpoint/2010/main" val="951572340"/>
       </p:ext>
     </p:extLst>
   </p:cSld>
@@ -6495,7 +5116,7 @@
           <p:cNvPr id="2" name="Slide Number Placeholder 1">
             <a:extLst>
               <a:ext uri="{FF2B5EF4-FFF2-40B4-BE49-F238E27FC236}">
-                <a16:creationId xmlns:a16="http://schemas.microsoft.com/office/drawing/2014/main" id="{9E9CAB07-B0CD-4712-9734-2D3CBC72598C}"/>
+                <a16:creationId xmlns:a16="http://schemas.microsoft.com/office/drawing/2014/main" id="{0BA5FD9F-F079-E7CB-275B-4B407F7320C6}"/>
               </a:ext>
             </a:extLst>
           </p:cNvPr>
@@ -6525,7 +5146,7 @@
           <p:cNvPr id="3" name="Title 2">
             <a:extLst>
               <a:ext uri="{FF2B5EF4-FFF2-40B4-BE49-F238E27FC236}">
-                <a16:creationId xmlns:a16="http://schemas.microsoft.com/office/drawing/2014/main" id="{F39C6F49-1887-4BE4-A583-FB79B8A22935}"/>
+                <a16:creationId xmlns:a16="http://schemas.microsoft.com/office/drawing/2014/main" id="{CE73DABA-0E07-DDEE-86EE-B4224D9C9822}"/>
               </a:ext>
             </a:extLst>
           </p:cNvPr>
@@ -6543,137 +5164,105 @@
           <a:p>
             <a:r>
               <a:rPr lang="en-US" dirty="0"/>
-              <a:t>SPARQL</a:t>
-            </a:r>
-            <a:br>
-              <a:rPr lang="en-US" dirty="0"/>
-            </a:br>
-            <a:endParaRPr lang="en-US" dirty="0"/>
-          </a:p>
-        </p:txBody>
-      </p:sp>
-      <p:pic>
-        <p:nvPicPr>
-          <p:cNvPr id="6" name="Picture 5" descr="A logo of a company&#10;&#10;AI-generated content may be incorrect.">
-            <a:extLst>
-              <a:ext uri="{FF2B5EF4-FFF2-40B4-BE49-F238E27FC236}">
-                <a16:creationId xmlns:a16="http://schemas.microsoft.com/office/drawing/2014/main" id="{2DD1DFB9-9C4E-DBA2-5E32-8A341AF91D39}"/>
-              </a:ext>
-            </a:extLst>
-          </p:cNvPr>
-          <p:cNvPicPr>
-            <a:picLocks noChangeAspect="1"/>
-          </p:cNvPicPr>
-          <p:nvPr/>
-        </p:nvPicPr>
-        <p:blipFill>
-          <a:blip r:embed="rId2">
-            <a:extLst>
-              <a:ext uri="{28A0092B-C50C-407E-A947-70E740481C1C}">
-                <a14:useLocalDpi xmlns:a14="http://schemas.microsoft.com/office/drawing/2010/main" val="0"/>
-              </a:ext>
-            </a:extLst>
-          </a:blip>
-          <a:stretch>
-            <a:fillRect/>
-          </a:stretch>
-        </p:blipFill>
-        <p:spPr>
-          <a:xfrm>
-            <a:off x="1907698" y="842144"/>
-            <a:ext cx="4598855" cy="2586856"/>
-          </a:xfrm>
-          <a:prstGeom prst="rect">
-            <a:avLst/>
-          </a:prstGeom>
-        </p:spPr>
-      </p:pic>
-      <p:sp>
-        <p:nvSpPr>
-          <p:cNvPr id="9" name="Text Placeholder 8">
-            <a:extLst>
-              <a:ext uri="{FF2B5EF4-FFF2-40B4-BE49-F238E27FC236}">
-                <a16:creationId xmlns:a16="http://schemas.microsoft.com/office/drawing/2014/main" id="{1D7556FA-3915-54B2-9008-F1A450BD89CF}"/>
-              </a:ext>
-            </a:extLst>
-          </p:cNvPr>
-          <p:cNvSpPr txBox="1">
+              <a:t>Objectives, Scope &amp; Limitations</a:t>
+            </a:r>
+          </a:p>
+        </p:txBody>
+      </p:sp>
+      <p:sp>
+        <p:nvSpPr>
+          <p:cNvPr id="4" name="Text Placeholder 3">
+            <a:extLst>
+              <a:ext uri="{FF2B5EF4-FFF2-40B4-BE49-F238E27FC236}">
+                <a16:creationId xmlns:a16="http://schemas.microsoft.com/office/drawing/2014/main" id="{D7A5E0C5-7F9C-BDE6-162B-F94E54DA8B01}"/>
+              </a:ext>
+            </a:extLst>
+          </p:cNvPr>
+          <p:cNvSpPr>
             <a:spLocks noGrp="1"/>
           </p:cNvSpPr>
           <p:nvPr>
             <p:ph type="body" sz="quarter" idx="13"/>
           </p:nvPr>
         </p:nvSpPr>
-        <p:spPr>
-          <a:xfrm>
-            <a:off x="501898" y="3740792"/>
-            <a:ext cx="8407025" cy="1796389"/>
-          </a:xfrm>
-          <a:prstGeom prst="rect">
-            <a:avLst/>
-          </a:prstGeom>
-          <a:noFill/>
-        </p:spPr>
-        <p:txBody>
-          <a:bodyPr wrap="square" rtlCol="0">
-            <a:spAutoFit/>
-          </a:bodyPr>
+        <p:spPr/>
+        <p:txBody>
+          <a:bodyPr/>
           <a:lstStyle/>
           <a:p>
-            <a:pPr marL="285750" indent="-285750">
-              <a:buFont typeface="Arial" panose="020B0604020202020204" pitchFamily="34" charset="0"/>
-              <a:buChar char="•"/>
-            </a:pPr>
-            <a:r>
-              <a:rPr lang="en-US" sz="1800" dirty="0">
-                <a:latin typeface="+mn-lt"/>
-              </a:rPr>
-              <a:t>SPARQL stands for SPARQL Protocol and RDF Query Language.</a:t>
-            </a:r>
-          </a:p>
-          <a:p>
-            <a:pPr marL="285750" indent="-285750">
-              <a:buFont typeface="Arial" panose="020B0604020202020204" pitchFamily="34" charset="0"/>
-              <a:buChar char="•"/>
-            </a:pPr>
-            <a:r>
-              <a:rPr lang="en-US" sz="1800" dirty="0">
-                <a:latin typeface="+mn-lt"/>
-              </a:rPr>
-              <a:t>It is used to query structured data stored in RDF format.</a:t>
-            </a:r>
-          </a:p>
-          <a:p>
-            <a:pPr marL="285750" indent="-285750">
-              <a:buFont typeface="Arial" panose="020B0604020202020204" pitchFamily="34" charset="0"/>
-              <a:buChar char="•"/>
-            </a:pPr>
-            <a:r>
-              <a:rPr lang="en-US" sz="1800" dirty="0">
-                <a:latin typeface="+mn-lt"/>
-              </a:rPr>
-              <a:t>SQL for the Semantic Web.</a:t>
-            </a:r>
-          </a:p>
-          <a:p>
-            <a:pPr marL="0" indent="0">
-              <a:buNone/>
-            </a:pPr>
-            <a:endParaRPr lang="en-US" sz="1600" dirty="0"/>
-          </a:p>
-          <a:p>
-            <a:pPr marL="285750" indent="-285750">
-              <a:buFontTx/>
-              <a:buChar char="-"/>
-            </a:pPr>
-            <a:endParaRPr lang="en-US" sz="1600" dirty="0"/>
+            <a:r>
+              <a:rPr lang="en-US" dirty="0"/>
+              <a:t>Objectives</a:t>
+            </a:r>
+          </a:p>
+          <a:p>
+            <a:pPr lvl="1"/>
+            <a:r>
+              <a:rPr lang="en-US" dirty="0"/>
+              <a:t>Analyze graph data modeling &amp; semantic alignment</a:t>
+            </a:r>
+          </a:p>
+          <a:p>
+            <a:pPr lvl="1"/>
+            <a:r>
+              <a:rPr lang="en-US" dirty="0"/>
+              <a:t>Evaluate NL query translation accuracy</a:t>
+            </a:r>
+          </a:p>
+          <a:p>
+            <a:pPr lvl="1"/>
+            <a:r>
+              <a:rPr lang="en-US" dirty="0"/>
+              <a:t>Assess error handling &amp; robustness</a:t>
+            </a:r>
+          </a:p>
+          <a:p>
+            <a:pPr lvl="1"/>
+            <a:r>
+              <a:rPr lang="en-US" dirty="0"/>
+              <a:t>Identify strengths, limitations, improvements</a:t>
+            </a:r>
+          </a:p>
+          <a:p>
+            <a:r>
+              <a:rPr lang="en-US" dirty="0"/>
+              <a:t>Scope</a:t>
+            </a:r>
+          </a:p>
+          <a:p>
+            <a:pPr lvl="1"/>
+            <a:r>
+              <a:rPr lang="en-US" dirty="0"/>
+              <a:t>London transport network</a:t>
+            </a:r>
+          </a:p>
+          <a:p>
+            <a:pPr lvl="1"/>
+            <a:r>
+              <a:rPr lang="en-US" dirty="0"/>
+              <a:t>Tech stack: TfL API + Neo4j + GPT-4</a:t>
+            </a:r>
+          </a:p>
+          <a:p>
+            <a:pPr lvl="1"/>
+            <a:r>
+              <a:rPr lang="en-US" dirty="0"/>
+              <a:t>No real-time execution (cost constraint)</a:t>
+            </a:r>
+          </a:p>
+          <a:p>
+            <a:pPr lvl="1"/>
+            <a:r>
+              <a:rPr lang="en-US" dirty="0"/>
+              <a:t>Single-city focus (no multi-city support)</a:t>
+            </a:r>
           </a:p>
         </p:txBody>
       </p:sp>
     </p:spTree>
     <p:extLst>
       <p:ext uri="{BB962C8B-B14F-4D97-AF65-F5344CB8AC3E}">
-        <p14:creationId xmlns:p14="http://schemas.microsoft.com/office/powerpoint/2010/main" val="2751358436"/>
+        <p14:creationId xmlns:p14="http://schemas.microsoft.com/office/powerpoint/2010/main" val="644728685"/>
       </p:ext>
     </p:extLst>
   </p:cSld>
@@ -6688,7 +5277,13 @@
   <p:cSld>
     <p:spTree>
       <p:nvGrpSpPr>
-        <p:cNvPr id="1" name=""/>
+        <p:cNvPr id="1" name="">
+          <a:extLst>
+            <a:ext uri="{FF2B5EF4-FFF2-40B4-BE49-F238E27FC236}">
+              <a16:creationId xmlns:a16="http://schemas.microsoft.com/office/drawing/2014/main" id="{D85FCB47-A337-E4CF-1F22-8E44408B3916}"/>
+            </a:ext>
+          </a:extLst>
+        </p:cNvPr>
         <p:cNvGrpSpPr/>
         <p:nvPr/>
       </p:nvGrpSpPr>
@@ -6702,10 +5297,44 @@
       </p:grpSpPr>
       <p:sp>
         <p:nvSpPr>
-          <p:cNvPr id="2" name="Slide Number Placeholder 1">
-            <a:extLst>
-              <a:ext uri="{FF2B5EF4-FFF2-40B4-BE49-F238E27FC236}">
-                <a16:creationId xmlns:a16="http://schemas.microsoft.com/office/drawing/2014/main" id="{34AD8E52-349C-EF76-69EB-C09C6078A876}"/>
+          <p:cNvPr id="2" name="Title 1">
+            <a:extLst>
+              <a:ext uri="{FF2B5EF4-FFF2-40B4-BE49-F238E27FC236}">
+                <a16:creationId xmlns:a16="http://schemas.microsoft.com/office/drawing/2014/main" id="{F8DB1760-1688-C627-51CD-FB994B48E470}"/>
+              </a:ext>
+            </a:extLst>
+          </p:cNvPr>
+          <p:cNvSpPr>
+            <a:spLocks noGrp="1"/>
+          </p:cNvSpPr>
+          <p:nvPr>
+            <p:ph type="title"/>
+          </p:nvPr>
+        </p:nvSpPr>
+        <p:spPr>
+          <a:xfrm>
+            <a:off x="3975904" y="2882097"/>
+            <a:ext cx="4082279" cy="2714264"/>
+          </a:xfrm>
+        </p:spPr>
+        <p:txBody>
+          <a:bodyPr/>
+          <a:lstStyle/>
+          <a:p>
+            <a:pPr algn="ctr"/>
+            <a:r>
+              <a:rPr lang="en-US" sz="4800" dirty="0"/>
+              <a:t>Related work</a:t>
+            </a:r>
+          </a:p>
+        </p:txBody>
+      </p:sp>
+      <p:sp>
+        <p:nvSpPr>
+          <p:cNvPr id="4" name="Slide Number Placeholder 3">
+            <a:extLst>
+              <a:ext uri="{FF2B5EF4-FFF2-40B4-BE49-F238E27FC236}">
+                <a16:creationId xmlns:a16="http://schemas.microsoft.com/office/drawing/2014/main" id="{A859A307-5037-CF7E-1F12-2329569952AF}"/>
               </a:ext>
             </a:extLst>
           </p:cNvPr>
@@ -6730,169 +5359,10 @@
           </a:p>
         </p:txBody>
       </p:sp>
-      <p:pic>
-        <p:nvPicPr>
-          <p:cNvPr id="7" name="Content Placeholder 6">
-            <a:extLst>
-              <a:ext uri="{FF2B5EF4-FFF2-40B4-BE49-F238E27FC236}">
-                <a16:creationId xmlns:a16="http://schemas.microsoft.com/office/drawing/2014/main" id="{F1DD165F-E87A-A54D-C502-FE00272DDB6E}"/>
-              </a:ext>
-            </a:extLst>
-          </p:cNvPr>
-          <p:cNvPicPr>
-            <a:picLocks noGrp="1" noChangeAspect="1"/>
-          </p:cNvPicPr>
-          <p:nvPr>
-            <p:ph sz="half" idx="1"/>
-          </p:nvPr>
-        </p:nvPicPr>
-        <p:blipFill>
-          <a:blip r:embed="rId2"/>
-          <a:stretch>
-            <a:fillRect/>
-          </a:stretch>
-        </p:blipFill>
-        <p:spPr>
-          <a:xfrm>
-            <a:off x="490350" y="4525462"/>
-            <a:ext cx="3886200" cy="1404563"/>
-          </a:xfrm>
-        </p:spPr>
-      </p:pic>
-      <p:sp>
-        <p:nvSpPr>
-          <p:cNvPr id="5" name="Title 4">
-            <a:extLst>
-              <a:ext uri="{FF2B5EF4-FFF2-40B4-BE49-F238E27FC236}">
-                <a16:creationId xmlns:a16="http://schemas.microsoft.com/office/drawing/2014/main" id="{5131D202-5F2A-ABF7-24FC-3F311F569FC5}"/>
-              </a:ext>
-            </a:extLst>
-          </p:cNvPr>
-          <p:cNvSpPr>
-            <a:spLocks noGrp="1"/>
-          </p:cNvSpPr>
-          <p:nvPr>
-            <p:ph type="title"/>
-          </p:nvPr>
-        </p:nvSpPr>
-        <p:spPr/>
-        <p:txBody>
-          <a:bodyPr/>
-          <a:lstStyle/>
-          <a:p>
-            <a:r>
-              <a:rPr lang="en-US" dirty="0"/>
-              <a:t>Development tools</a:t>
-            </a:r>
-          </a:p>
-        </p:txBody>
-      </p:sp>
-      <p:pic>
-        <p:nvPicPr>
-          <p:cNvPr id="9" name="Picture 8">
-            <a:extLst>
-              <a:ext uri="{FF2B5EF4-FFF2-40B4-BE49-F238E27FC236}">
-                <a16:creationId xmlns:a16="http://schemas.microsoft.com/office/drawing/2014/main" id="{CF450E5B-737F-6152-1A8C-4D9F650A6ACC}"/>
-              </a:ext>
-            </a:extLst>
-          </p:cNvPr>
-          <p:cNvPicPr>
-            <a:picLocks noChangeAspect="1"/>
-          </p:cNvPicPr>
-          <p:nvPr/>
-        </p:nvPicPr>
-        <p:blipFill>
-          <a:blip r:embed="rId3"/>
-          <a:stretch>
-            <a:fillRect/>
-          </a:stretch>
-        </p:blipFill>
-        <p:spPr>
-          <a:xfrm>
-            <a:off x="4240689" y="1320338"/>
-            <a:ext cx="4267796" cy="2534004"/>
-          </a:xfrm>
-          <a:prstGeom prst="rect">
-            <a:avLst/>
-          </a:prstGeom>
-        </p:spPr>
-      </p:pic>
-      <p:pic>
-        <p:nvPicPr>
-          <p:cNvPr id="13" name="Picture 12" descr="A colorful feather on a black background&#10;&#10;AI-generated content may be incorrect.">
-            <a:extLst>
-              <a:ext uri="{FF2B5EF4-FFF2-40B4-BE49-F238E27FC236}">
-                <a16:creationId xmlns:a16="http://schemas.microsoft.com/office/drawing/2014/main" id="{6EB0178A-0967-F8F0-27DF-6F5EA78D75C1}"/>
-              </a:ext>
-            </a:extLst>
-          </p:cNvPr>
-          <p:cNvPicPr>
-            <a:picLocks noChangeAspect="1"/>
-          </p:cNvPicPr>
-          <p:nvPr/>
-        </p:nvPicPr>
-        <p:blipFill>
-          <a:blip r:embed="rId4">
-            <a:extLst>
-              <a:ext uri="{28A0092B-C50C-407E-A947-70E740481C1C}">
-                <a14:useLocalDpi xmlns:a14="http://schemas.microsoft.com/office/drawing/2010/main" val="0"/>
-              </a:ext>
-            </a:extLst>
-          </a:blip>
-          <a:stretch>
-            <a:fillRect/>
-          </a:stretch>
-        </p:blipFill>
-        <p:spPr>
-          <a:xfrm>
-            <a:off x="4767451" y="4249660"/>
-            <a:ext cx="4199863" cy="1069056"/>
-          </a:xfrm>
-          <a:prstGeom prst="rect">
-            <a:avLst/>
-          </a:prstGeom>
-        </p:spPr>
-      </p:pic>
-      <p:pic>
-        <p:nvPicPr>
-          <p:cNvPr id="15" name="Graphic 14">
-            <a:extLst>
-              <a:ext uri="{FF2B5EF4-FFF2-40B4-BE49-F238E27FC236}">
-                <a16:creationId xmlns:a16="http://schemas.microsoft.com/office/drawing/2014/main" id="{70B8408D-F147-C2AB-65B9-ACA7EA2B9C06}"/>
-              </a:ext>
-            </a:extLst>
-          </p:cNvPr>
-          <p:cNvPicPr>
-            <a:picLocks noChangeAspect="1"/>
-          </p:cNvPicPr>
-          <p:nvPr/>
-        </p:nvPicPr>
-        <p:blipFill>
-          <a:blip r:embed="rId5">
-            <a:extLst>
-              <a:ext uri="{96DAC541-7B7A-43D3-8B79-37D633B846F1}">
-                <asvg:svgBlip xmlns:asvg="http://schemas.microsoft.com/office/drawing/2016/SVG/main" r:embed="rId6"/>
-              </a:ext>
-            </a:extLst>
-          </a:blip>
-          <a:stretch>
-            <a:fillRect/>
-          </a:stretch>
-        </p:blipFill>
-        <p:spPr>
-          <a:xfrm>
-            <a:off x="1273454" y="1309113"/>
-            <a:ext cx="1710521" cy="3128645"/>
-          </a:xfrm>
-          <a:prstGeom prst="rect">
-            <a:avLst/>
-          </a:prstGeom>
-        </p:spPr>
-      </p:pic>
     </p:spTree>
     <p:extLst>
       <p:ext uri="{BB962C8B-B14F-4D97-AF65-F5344CB8AC3E}">
-        <p14:creationId xmlns:p14="http://schemas.microsoft.com/office/powerpoint/2010/main" val="1341840600"/>
+        <p14:creationId xmlns:p14="http://schemas.microsoft.com/office/powerpoint/2010/main" val="3384533437"/>
       </p:ext>
     </p:extLst>
   </p:cSld>
@@ -6921,92 +5391,10 @@
       </p:grpSpPr>
       <p:sp>
         <p:nvSpPr>
-          <p:cNvPr id="2" name="Title 1">
-            <a:extLst>
-              <a:ext uri="{FF2B5EF4-FFF2-40B4-BE49-F238E27FC236}">
-                <a16:creationId xmlns:a16="http://schemas.microsoft.com/office/drawing/2014/main" id="{A2B7E207-A869-B342-B6D9-77005A268D98}"/>
-              </a:ext>
-            </a:extLst>
-          </p:cNvPr>
-          <p:cNvSpPr>
-            <a:spLocks noGrp="1"/>
-          </p:cNvSpPr>
-          <p:nvPr>
-            <p:ph type="title"/>
-          </p:nvPr>
-        </p:nvSpPr>
-        <p:spPr/>
-        <p:txBody>
-          <a:bodyPr/>
-          <a:lstStyle/>
-          <a:p>
-            <a:r>
-              <a:rPr lang="en-US" dirty="0" err="1"/>
-              <a:t>Usecase</a:t>
-            </a:r>
-            <a:r>
-              <a:rPr lang="en-US" dirty="0"/>
-              <a:t> diagram</a:t>
-            </a:r>
-          </a:p>
-        </p:txBody>
-      </p:sp>
-      <p:sp>
-        <p:nvSpPr>
-          <p:cNvPr id="3" name="Content Placeholder 2">
-            <a:extLst>
-              <a:ext uri="{FF2B5EF4-FFF2-40B4-BE49-F238E27FC236}">
-                <a16:creationId xmlns:a16="http://schemas.microsoft.com/office/drawing/2014/main" id="{1B1994D1-B0B9-97CB-A9B2-4F2D31319A30}"/>
-              </a:ext>
-            </a:extLst>
-          </p:cNvPr>
-          <p:cNvSpPr>
-            <a:spLocks noGrp="1"/>
-          </p:cNvSpPr>
-          <p:nvPr>
-            <p:ph sz="half" idx="1"/>
-          </p:nvPr>
-        </p:nvSpPr>
-        <p:spPr/>
-        <p:txBody>
-          <a:bodyPr/>
-          <a:lstStyle/>
-          <a:p>
-            <a:endParaRPr lang="en-US" dirty="0"/>
-          </a:p>
-        </p:txBody>
-      </p:sp>
-      <p:sp>
-        <p:nvSpPr>
-          <p:cNvPr id="4" name="Content Placeholder 3">
-            <a:extLst>
-              <a:ext uri="{FF2B5EF4-FFF2-40B4-BE49-F238E27FC236}">
-                <a16:creationId xmlns:a16="http://schemas.microsoft.com/office/drawing/2014/main" id="{7508968A-F2A2-8005-6E03-B78E65864C76}"/>
-              </a:ext>
-            </a:extLst>
-          </p:cNvPr>
-          <p:cNvSpPr>
-            <a:spLocks noGrp="1"/>
-          </p:cNvSpPr>
-          <p:nvPr>
-            <p:ph sz="half" idx="2"/>
-          </p:nvPr>
-        </p:nvSpPr>
-        <p:spPr/>
-        <p:txBody>
-          <a:bodyPr/>
-          <a:lstStyle/>
-          <a:p>
-            <a:endParaRPr lang="en-US"/>
-          </a:p>
-        </p:txBody>
-      </p:sp>
-      <p:sp>
-        <p:nvSpPr>
-          <p:cNvPr id="5" name="Slide Number Placeholder 4">
-            <a:extLst>
-              <a:ext uri="{FF2B5EF4-FFF2-40B4-BE49-F238E27FC236}">
-                <a16:creationId xmlns:a16="http://schemas.microsoft.com/office/drawing/2014/main" id="{853CF161-A6C1-F8C7-C9A5-5CD5BD5C176E}"/>
+          <p:cNvPr id="2" name="Slide Number Placeholder 1">
+            <a:extLst>
+              <a:ext uri="{FF2B5EF4-FFF2-40B4-BE49-F238E27FC236}">
+                <a16:creationId xmlns:a16="http://schemas.microsoft.com/office/drawing/2014/main" id="{54CAACB0-0D1B-1542-E520-BF1E88D3ADE4}"/>
               </a:ext>
             </a:extLst>
           </p:cNvPr>
@@ -7031,12 +5419,88 @@
           </a:p>
         </p:txBody>
       </p:sp>
+      <p:sp>
+        <p:nvSpPr>
+          <p:cNvPr id="3" name="Title 2">
+            <a:extLst>
+              <a:ext uri="{FF2B5EF4-FFF2-40B4-BE49-F238E27FC236}">
+                <a16:creationId xmlns:a16="http://schemas.microsoft.com/office/drawing/2014/main" id="{884247AF-6E03-6687-5426-2486F391C445}"/>
+              </a:ext>
+            </a:extLst>
+          </p:cNvPr>
+          <p:cNvSpPr>
+            <a:spLocks noGrp="1"/>
+          </p:cNvSpPr>
+          <p:nvPr>
+            <p:ph type="title"/>
+          </p:nvPr>
+        </p:nvSpPr>
+        <p:spPr/>
+        <p:txBody>
+          <a:bodyPr/>
+          <a:lstStyle/>
+          <a:p>
+            <a:r>
+              <a:rPr lang="en-US" dirty="0"/>
+              <a:t>Graph Retrieval-Augmented Generation (</a:t>
+            </a:r>
+            <a:r>
+              <a:rPr lang="en-US" dirty="0" err="1"/>
+              <a:t>GraphRAG</a:t>
+            </a:r>
+            <a:r>
+              <a:rPr lang="en-US" dirty="0"/>
+              <a:t>)</a:t>
+            </a:r>
+          </a:p>
+        </p:txBody>
+      </p:sp>
+      <p:sp>
+        <p:nvSpPr>
+          <p:cNvPr id="4" name="Text Placeholder 3">
+            <a:extLst>
+              <a:ext uri="{FF2B5EF4-FFF2-40B4-BE49-F238E27FC236}">
+                <a16:creationId xmlns:a16="http://schemas.microsoft.com/office/drawing/2014/main" id="{EB638581-C0A6-A145-E219-3342954DC2FE}"/>
+              </a:ext>
+            </a:extLst>
+          </p:cNvPr>
+          <p:cNvSpPr>
+            <a:spLocks noGrp="1"/>
+          </p:cNvSpPr>
+          <p:nvPr>
+            <p:ph type="body" sz="quarter" idx="13"/>
+          </p:nvPr>
+        </p:nvSpPr>
+        <p:spPr/>
+        <p:txBody>
+          <a:bodyPr/>
+          <a:lstStyle/>
+          <a:p>
+            <a:r>
+              <a:rPr lang="en-US" dirty="0" err="1"/>
+              <a:t>GraphRAG</a:t>
+            </a:r>
+            <a:r>
+              <a:rPr lang="en-US" dirty="0"/>
+              <a:t> is a structured, hierarchical approach to Retrieval Augmented Generation (RAG), as opposed to naive semantic-search approaches using plain text snippets. The </a:t>
+            </a:r>
+            <a:r>
+              <a:rPr lang="en-US" dirty="0" err="1"/>
+              <a:t>GraphRAG</a:t>
+            </a:r>
+            <a:r>
+              <a:rPr lang="en-US" dirty="0"/>
+              <a:t> process involves extracting a knowledge graph out of raw text, building a community hierarchy, generating summaries for these communities, and then leveraging these structures when perform RAG-based tasks.</a:t>
+            </a:r>
+          </a:p>
+        </p:txBody>
+      </p:sp>
       <p:pic>
         <p:nvPicPr>
-          <p:cNvPr id="7" name="Picture 6">
-            <a:extLst>
-              <a:ext uri="{FF2B5EF4-FFF2-40B4-BE49-F238E27FC236}">
-                <a16:creationId xmlns:a16="http://schemas.microsoft.com/office/drawing/2014/main" id="{47E83EC0-295C-B3A5-8BC8-104CCB83D0D3}"/>
+          <p:cNvPr id="6" name="Picture 5">
+            <a:extLst>
+              <a:ext uri="{FF2B5EF4-FFF2-40B4-BE49-F238E27FC236}">
+                <a16:creationId xmlns:a16="http://schemas.microsoft.com/office/drawing/2014/main" id="{4A324398-207E-08F0-5B39-8C431009769C}"/>
               </a:ext>
             </a:extLst>
           </p:cNvPr>
@@ -7053,8 +5517,8 @@
         </p:blipFill>
         <p:spPr>
           <a:xfrm>
-            <a:off x="1780239" y="1311753"/>
-            <a:ext cx="4477125" cy="4234494"/>
+            <a:off x="2212219" y="4664088"/>
+            <a:ext cx="4578277" cy="1932724"/>
           </a:xfrm>
           <a:prstGeom prst="rect">
             <a:avLst/>
@@ -7064,7 +5528,7 @@
     </p:spTree>
     <p:extLst>
       <p:ext uri="{BB962C8B-B14F-4D97-AF65-F5344CB8AC3E}">
-        <p14:creationId xmlns:p14="http://schemas.microsoft.com/office/powerpoint/2010/main" val="3651498809"/>
+        <p14:creationId xmlns:p14="http://schemas.microsoft.com/office/powerpoint/2010/main" val="3492072605"/>
       </p:ext>
     </p:extLst>
   </p:cSld>
@@ -7096,7 +5560,7 @@
           <p:cNvPr id="2" name="Slide Number Placeholder 1">
             <a:extLst>
               <a:ext uri="{FF2B5EF4-FFF2-40B4-BE49-F238E27FC236}">
-                <a16:creationId xmlns:a16="http://schemas.microsoft.com/office/drawing/2014/main" id="{0BA5FD9F-F079-E7CB-275B-4B407F7320C6}"/>
+                <a16:creationId xmlns:a16="http://schemas.microsoft.com/office/drawing/2014/main" id="{F166A143-D8BB-9B0B-7A5E-02A82457B907}"/>
               </a:ext>
             </a:extLst>
           </p:cNvPr>
@@ -7126,7 +5590,7 @@
           <p:cNvPr id="3" name="Title 2">
             <a:extLst>
               <a:ext uri="{FF2B5EF4-FFF2-40B4-BE49-F238E27FC236}">
-                <a16:creationId xmlns:a16="http://schemas.microsoft.com/office/drawing/2014/main" id="{CE73DABA-0E07-DDEE-86EE-B4224D9C9822}"/>
+                <a16:creationId xmlns:a16="http://schemas.microsoft.com/office/drawing/2014/main" id="{44498F3E-A596-8B83-DA1B-516573780F5A}"/>
               </a:ext>
             </a:extLst>
           </p:cNvPr>
@@ -7144,7 +5608,7 @@
           <a:p>
             <a:r>
               <a:rPr lang="en-US" dirty="0"/>
-              <a:t>System architecture: 3 tier-application</a:t>
+              <a:t>Neo4j Knowledge Graph</a:t>
             </a:r>
           </a:p>
         </p:txBody>
@@ -7154,7 +5618,7 @@
           <p:cNvPr id="4" name="Text Placeholder 3">
             <a:extLst>
               <a:ext uri="{FF2B5EF4-FFF2-40B4-BE49-F238E27FC236}">
-                <a16:creationId xmlns:a16="http://schemas.microsoft.com/office/drawing/2014/main" id="{D7A5E0C5-7F9C-BDE6-162B-F94E54DA8B01}"/>
+                <a16:creationId xmlns:a16="http://schemas.microsoft.com/office/drawing/2014/main" id="{9873D6CB-FD4B-45A2-77F7-8BBE1BD3E784}"/>
               </a:ext>
             </a:extLst>
           </p:cNvPr>
@@ -7172,27 +5636,51 @@
           <a:p>
             <a:r>
               <a:rPr lang="en-US" dirty="0"/>
-              <a:t>Presentation layer</a:t>
-            </a:r>
-          </a:p>
-          <a:p>
-            <a:r>
-              <a:rPr lang="en-US" dirty="0"/>
-              <a:t>Business logic layer</a:t>
-            </a:r>
-          </a:p>
-          <a:p>
-            <a:r>
-              <a:rPr lang="en-US" dirty="0"/>
-              <a:t>Data access layer</a:t>
-            </a:r>
-          </a:p>
-        </p:txBody>
-      </p:sp>
+              <a:t>A knowledge graph is a design pattern for storing, organizing, and accessing interrelated data entities, including their semantic relationships. With knowledge graphs, you can better understand your data and build more intelligent applications. </a:t>
+            </a:r>
+          </a:p>
+          <a:p>
+            <a:r>
+              <a:rPr lang="en-US" dirty="0"/>
+              <a:t>Neo4j is a graph database that support to store data as nodes, relationships (edges), and their properties. Unlike traditional relational databases, Neo4j is designed to handle highly connected data efficiently, making it ideal for use cases like social networks, recommendation systems, fraud detection, and more.</a:t>
+            </a:r>
+          </a:p>
+        </p:txBody>
+      </p:sp>
+      <p:pic>
+        <p:nvPicPr>
+          <p:cNvPr id="6" name="Picture 5">
+            <a:extLst>
+              <a:ext uri="{FF2B5EF4-FFF2-40B4-BE49-F238E27FC236}">
+                <a16:creationId xmlns:a16="http://schemas.microsoft.com/office/drawing/2014/main" id="{779B9982-C05D-875A-AD2F-AD5FEB8818FE}"/>
+              </a:ext>
+            </a:extLst>
+          </p:cNvPr>
+          <p:cNvPicPr>
+            <a:picLocks noChangeAspect="1"/>
+          </p:cNvPicPr>
+          <p:nvPr/>
+        </p:nvPicPr>
+        <p:blipFill>
+          <a:blip r:embed="rId2"/>
+          <a:stretch>
+            <a:fillRect/>
+          </a:stretch>
+        </p:blipFill>
+        <p:spPr>
+          <a:xfrm>
+            <a:off x="6159441" y="78613"/>
+            <a:ext cx="2276793" cy="962159"/>
+          </a:xfrm>
+          <a:prstGeom prst="rect">
+            <a:avLst/>
+          </a:prstGeom>
+        </p:spPr>
+      </p:pic>
     </p:spTree>
     <p:extLst>
       <p:ext uri="{BB962C8B-B14F-4D97-AF65-F5344CB8AC3E}">
-        <p14:creationId xmlns:p14="http://schemas.microsoft.com/office/powerpoint/2010/main" val="644728685"/>
+        <p14:creationId xmlns:p14="http://schemas.microsoft.com/office/powerpoint/2010/main" val="1481584587"/>
       </p:ext>
     </p:extLst>
   </p:cSld>
@@ -7224,7 +5712,7 @@
           <p:cNvPr id="2" name="Title 1">
             <a:extLst>
               <a:ext uri="{FF2B5EF4-FFF2-40B4-BE49-F238E27FC236}">
-                <a16:creationId xmlns:a16="http://schemas.microsoft.com/office/drawing/2014/main" id="{22DE2BCA-A953-E4E8-9DF4-8067541650B1}"/>
+                <a16:creationId xmlns:a16="http://schemas.microsoft.com/office/drawing/2014/main" id="{EEA3BF02-56C1-9829-0F15-29B7DB5815E2}"/>
               </a:ext>
             </a:extLst>
           </p:cNvPr>
@@ -7237,8 +5725,8 @@
         </p:nvSpPr>
         <p:spPr>
           <a:xfrm>
-            <a:off x="235077" y="78612"/>
-            <a:ext cx="8673846" cy="451739"/>
+            <a:off x="4032156" y="2887095"/>
+            <a:ext cx="4446300" cy="2848161"/>
           </a:xfrm>
         </p:spPr>
         <p:txBody>
@@ -7246,18 +5734,18 @@
           <a:lstStyle/>
           <a:p>
             <a:r>
-              <a:rPr lang="en-US" dirty="0"/>
-              <a:t>SPARQL Query: Information country in Asia</a:t>
-            </a:r>
-          </a:p>
-        </p:txBody>
-      </p:sp>
-      <p:sp>
-        <p:nvSpPr>
-          <p:cNvPr id="5" name="Slide Number Placeholder 4">
-            <a:extLst>
-              <a:ext uri="{FF2B5EF4-FFF2-40B4-BE49-F238E27FC236}">
-                <a16:creationId xmlns:a16="http://schemas.microsoft.com/office/drawing/2014/main" id="{60385C89-7D1D-5A90-6795-7FC575F1EE57}"/>
+              <a:rPr lang="en-US" sz="4800" dirty="0"/>
+              <a:t>Methodology</a:t>
+            </a:r>
+          </a:p>
+        </p:txBody>
+      </p:sp>
+      <p:sp>
+        <p:nvSpPr>
+          <p:cNvPr id="4" name="Slide Number Placeholder 3">
+            <a:extLst>
+              <a:ext uri="{FF2B5EF4-FFF2-40B4-BE49-F238E27FC236}">
+                <a16:creationId xmlns:a16="http://schemas.microsoft.com/office/drawing/2014/main" id="{FB3ACF88-65DB-6853-E29E-BAEE47AF1648}"/>
               </a:ext>
             </a:extLst>
           </p:cNvPr>
@@ -7282,931 +5770,10 @@
           </a:p>
         </p:txBody>
       </p:sp>
-      <p:sp>
-        <p:nvSpPr>
-          <p:cNvPr id="6" name="Rectangle 1">
-            <a:extLst>
-              <a:ext uri="{FF2B5EF4-FFF2-40B4-BE49-F238E27FC236}">
-                <a16:creationId xmlns:a16="http://schemas.microsoft.com/office/drawing/2014/main" id="{8206B395-8C43-0FA4-E8D5-ECBC31DFDCC1}"/>
-              </a:ext>
-            </a:extLst>
-          </p:cNvPr>
-          <p:cNvSpPr>
-            <a:spLocks noGrp="1" noChangeArrowheads="1"/>
-          </p:cNvSpPr>
-          <p:nvPr>
-            <p:ph sz="half" idx="1"/>
-          </p:nvPr>
-        </p:nvSpPr>
-        <p:spPr bwMode="auto">
-          <a:xfrm>
-            <a:off x="367553" y="812026"/>
-            <a:ext cx="9502589" cy="5478423"/>
-          </a:xfrm>
-          <a:prstGeom prst="rect">
-            <a:avLst/>
-          </a:prstGeom>
-          <a:noFill/>
-          <a:ln>
-            <a:noFill/>
-          </a:ln>
-          <a:effectLst/>
-        </p:spPr>
-        <p:txBody>
-          <a:bodyPr vert="horz" wrap="square" lIns="91440" tIns="45720" rIns="91440" bIns="45720" numCol="1" anchor="ctr" anchorCtr="0" compatLnSpc="1">
-            <a:prstTxWarp prst="textNoShape">
-              <a:avLst/>
-            </a:prstTxWarp>
-            <a:spAutoFit/>
-          </a:bodyPr>
-          <a:lstStyle/>
-          <a:p>
-            <a:pPr marL="0" marR="0" lvl="0" indent="0" algn="l" defTabSz="914400" rtl="0" eaLnBrk="0" fontAlgn="base" latinLnBrk="0" hangingPunct="0">
-              <a:lnSpc>
-                <a:spcPct val="100000"/>
-              </a:lnSpc>
-              <a:spcBef>
-                <a:spcPct val="0"/>
-              </a:spcBef>
-              <a:spcAft>
-                <a:spcPct val="0"/>
-              </a:spcAft>
-              <a:buClrTx/>
-              <a:buSzTx/>
-              <a:buFontTx/>
-              <a:buNone/>
-              <a:tabLst/>
-            </a:pPr>
-            <a:r>
-              <a:rPr kumimoji="0" lang="en-US" altLang="en-US" sz="1400" b="0" i="0" u="none" strike="noStrike" cap="none" normalizeH="0" baseline="0" dirty="0">
-                <a:ln>
-                  <a:noFill/>
-                </a:ln>
-                <a:effectLst/>
-                <a:latin typeface="JetBrains Mono"/>
-              </a:rPr>
-              <a:t>PREFIX </a:t>
-            </a:r>
-            <a:r>
-              <a:rPr kumimoji="0" lang="en-US" altLang="en-US" sz="1400" b="0" i="0" u="none" strike="noStrike" cap="none" normalizeH="0" baseline="0" dirty="0" err="1">
-                <a:ln>
-                  <a:noFill/>
-                </a:ln>
-                <a:effectLst/>
-                <a:latin typeface="JetBrains Mono"/>
-              </a:rPr>
-              <a:t>dbo</a:t>
-            </a:r>
-            <a:r>
-              <a:rPr kumimoji="0" lang="en-US" altLang="en-US" sz="1400" b="0" i="0" u="none" strike="noStrike" cap="none" normalizeH="0" baseline="0" dirty="0">
-                <a:ln>
-                  <a:noFill/>
-                </a:ln>
-                <a:effectLst/>
-                <a:latin typeface="JetBrains Mono"/>
-              </a:rPr>
-              <a:t>:  &lt;http://dbpedia.org/ontology/&gt;</a:t>
-            </a:r>
-            <a:br>
-              <a:rPr kumimoji="0" lang="en-US" altLang="en-US" sz="1400" b="0" i="0" u="none" strike="noStrike" cap="none" normalizeH="0" baseline="0" dirty="0">
-                <a:ln>
-                  <a:noFill/>
-                </a:ln>
-                <a:effectLst/>
-                <a:latin typeface="JetBrains Mono"/>
-              </a:rPr>
-            </a:br>
-            <a:r>
-              <a:rPr kumimoji="0" lang="en-US" altLang="en-US" sz="1400" b="0" i="0" u="none" strike="noStrike" cap="none" normalizeH="0" baseline="0" dirty="0">
-                <a:ln>
-                  <a:noFill/>
-                </a:ln>
-                <a:effectLst/>
-                <a:latin typeface="JetBrains Mono"/>
-              </a:rPr>
-              <a:t>        PREFIX </a:t>
-            </a:r>
-            <a:r>
-              <a:rPr kumimoji="0" lang="en-US" altLang="en-US" sz="1400" b="0" i="0" u="none" strike="noStrike" cap="none" normalizeH="0" baseline="0" dirty="0" err="1">
-                <a:ln>
-                  <a:noFill/>
-                </a:ln>
-                <a:effectLst/>
-                <a:latin typeface="JetBrains Mono"/>
-              </a:rPr>
-              <a:t>dbp</a:t>
-            </a:r>
-            <a:r>
-              <a:rPr kumimoji="0" lang="en-US" altLang="en-US" sz="1400" b="0" i="0" u="none" strike="noStrike" cap="none" normalizeH="0" baseline="0" dirty="0">
-                <a:ln>
-                  <a:noFill/>
-                </a:ln>
-                <a:effectLst/>
-                <a:latin typeface="JetBrains Mono"/>
-              </a:rPr>
-              <a:t>:  &lt;http://dbpedia.org/property/&gt;</a:t>
-            </a:r>
-            <a:br>
-              <a:rPr kumimoji="0" lang="en-US" altLang="en-US" sz="1400" b="0" i="0" u="none" strike="noStrike" cap="none" normalizeH="0" baseline="0" dirty="0">
-                <a:ln>
-                  <a:noFill/>
-                </a:ln>
-                <a:effectLst/>
-                <a:latin typeface="JetBrains Mono"/>
-              </a:rPr>
-            </a:br>
-            <a:r>
-              <a:rPr kumimoji="0" lang="en-US" altLang="en-US" sz="1400" b="0" i="0" u="none" strike="noStrike" cap="none" normalizeH="0" baseline="0" dirty="0">
-                <a:ln>
-                  <a:noFill/>
-                </a:ln>
-                <a:effectLst/>
-                <a:latin typeface="JetBrains Mono"/>
-              </a:rPr>
-              <a:t>        PREFIX </a:t>
-            </a:r>
-            <a:r>
-              <a:rPr kumimoji="0" lang="en-US" altLang="en-US" sz="1400" b="0" i="0" u="none" strike="noStrike" cap="none" normalizeH="0" baseline="0" dirty="0" err="1">
-                <a:ln>
-                  <a:noFill/>
-                </a:ln>
-                <a:effectLst/>
-                <a:latin typeface="JetBrains Mono"/>
-              </a:rPr>
-              <a:t>rdfs</a:t>
-            </a:r>
-            <a:r>
-              <a:rPr kumimoji="0" lang="en-US" altLang="en-US" sz="1400" b="0" i="0" u="none" strike="noStrike" cap="none" normalizeH="0" baseline="0" dirty="0">
-                <a:ln>
-                  <a:noFill/>
-                </a:ln>
-                <a:effectLst/>
-                <a:latin typeface="JetBrains Mono"/>
-              </a:rPr>
-              <a:t>: &lt;http://www.w3.org/2000/01/rdf-schema#&gt;</a:t>
-            </a:r>
-            <a:br>
-              <a:rPr kumimoji="0" lang="en-US" altLang="en-US" sz="1400" b="0" i="0" u="none" strike="noStrike" cap="none" normalizeH="0" baseline="0" dirty="0">
-                <a:ln>
-                  <a:noFill/>
-                </a:ln>
-                <a:effectLst/>
-                <a:latin typeface="JetBrains Mono"/>
-              </a:rPr>
-            </a:br>
-            <a:r>
-              <a:rPr kumimoji="0" lang="en-US" altLang="en-US" sz="1400" b="0" i="0" u="none" strike="noStrike" cap="none" normalizeH="0" baseline="0" dirty="0">
-                <a:ln>
-                  <a:noFill/>
-                </a:ln>
-                <a:effectLst/>
-                <a:latin typeface="JetBrains Mono"/>
-              </a:rPr>
-              <a:t>        PREFIX </a:t>
-            </a:r>
-            <a:r>
-              <a:rPr kumimoji="0" lang="en-US" altLang="en-US" sz="1400" b="0" i="0" u="none" strike="noStrike" cap="none" normalizeH="0" baseline="0" dirty="0" err="1">
-                <a:ln>
-                  <a:noFill/>
-                </a:ln>
-                <a:effectLst/>
-                <a:latin typeface="JetBrains Mono"/>
-              </a:rPr>
-              <a:t>dct</a:t>
-            </a:r>
-            <a:r>
-              <a:rPr kumimoji="0" lang="en-US" altLang="en-US" sz="1400" b="0" i="0" u="none" strike="noStrike" cap="none" normalizeH="0" baseline="0" dirty="0">
-                <a:ln>
-                  <a:noFill/>
-                </a:ln>
-                <a:effectLst/>
-                <a:latin typeface="JetBrains Mono"/>
-              </a:rPr>
-              <a:t>:  &lt;http://purl.org/dc/terms/&gt;</a:t>
-            </a:r>
-            <a:br>
-              <a:rPr kumimoji="0" lang="en-US" altLang="en-US" sz="1400" b="0" i="0" u="none" strike="noStrike" cap="none" normalizeH="0" baseline="0" dirty="0">
-                <a:ln>
-                  <a:noFill/>
-                </a:ln>
-                <a:effectLst/>
-                <a:latin typeface="JetBrains Mono"/>
-              </a:rPr>
-            </a:br>
-            <a:r>
-              <a:rPr kumimoji="0" lang="en-US" altLang="en-US" sz="1400" b="0" i="0" u="none" strike="noStrike" cap="none" normalizeH="0" baseline="0" dirty="0">
-                <a:ln>
-                  <a:noFill/>
-                </a:ln>
-                <a:effectLst/>
-                <a:latin typeface="JetBrains Mono"/>
-              </a:rPr>
-              <a:t>        PREFIX </a:t>
-            </a:r>
-            <a:r>
-              <a:rPr kumimoji="0" lang="en-US" altLang="en-US" sz="1400" b="0" i="0" u="none" strike="noStrike" cap="none" normalizeH="0" baseline="0" dirty="0" err="1">
-                <a:ln>
-                  <a:noFill/>
-                </a:ln>
-                <a:effectLst/>
-                <a:latin typeface="JetBrains Mono"/>
-              </a:rPr>
-              <a:t>dbc</a:t>
-            </a:r>
-            <a:r>
-              <a:rPr kumimoji="0" lang="en-US" altLang="en-US" sz="1400" b="0" i="0" u="none" strike="noStrike" cap="none" normalizeH="0" baseline="0" dirty="0">
-                <a:ln>
-                  <a:noFill/>
-                </a:ln>
-                <a:effectLst/>
-                <a:latin typeface="JetBrains Mono"/>
-              </a:rPr>
-              <a:t>:  &lt;http://dbpedia.org/resource/Category:&gt;</a:t>
-            </a:r>
-            <a:br>
-              <a:rPr kumimoji="0" lang="en-US" altLang="en-US" sz="1400" b="0" i="0" u="none" strike="noStrike" cap="none" normalizeH="0" baseline="0" dirty="0">
-                <a:ln>
-                  <a:noFill/>
-                </a:ln>
-                <a:effectLst/>
-                <a:latin typeface="JetBrains Mono"/>
-              </a:rPr>
-            </a:br>
-            <a:br>
-              <a:rPr kumimoji="0" lang="en-US" altLang="en-US" sz="1400" b="0" i="0" u="none" strike="noStrike" cap="none" normalizeH="0" baseline="0" dirty="0">
-                <a:ln>
-                  <a:noFill/>
-                </a:ln>
-                <a:effectLst/>
-                <a:latin typeface="JetBrains Mono"/>
-              </a:rPr>
-            </a:br>
-            <a:r>
-              <a:rPr kumimoji="0" lang="en-US" altLang="en-US" sz="1400" b="0" i="0" u="none" strike="noStrike" cap="none" normalizeH="0" baseline="0" dirty="0">
-                <a:ln>
-                  <a:noFill/>
-                </a:ln>
-                <a:effectLst/>
-                <a:latin typeface="JetBrains Mono"/>
-              </a:rPr>
-              <a:t>        SELECT DISTINCT ?country ?</a:t>
-            </a:r>
-            <a:r>
-              <a:rPr kumimoji="0" lang="en-US" altLang="en-US" sz="1400" b="0" i="0" u="none" strike="noStrike" cap="none" normalizeH="0" baseline="0" dirty="0" err="1">
-                <a:ln>
-                  <a:noFill/>
-                </a:ln>
-                <a:effectLst/>
-                <a:latin typeface="JetBrains Mono"/>
-              </a:rPr>
-              <a:t>countryLabel</a:t>
-            </a:r>
-            <a:r>
-              <a:rPr kumimoji="0" lang="en-US" altLang="en-US" sz="1400" b="0" i="0" u="none" strike="noStrike" cap="none" normalizeH="0" baseline="0" dirty="0">
-                <a:ln>
-                  <a:noFill/>
-                </a:ln>
-                <a:effectLst/>
-                <a:latin typeface="JetBrains Mono"/>
-              </a:rPr>
-              <a:t> ?capital ?</a:t>
-            </a:r>
-            <a:r>
-              <a:rPr kumimoji="0" lang="en-US" altLang="en-US" sz="1400" b="0" i="0" u="none" strike="noStrike" cap="none" normalizeH="0" baseline="0" dirty="0" err="1">
-                <a:ln>
-                  <a:noFill/>
-                </a:ln>
-                <a:effectLst/>
-                <a:latin typeface="JetBrains Mono"/>
-              </a:rPr>
-              <a:t>capitalLabel</a:t>
-            </a:r>
-            <a:r>
-              <a:rPr kumimoji="0" lang="en-US" altLang="en-US" sz="1400" b="0" i="0" u="none" strike="noStrike" cap="none" normalizeH="0" baseline="0" dirty="0">
-                <a:ln>
-                  <a:noFill/>
-                </a:ln>
-                <a:effectLst/>
-                <a:latin typeface="JetBrains Mono"/>
-              </a:rPr>
-              <a:t> ?population ?thumbnail WHERE {</a:t>
-            </a:r>
-            <a:br>
-              <a:rPr kumimoji="0" lang="en-US" altLang="en-US" sz="1400" b="0" i="0" u="none" strike="noStrike" cap="none" normalizeH="0" baseline="0" dirty="0">
-                <a:ln>
-                  <a:noFill/>
-                </a:ln>
-                <a:effectLst/>
-                <a:latin typeface="JetBrains Mono"/>
-              </a:rPr>
-            </a:br>
-            <a:r>
-              <a:rPr kumimoji="0" lang="en-US" altLang="en-US" sz="1400" b="0" i="0" u="none" strike="noStrike" cap="none" normalizeH="0" baseline="0" dirty="0">
-                <a:ln>
-                  <a:noFill/>
-                </a:ln>
-                <a:effectLst/>
-                <a:latin typeface="JetBrains Mono"/>
-              </a:rPr>
-              <a:t>          ?country a </a:t>
-            </a:r>
-            <a:r>
-              <a:rPr kumimoji="0" lang="en-US" altLang="en-US" sz="1400" b="0" i="0" u="none" strike="noStrike" cap="none" normalizeH="0" baseline="0" dirty="0" err="1">
-                <a:ln>
-                  <a:noFill/>
-                </a:ln>
-                <a:effectLst/>
-                <a:latin typeface="JetBrains Mono"/>
-              </a:rPr>
-              <a:t>dbo:Country</a:t>
-            </a:r>
-            <a:r>
-              <a:rPr kumimoji="0" lang="en-US" altLang="en-US" sz="1400" b="0" i="0" u="none" strike="noStrike" cap="none" normalizeH="0" baseline="0" dirty="0">
-                <a:ln>
-                  <a:noFill/>
-                </a:ln>
-                <a:effectLst/>
-                <a:latin typeface="JetBrains Mono"/>
-              </a:rPr>
-              <a:t> ;</a:t>
-            </a:r>
-            <a:br>
-              <a:rPr kumimoji="0" lang="en-US" altLang="en-US" sz="1400" b="0" i="0" u="none" strike="noStrike" cap="none" normalizeH="0" baseline="0" dirty="0">
-                <a:ln>
-                  <a:noFill/>
-                </a:ln>
-                <a:effectLst/>
-                <a:latin typeface="JetBrains Mono"/>
-              </a:rPr>
-            </a:br>
-            <a:r>
-              <a:rPr kumimoji="0" lang="en-US" altLang="en-US" sz="1400" b="0" i="0" u="none" strike="noStrike" cap="none" normalizeH="0" baseline="0" dirty="0">
-                <a:ln>
-                  <a:noFill/>
-                </a:ln>
-                <a:effectLst/>
-                <a:latin typeface="JetBrains Mono"/>
-              </a:rPr>
-              <a:t>                   </a:t>
-            </a:r>
-            <a:r>
-              <a:rPr kumimoji="0" lang="en-US" altLang="en-US" sz="1400" b="0" i="0" u="none" strike="noStrike" cap="none" normalizeH="0" baseline="0" dirty="0" err="1">
-                <a:ln>
-                  <a:noFill/>
-                </a:ln>
-                <a:effectLst/>
-                <a:latin typeface="JetBrains Mono"/>
-              </a:rPr>
-              <a:t>dct:subject</a:t>
-            </a:r>
-            <a:r>
-              <a:rPr kumimoji="0" lang="en-US" altLang="en-US" sz="1400" b="0" i="0" u="none" strike="noStrike" cap="none" normalizeH="0" baseline="0" dirty="0">
-                <a:ln>
-                  <a:noFill/>
-                </a:ln>
-                <a:effectLst/>
-                <a:latin typeface="JetBrains Mono"/>
-              </a:rPr>
-              <a:t> </a:t>
-            </a:r>
-            <a:r>
-              <a:rPr kumimoji="0" lang="en-US" altLang="en-US" sz="1400" b="0" i="0" u="none" strike="noStrike" cap="none" normalizeH="0" baseline="0" dirty="0" err="1">
-                <a:ln>
-                  <a:noFill/>
-                </a:ln>
-                <a:effectLst/>
-                <a:latin typeface="JetBrains Mono"/>
-              </a:rPr>
-              <a:t>dbc:Countries_in_Asia</a:t>
-            </a:r>
-            <a:r>
-              <a:rPr kumimoji="0" lang="en-US" altLang="en-US" sz="1400" b="0" i="0" u="none" strike="noStrike" cap="none" normalizeH="0" baseline="0" dirty="0">
-                <a:ln>
-                  <a:noFill/>
-                </a:ln>
-                <a:effectLst/>
-                <a:latin typeface="JetBrains Mono"/>
-              </a:rPr>
-              <a:t> .</a:t>
-            </a:r>
-            <a:br>
-              <a:rPr kumimoji="0" lang="en-US" altLang="en-US" sz="1400" b="0" i="0" u="none" strike="noStrike" cap="none" normalizeH="0" baseline="0" dirty="0">
-                <a:ln>
-                  <a:noFill/>
-                </a:ln>
-                <a:effectLst/>
-                <a:latin typeface="JetBrains Mono"/>
-              </a:rPr>
-            </a:br>
-            <a:br>
-              <a:rPr kumimoji="0" lang="en-US" altLang="en-US" sz="1400" b="0" i="0" u="none" strike="noStrike" cap="none" normalizeH="0" baseline="0" dirty="0">
-                <a:ln>
-                  <a:noFill/>
-                </a:ln>
-                <a:effectLst/>
-                <a:latin typeface="JetBrains Mono"/>
-              </a:rPr>
-            </a:br>
-            <a:r>
-              <a:rPr kumimoji="0" lang="en-US" altLang="en-US" sz="1400" b="0" i="0" u="none" strike="noStrike" cap="none" normalizeH="0" baseline="0" dirty="0">
-                <a:ln>
-                  <a:noFill/>
-                </a:ln>
-                <a:effectLst/>
-                <a:latin typeface="JetBrains Mono"/>
-              </a:rPr>
-              <a:t>          ?country </a:t>
-            </a:r>
-            <a:r>
-              <a:rPr kumimoji="0" lang="en-US" altLang="en-US" sz="1400" b="0" i="0" u="none" strike="noStrike" cap="none" normalizeH="0" baseline="0" dirty="0" err="1">
-                <a:ln>
-                  <a:noFill/>
-                </a:ln>
-                <a:effectLst/>
-                <a:latin typeface="JetBrains Mono"/>
-              </a:rPr>
-              <a:t>rdfs:label</a:t>
-            </a:r>
-            <a:r>
-              <a:rPr kumimoji="0" lang="en-US" altLang="en-US" sz="1400" b="0" i="0" u="none" strike="noStrike" cap="none" normalizeH="0" baseline="0" dirty="0">
-                <a:ln>
-                  <a:noFill/>
-                </a:ln>
-                <a:effectLst/>
-                <a:latin typeface="JetBrains Mono"/>
-              </a:rPr>
-              <a:t> ?</a:t>
-            </a:r>
-            <a:r>
-              <a:rPr kumimoji="0" lang="en-US" altLang="en-US" sz="1400" b="0" i="0" u="none" strike="noStrike" cap="none" normalizeH="0" baseline="0" dirty="0" err="1">
-                <a:ln>
-                  <a:noFill/>
-                </a:ln>
-                <a:effectLst/>
-                <a:latin typeface="JetBrains Mono"/>
-              </a:rPr>
-              <a:t>countryLabel</a:t>
-            </a:r>
-            <a:r>
-              <a:rPr kumimoji="0" lang="en-US" altLang="en-US" sz="1400" b="0" i="0" u="none" strike="noStrike" cap="none" normalizeH="0" baseline="0" dirty="0">
-                <a:ln>
-                  <a:noFill/>
-                </a:ln>
-                <a:effectLst/>
-                <a:latin typeface="JetBrains Mono"/>
-              </a:rPr>
-              <a:t> .</a:t>
-            </a:r>
-            <a:br>
-              <a:rPr kumimoji="0" lang="en-US" altLang="en-US" sz="1400" b="0" i="0" u="none" strike="noStrike" cap="none" normalizeH="0" baseline="0" dirty="0">
-                <a:ln>
-                  <a:noFill/>
-                </a:ln>
-                <a:effectLst/>
-                <a:latin typeface="JetBrains Mono"/>
-              </a:rPr>
-            </a:br>
-            <a:r>
-              <a:rPr kumimoji="0" lang="en-US" altLang="en-US" sz="1400" b="0" i="0" u="none" strike="noStrike" cap="none" normalizeH="0" baseline="0" dirty="0">
-                <a:ln>
-                  <a:noFill/>
-                </a:ln>
-                <a:effectLst/>
-                <a:latin typeface="JetBrains Mono"/>
-              </a:rPr>
-              <a:t>          FILTER ( </a:t>
-            </a:r>
-            <a:r>
-              <a:rPr kumimoji="0" lang="en-US" altLang="en-US" sz="1400" b="0" i="0" u="none" strike="noStrike" cap="none" normalizeH="0" baseline="0" dirty="0" err="1">
-                <a:ln>
-                  <a:noFill/>
-                </a:ln>
-                <a:effectLst/>
-                <a:latin typeface="JetBrains Mono"/>
-              </a:rPr>
-              <a:t>langMatches</a:t>
-            </a:r>
-            <a:r>
-              <a:rPr kumimoji="0" lang="en-US" altLang="en-US" sz="1400" b="0" i="0" u="none" strike="noStrike" cap="none" normalizeH="0" baseline="0" dirty="0">
-                <a:ln>
-                  <a:noFill/>
-                </a:ln>
-                <a:effectLst/>
-                <a:latin typeface="JetBrains Mono"/>
-              </a:rPr>
-              <a:t>(lang(?</a:t>
-            </a:r>
-            <a:r>
-              <a:rPr kumimoji="0" lang="en-US" altLang="en-US" sz="1400" b="0" i="0" u="none" strike="noStrike" cap="none" normalizeH="0" baseline="0" dirty="0" err="1">
-                <a:ln>
-                  <a:noFill/>
-                </a:ln>
-                <a:effectLst/>
-                <a:latin typeface="JetBrains Mono"/>
-              </a:rPr>
-              <a:t>countryLabel</a:t>
-            </a:r>
-            <a:r>
-              <a:rPr kumimoji="0" lang="en-US" altLang="en-US" sz="1400" b="0" i="0" u="none" strike="noStrike" cap="none" normalizeH="0" baseline="0" dirty="0">
-                <a:ln>
-                  <a:noFill/>
-                </a:ln>
-                <a:effectLst/>
-                <a:latin typeface="JetBrains Mono"/>
-              </a:rPr>
-              <a:t>), "EN") )</a:t>
-            </a:r>
-            <a:br>
-              <a:rPr kumimoji="0" lang="en-US" altLang="en-US" sz="1400" b="0" i="0" u="none" strike="noStrike" cap="none" normalizeH="0" baseline="0" dirty="0">
-                <a:ln>
-                  <a:noFill/>
-                </a:ln>
-                <a:effectLst/>
-                <a:latin typeface="JetBrains Mono"/>
-              </a:rPr>
-            </a:br>
-            <a:br>
-              <a:rPr kumimoji="0" lang="en-US" altLang="en-US" sz="1400" b="0" i="0" u="none" strike="noStrike" cap="none" normalizeH="0" baseline="0" dirty="0">
-                <a:ln>
-                  <a:noFill/>
-                </a:ln>
-                <a:effectLst/>
-                <a:latin typeface="JetBrains Mono"/>
-              </a:rPr>
-            </a:br>
-            <a:r>
-              <a:rPr kumimoji="0" lang="en-US" altLang="en-US" sz="1400" b="0" i="0" u="none" strike="noStrike" cap="none" normalizeH="0" baseline="0" dirty="0">
-                <a:ln>
-                  <a:noFill/>
-                </a:ln>
-                <a:effectLst/>
-                <a:latin typeface="JetBrains Mono"/>
-              </a:rPr>
-              <a:t>          OPTIONAL { ?country </a:t>
-            </a:r>
-            <a:r>
-              <a:rPr kumimoji="0" lang="en-US" altLang="en-US" sz="1400" b="0" i="0" u="none" strike="noStrike" cap="none" normalizeH="0" baseline="0" dirty="0" err="1">
-                <a:ln>
-                  <a:noFill/>
-                </a:ln>
-                <a:effectLst/>
-                <a:latin typeface="JetBrains Mono"/>
-              </a:rPr>
-              <a:t>dbo:dissolutionYear</a:t>
-            </a:r>
-            <a:r>
-              <a:rPr kumimoji="0" lang="en-US" altLang="en-US" sz="1400" b="0" i="0" u="none" strike="noStrike" cap="none" normalizeH="0" baseline="0" dirty="0">
-                <a:ln>
-                  <a:noFill/>
-                </a:ln>
-                <a:effectLst/>
-                <a:latin typeface="JetBrains Mono"/>
-              </a:rPr>
-              <a:t> ?_diss }</a:t>
-            </a:r>
-            <a:br>
-              <a:rPr kumimoji="0" lang="en-US" altLang="en-US" sz="1400" b="0" i="0" u="none" strike="noStrike" cap="none" normalizeH="0" baseline="0" dirty="0">
-                <a:ln>
-                  <a:noFill/>
-                </a:ln>
-                <a:effectLst/>
-                <a:latin typeface="JetBrains Mono"/>
-              </a:rPr>
-            </a:br>
-            <a:r>
-              <a:rPr kumimoji="0" lang="en-US" altLang="en-US" sz="1400" b="0" i="0" u="none" strike="noStrike" cap="none" normalizeH="0" baseline="0" dirty="0">
-                <a:ln>
-                  <a:noFill/>
-                </a:ln>
-                <a:effectLst/>
-                <a:latin typeface="JetBrains Mono"/>
-              </a:rPr>
-              <a:t>          FILTER ( !BOUND(?_diss) )</a:t>
-            </a:r>
-            <a:br>
-              <a:rPr kumimoji="0" lang="en-US" altLang="en-US" sz="1400" b="0" i="0" u="none" strike="noStrike" cap="none" normalizeH="0" baseline="0" dirty="0">
-                <a:ln>
-                  <a:noFill/>
-                </a:ln>
-                <a:effectLst/>
-                <a:latin typeface="JetBrains Mono"/>
-              </a:rPr>
-            </a:br>
-            <a:br>
-              <a:rPr kumimoji="0" lang="en-US" altLang="en-US" sz="1400" b="0" i="0" u="none" strike="noStrike" cap="none" normalizeH="0" baseline="0" dirty="0">
-                <a:ln>
-                  <a:noFill/>
-                </a:ln>
-                <a:effectLst/>
-                <a:latin typeface="JetBrains Mono"/>
-              </a:rPr>
-            </a:br>
-            <a:r>
-              <a:rPr kumimoji="0" lang="en-US" altLang="en-US" sz="1400" b="0" i="0" u="none" strike="noStrike" cap="none" normalizeH="0" baseline="0" dirty="0">
-                <a:ln>
-                  <a:noFill/>
-                </a:ln>
-                <a:effectLst/>
-                <a:latin typeface="JetBrains Mono"/>
-              </a:rPr>
-              <a:t>          OPTIONAL {</a:t>
-            </a:r>
-            <a:br>
-              <a:rPr kumimoji="0" lang="en-US" altLang="en-US" sz="1400" b="0" i="0" u="none" strike="noStrike" cap="none" normalizeH="0" baseline="0" dirty="0">
-                <a:ln>
-                  <a:noFill/>
-                </a:ln>
-                <a:effectLst/>
-                <a:latin typeface="JetBrains Mono"/>
-              </a:rPr>
-            </a:br>
-            <a:r>
-              <a:rPr kumimoji="0" lang="en-US" altLang="en-US" sz="1400" b="0" i="0" u="none" strike="noStrike" cap="none" normalizeH="0" baseline="0" dirty="0">
-                <a:ln>
-                  <a:noFill/>
-                </a:ln>
-                <a:effectLst/>
-                <a:latin typeface="JetBrains Mono"/>
-              </a:rPr>
-              <a:t>            { ?country </a:t>
-            </a:r>
-            <a:r>
-              <a:rPr kumimoji="0" lang="en-US" altLang="en-US" sz="1400" b="0" i="0" u="none" strike="noStrike" cap="none" normalizeH="0" baseline="0" dirty="0" err="1">
-                <a:ln>
-                  <a:noFill/>
-                </a:ln>
-                <a:effectLst/>
-                <a:latin typeface="JetBrains Mono"/>
-              </a:rPr>
-              <a:t>dbo:capital</a:t>
-            </a:r>
-            <a:r>
-              <a:rPr kumimoji="0" lang="en-US" altLang="en-US" sz="1400" b="0" i="0" u="none" strike="noStrike" cap="none" normalizeH="0" baseline="0" dirty="0">
-                <a:ln>
-                  <a:noFill/>
-                </a:ln>
-                <a:effectLst/>
-                <a:latin typeface="JetBrains Mono"/>
-              </a:rPr>
-              <a:t> ?capital }</a:t>
-            </a:r>
-            <a:br>
-              <a:rPr kumimoji="0" lang="en-US" altLang="en-US" sz="1400" b="0" i="0" u="none" strike="noStrike" cap="none" normalizeH="0" baseline="0" dirty="0">
-                <a:ln>
-                  <a:noFill/>
-                </a:ln>
-                <a:effectLst/>
-                <a:latin typeface="JetBrains Mono"/>
-              </a:rPr>
-            </a:br>
-            <a:r>
-              <a:rPr kumimoji="0" lang="en-US" altLang="en-US" sz="1400" b="0" i="0" u="none" strike="noStrike" cap="none" normalizeH="0" baseline="0" dirty="0">
-                <a:ln>
-                  <a:noFill/>
-                </a:ln>
-                <a:effectLst/>
-                <a:latin typeface="JetBrains Mono"/>
-              </a:rPr>
-              <a:t>            UNION</a:t>
-            </a:r>
-            <a:br>
-              <a:rPr kumimoji="0" lang="en-US" altLang="en-US" sz="1400" b="0" i="0" u="none" strike="noStrike" cap="none" normalizeH="0" baseline="0" dirty="0">
-                <a:ln>
-                  <a:noFill/>
-                </a:ln>
-                <a:effectLst/>
-                <a:latin typeface="JetBrains Mono"/>
-              </a:rPr>
-            </a:br>
-            <a:r>
-              <a:rPr kumimoji="0" lang="en-US" altLang="en-US" sz="1400" b="0" i="0" u="none" strike="noStrike" cap="none" normalizeH="0" baseline="0" dirty="0">
-                <a:ln>
-                  <a:noFill/>
-                </a:ln>
-                <a:effectLst/>
-                <a:latin typeface="JetBrains Mono"/>
-              </a:rPr>
-              <a:t>            { ?country </a:t>
-            </a:r>
-            <a:r>
-              <a:rPr kumimoji="0" lang="en-US" altLang="en-US" sz="1400" b="0" i="0" u="none" strike="noStrike" cap="none" normalizeH="0" baseline="0" dirty="0" err="1">
-                <a:ln>
-                  <a:noFill/>
-                </a:ln>
-                <a:effectLst/>
-                <a:latin typeface="JetBrains Mono"/>
-              </a:rPr>
-              <a:t>dbp:capital</a:t>
-            </a:r>
-            <a:r>
-              <a:rPr kumimoji="0" lang="en-US" altLang="en-US" sz="1400" b="0" i="0" u="none" strike="noStrike" cap="none" normalizeH="0" baseline="0" dirty="0">
-                <a:ln>
-                  <a:noFill/>
-                </a:ln>
-                <a:effectLst/>
-                <a:latin typeface="JetBrains Mono"/>
-              </a:rPr>
-              <a:t> ?capital . FILTER( </a:t>
-            </a:r>
-            <a:r>
-              <a:rPr kumimoji="0" lang="en-US" altLang="en-US" sz="1400" b="0" i="0" u="none" strike="noStrike" cap="none" normalizeH="0" baseline="0" dirty="0" err="1">
-                <a:ln>
-                  <a:noFill/>
-                </a:ln>
-                <a:effectLst/>
-                <a:latin typeface="JetBrains Mono"/>
-              </a:rPr>
-              <a:t>isIRI</a:t>
-            </a:r>
-            <a:r>
-              <a:rPr kumimoji="0" lang="en-US" altLang="en-US" sz="1400" b="0" i="0" u="none" strike="noStrike" cap="none" normalizeH="0" baseline="0" dirty="0">
-                <a:ln>
-                  <a:noFill/>
-                </a:ln>
-                <a:effectLst/>
-                <a:latin typeface="JetBrains Mono"/>
-              </a:rPr>
-              <a:t>(?capital) ) }</a:t>
-            </a:r>
-            <a:br>
-              <a:rPr kumimoji="0" lang="en-US" altLang="en-US" sz="1400" b="0" i="0" u="none" strike="noStrike" cap="none" normalizeH="0" baseline="0" dirty="0">
-                <a:ln>
-                  <a:noFill/>
-                </a:ln>
-                <a:effectLst/>
-                <a:latin typeface="JetBrains Mono"/>
-              </a:rPr>
-            </a:br>
-            <a:br>
-              <a:rPr kumimoji="0" lang="en-US" altLang="en-US" sz="1400" b="0" i="0" u="none" strike="noStrike" cap="none" normalizeH="0" baseline="0" dirty="0">
-                <a:ln>
-                  <a:noFill/>
-                </a:ln>
-                <a:effectLst/>
-                <a:latin typeface="JetBrains Mono"/>
-              </a:rPr>
-            </a:br>
-            <a:r>
-              <a:rPr kumimoji="0" lang="en-US" altLang="en-US" sz="1400" b="0" i="0" u="none" strike="noStrike" cap="none" normalizeH="0" baseline="0" dirty="0">
-                <a:ln>
-                  <a:noFill/>
-                </a:ln>
-                <a:effectLst/>
-                <a:latin typeface="JetBrains Mono"/>
-              </a:rPr>
-              <a:t>            ?capital </a:t>
-            </a:r>
-            <a:r>
-              <a:rPr kumimoji="0" lang="en-US" altLang="en-US" sz="1400" b="0" i="0" u="none" strike="noStrike" cap="none" normalizeH="0" baseline="0" dirty="0" err="1">
-                <a:ln>
-                  <a:noFill/>
-                </a:ln>
-                <a:effectLst/>
-                <a:latin typeface="JetBrains Mono"/>
-              </a:rPr>
-              <a:t>rdfs:label</a:t>
-            </a:r>
-            <a:r>
-              <a:rPr kumimoji="0" lang="en-US" altLang="en-US" sz="1400" b="0" i="0" u="none" strike="noStrike" cap="none" normalizeH="0" baseline="0" dirty="0">
-                <a:ln>
-                  <a:noFill/>
-                </a:ln>
-                <a:effectLst/>
-                <a:latin typeface="JetBrains Mono"/>
-              </a:rPr>
-              <a:t> ?</a:t>
-            </a:r>
-            <a:r>
-              <a:rPr kumimoji="0" lang="en-US" altLang="en-US" sz="1400" b="0" i="0" u="none" strike="noStrike" cap="none" normalizeH="0" baseline="0" dirty="0" err="1">
-                <a:ln>
-                  <a:noFill/>
-                </a:ln>
-                <a:effectLst/>
-                <a:latin typeface="JetBrains Mono"/>
-              </a:rPr>
-              <a:t>capitalLabel</a:t>
-            </a:r>
-            <a:r>
-              <a:rPr kumimoji="0" lang="en-US" altLang="en-US" sz="1400" b="0" i="0" u="none" strike="noStrike" cap="none" normalizeH="0" baseline="0" dirty="0">
-                <a:ln>
-                  <a:noFill/>
-                </a:ln>
-                <a:effectLst/>
-                <a:latin typeface="JetBrains Mono"/>
-              </a:rPr>
-              <a:t> .</a:t>
-            </a:r>
-            <a:br>
-              <a:rPr kumimoji="0" lang="en-US" altLang="en-US" sz="1400" b="0" i="0" u="none" strike="noStrike" cap="none" normalizeH="0" baseline="0" dirty="0">
-                <a:ln>
-                  <a:noFill/>
-                </a:ln>
-                <a:effectLst/>
-                <a:latin typeface="JetBrains Mono"/>
-              </a:rPr>
-            </a:br>
-            <a:r>
-              <a:rPr kumimoji="0" lang="en-US" altLang="en-US" sz="1400" b="0" i="0" u="none" strike="noStrike" cap="none" normalizeH="0" baseline="0" dirty="0">
-                <a:ln>
-                  <a:noFill/>
-                </a:ln>
-                <a:effectLst/>
-                <a:latin typeface="JetBrains Mono"/>
-              </a:rPr>
-              <a:t>            FILTER ( </a:t>
-            </a:r>
-            <a:r>
-              <a:rPr kumimoji="0" lang="en-US" altLang="en-US" sz="1400" b="0" i="0" u="none" strike="noStrike" cap="none" normalizeH="0" baseline="0" dirty="0" err="1">
-                <a:ln>
-                  <a:noFill/>
-                </a:ln>
-                <a:effectLst/>
-                <a:latin typeface="JetBrains Mono"/>
-              </a:rPr>
-              <a:t>langMatches</a:t>
-            </a:r>
-            <a:r>
-              <a:rPr kumimoji="0" lang="en-US" altLang="en-US" sz="1400" b="0" i="0" u="none" strike="noStrike" cap="none" normalizeH="0" baseline="0" dirty="0">
-                <a:ln>
-                  <a:noFill/>
-                </a:ln>
-                <a:effectLst/>
-                <a:latin typeface="JetBrains Mono"/>
-              </a:rPr>
-              <a:t>(lang(?</a:t>
-            </a:r>
-            <a:r>
-              <a:rPr kumimoji="0" lang="en-US" altLang="en-US" sz="1400" b="0" i="0" u="none" strike="noStrike" cap="none" normalizeH="0" baseline="0" dirty="0" err="1">
-                <a:ln>
-                  <a:noFill/>
-                </a:ln>
-                <a:effectLst/>
-                <a:latin typeface="JetBrains Mono"/>
-              </a:rPr>
-              <a:t>capitalLabel</a:t>
-            </a:r>
-            <a:r>
-              <a:rPr kumimoji="0" lang="en-US" altLang="en-US" sz="1400" b="0" i="0" u="none" strike="noStrike" cap="none" normalizeH="0" baseline="0" dirty="0">
-                <a:ln>
-                  <a:noFill/>
-                </a:ln>
-                <a:effectLst/>
-                <a:latin typeface="JetBrains Mono"/>
-              </a:rPr>
-              <a:t>), "EN") )</a:t>
-            </a:r>
-            <a:br>
-              <a:rPr kumimoji="0" lang="en-US" altLang="en-US" sz="1400" b="0" i="0" u="none" strike="noStrike" cap="none" normalizeH="0" baseline="0" dirty="0">
-                <a:ln>
-                  <a:noFill/>
-                </a:ln>
-                <a:effectLst/>
-                <a:latin typeface="JetBrains Mono"/>
-              </a:rPr>
-            </a:br>
-            <a:r>
-              <a:rPr kumimoji="0" lang="en-US" altLang="en-US" sz="1400" b="0" i="0" u="none" strike="noStrike" cap="none" normalizeH="0" baseline="0" dirty="0">
-                <a:ln>
-                  <a:noFill/>
-                </a:ln>
-                <a:effectLst/>
-                <a:latin typeface="JetBrains Mono"/>
-              </a:rPr>
-              <a:t>          }</a:t>
-            </a:r>
-            <a:br>
-              <a:rPr kumimoji="0" lang="en-US" altLang="en-US" sz="1400" b="0" i="0" u="none" strike="noStrike" cap="none" normalizeH="0" baseline="0" dirty="0">
-                <a:ln>
-                  <a:noFill/>
-                </a:ln>
-                <a:effectLst/>
-                <a:latin typeface="JetBrains Mono"/>
-              </a:rPr>
-            </a:br>
-            <a:r>
-              <a:rPr kumimoji="0" lang="en-US" altLang="en-US" sz="1400" b="0" i="0" u="none" strike="noStrike" cap="none" normalizeH="0" baseline="0" dirty="0">
-                <a:ln>
-                  <a:noFill/>
-                </a:ln>
-                <a:effectLst/>
-                <a:latin typeface="JetBrains Mono"/>
-              </a:rPr>
-              <a:t>        ORDER BY RAND()</a:t>
-            </a:r>
-            <a:endParaRPr kumimoji="0" lang="en-US" altLang="en-US" sz="3600" b="0" i="0" u="none" strike="noStrike" cap="none" normalizeH="0" baseline="0" dirty="0">
-              <a:ln>
-                <a:noFill/>
-              </a:ln>
-              <a:effectLst/>
-              <a:latin typeface="Arial" panose="020B0604020202020204" pitchFamily="34" charset="0"/>
-            </a:endParaRPr>
-          </a:p>
-        </p:txBody>
-      </p:sp>
     </p:spTree>
     <p:extLst>
       <p:ext uri="{BB962C8B-B14F-4D97-AF65-F5344CB8AC3E}">
-        <p14:creationId xmlns:p14="http://schemas.microsoft.com/office/powerpoint/2010/main" val="2581069546"/>
+        <p14:creationId xmlns:p14="http://schemas.microsoft.com/office/powerpoint/2010/main" val="252563084"/>
       </p:ext>
     </p:extLst>
   </p:cSld>

--- a/Semantic web.pptx
+++ b/Semantic web.pptx
@@ -4406,11 +4406,7 @@
           <a:p>
             <a:r>
               <a:rPr lang="en-US" dirty="0"/>
-              <a:t>Graph </a:t>
-            </a:r>
-            <a:r>
-              <a:rPr lang="en-US"/>
-              <a:t>Data Model</a:t>
+              <a:t>Graph Data Model</a:t>
             </a:r>
           </a:p>
         </p:txBody>
